--- a/assets/ppt/parsing/td1-recursive-descent.pptx
+++ b/assets/ppt/parsing/td1-recursive-descent.pptx
@@ -2,7 +2,7 @@
 <file path=ppt/presentation.xml><?xml version="1.0" encoding="utf-8"?>
 <p:presentation xmlns:a="http://schemas.openxmlformats.org/drawingml/2006/main" xmlns:r="http://schemas.openxmlformats.org/officeDocument/2006/relationships" xmlns:p="http://schemas.openxmlformats.org/presentationml/2006/main" strictFirstAndLastChars="0" saveSubsetFonts="1" autoCompressPictures="0">
   <p:sldMasterIdLst>
-    <p:sldMasterId id="2147483648" r:id="rId1"/>
+    <p:sldMasterId id="2147483660" r:id="rId1"/>
   </p:sldMasterIdLst>
   <p:notesMasterIdLst>
     <p:notesMasterId r:id="rId22"/>
@@ -159,6 +159,22 @@
       </a:defRPr>
     </a:lvl9pPr>
   </p:defaultTextStyle>
+  <p:extLst>
+    <p:ext uri="{EFAFB233-063F-42B5-8137-9DF3F51BA10A}">
+      <p15:sldGuideLst xmlns:p15="http://schemas.microsoft.com/office/powerpoint/2012/main">
+        <p15:guide id="1" orient="horz" pos="2160">
+          <p15:clr>
+            <a:srgbClr val="A4A3A4"/>
+          </p15:clr>
+        </p15:guide>
+        <p15:guide id="2" pos="2880">
+          <p15:clr>
+            <a:srgbClr val="A4A3A4"/>
+          </p15:clr>
+        </p15:guide>
+      </p15:sldGuideLst>
+    </p:ext>
+  </p:extLst>
 </p:presentation>
 </file>
 
@@ -244,7 +260,7 @@
           <a:p>
             <a:fld id="{0DDE2897-DA21-3E4F-B539-E8F5D4B26403}" type="datetimeFigureOut">
               <a:rPr lang="en-US" smtClean="0"/>
-              <a:t>16-06-22</a:t>
+              <a:t>7/4/19</a:t>
             </a:fld>
             <a:endParaRPr lang="en-US"/>
           </a:p>
@@ -901,13 +917,19 @@
         </p:spPr>
         <p:txBody>
           <a:bodyPr/>
-          <a:lstStyle/>
-          <a:p>
-            <a:r>
-              <a:rPr lang="en-CA" smtClean="0"/>
+          <a:lstStyle>
+            <a:lvl1pPr>
+              <a:defRPr>
+                <a:latin typeface="+mj-lt"/>
+              </a:defRPr>
+            </a:lvl1pPr>
+          </a:lstStyle>
+          <a:p>
+            <a:r>
+              <a:rPr lang="en-CA" dirty="0"/>
               <a:t>Click to edit Master title style</a:t>
             </a:r>
-            <a:endParaRPr lang="en-US"/>
+            <a:endParaRPr lang="en-US" dirty="0"/>
           </a:p>
         </p:txBody>
       </p:sp>
@@ -932,7 +954,9 @@
           <a:lstStyle>
             <a:lvl1pPr marL="0" indent="0" algn="ctr">
               <a:buNone/>
-              <a:defRPr/>
+              <a:defRPr>
+                <a:latin typeface="+mn-lt"/>
+              </a:defRPr>
             </a:lvl1pPr>
             <a:lvl2pPr marL="457200" indent="0" algn="ctr">
               <a:buNone/>
@@ -969,92 +993,74 @@
           </a:lstStyle>
           <a:p>
             <a:r>
-              <a:rPr lang="en-CA" smtClean="0"/>
+              <a:rPr lang="en-CA" dirty="0"/>
               <a:t>Click to edit Master subtitle style</a:t>
             </a:r>
-            <a:endParaRPr lang="en-US"/>
+            <a:endParaRPr lang="en-US" dirty="0"/>
           </a:p>
         </p:txBody>
       </p:sp>
       <p:sp>
         <p:nvSpPr>
-          <p:cNvPr id="4" name="Date Placeholder 3"/>
+          <p:cNvPr id="7" name="Footer Placeholder 6">
+            <a:extLst>
+              <a:ext uri="{FF2B5EF4-FFF2-40B4-BE49-F238E27FC236}">
+                <a16:creationId xmlns:a16="http://schemas.microsoft.com/office/drawing/2014/main" id="{CA57918C-4FEB-FC4B-889D-A7B37C602A61}"/>
+              </a:ext>
+            </a:extLst>
+          </p:cNvPr>
           <p:cNvSpPr>
             <a:spLocks noGrp="1"/>
           </p:cNvSpPr>
           <p:nvPr>
-            <p:ph type="dt" sz="half" idx="10"/>
+            <p:ph type="ftr" sz="quarter" idx="10"/>
           </p:nvPr>
         </p:nvSpPr>
         <p:spPr/>
         <p:txBody>
           <a:bodyPr/>
-          <a:lstStyle>
-            <a:lvl1pPr>
-              <a:defRPr smtClean="0"/>
-            </a:lvl1pPr>
-          </a:lstStyle>
-          <a:p>
-            <a:fld id="{11FBCAF1-95EF-0843-A0E2-1C0F312753BF}" type="datetime1">
-              <a:rPr lang="en-CA" smtClean="0"/>
-              <a:t>16-06-22</a:t>
-            </a:fld>
+          <a:lstStyle/>
+          <a:p>
             <a:endParaRPr lang="en-US"/>
           </a:p>
         </p:txBody>
       </p:sp>
       <p:sp>
         <p:nvSpPr>
-          <p:cNvPr id="5" name="Footer Placeholder 4"/>
+          <p:cNvPr id="8" name="Slide Number Placeholder 7">
+            <a:extLst>
+              <a:ext uri="{FF2B5EF4-FFF2-40B4-BE49-F238E27FC236}">
+                <a16:creationId xmlns:a16="http://schemas.microsoft.com/office/drawing/2014/main" id="{CE5DA644-BA1F-AA47-BA1C-083A9F7BC576}"/>
+              </a:ext>
+            </a:extLst>
+          </p:cNvPr>
           <p:cNvSpPr>
             <a:spLocks noGrp="1"/>
           </p:cNvSpPr>
           <p:nvPr>
-            <p:ph type="ftr" sz="quarter" idx="11"/>
+            <p:ph type="sldNum" sz="quarter" idx="11"/>
           </p:nvPr>
         </p:nvSpPr>
         <p:spPr/>
         <p:txBody>
           <a:bodyPr/>
-          <a:lstStyle>
-            <a:lvl1pPr>
-              <a:defRPr/>
-            </a:lvl1pPr>
-          </a:lstStyle>
-          <a:p>
-            <a:endParaRPr lang="en-US"/>
-          </a:p>
-        </p:txBody>
-      </p:sp>
-      <p:sp>
-        <p:nvSpPr>
-          <p:cNvPr id="6" name="Slide Number Placeholder 5"/>
-          <p:cNvSpPr>
-            <a:spLocks noGrp="1"/>
-          </p:cNvSpPr>
-          <p:nvPr>
-            <p:ph type="sldNum" sz="quarter" idx="12"/>
-          </p:nvPr>
-        </p:nvSpPr>
-        <p:spPr/>
-        <p:txBody>
-          <a:bodyPr/>
-          <a:lstStyle>
-            <a:lvl1pPr>
-              <a:defRPr smtClean="0"/>
-            </a:lvl1pPr>
-          </a:lstStyle>
-          <a:p>
-            <a:fld id="{38669EA4-2DFE-884E-B2AD-3864DFD6D741}" type="slidenum">
-              <a:rPr lang="en-US"/>
+          <a:lstStyle/>
+          <a:p>
+            <a:fld id="{95FC67CD-6733-D04F-B9BE-AD105949F24E}" type="slidenum">
+              <a:rPr lang="en-US" smtClean="0"/>
               <a:pPr/>
               <a:t>‹#›</a:t>
             </a:fld>
-            <a:endParaRPr lang="en-US"/>
+            <a:endParaRPr lang="en-US" dirty="0"/>
           </a:p>
         </p:txBody>
       </p:sp>
     </p:spTree>
+    <p:extLst>
+      <p:ext uri="{BB962C8B-B14F-4D97-AF65-F5344CB8AC3E}">
+        <p14:creationId xmlns:p14="http://schemas.microsoft.com/office/powerpoint/2010/main" val="3105906506"/>
+      </p:ext>
+    </p:extLst>
   </p:cSld>
   <p:clrMapOvr>
     <a:masterClrMapping/>
@@ -1092,13 +1098,19 @@
         <p:spPr/>
         <p:txBody>
           <a:bodyPr/>
-          <a:lstStyle/>
-          <a:p>
-            <a:r>
-              <a:rPr lang="en-CA" smtClean="0"/>
+          <a:lstStyle>
+            <a:lvl1pPr>
+              <a:defRPr>
+                <a:latin typeface="+mj-lt"/>
+              </a:defRPr>
+            </a:lvl1pPr>
+          </a:lstStyle>
+          <a:p>
+            <a:r>
+              <a:rPr lang="en-CA" dirty="0"/>
               <a:t>Click to edit Master title style</a:t>
             </a:r>
-            <a:endParaRPr lang="en-US"/>
+            <a:endParaRPr lang="en-US" dirty="0"/>
           </a:p>
         </p:txBody>
       </p:sp>
@@ -1115,124 +1127,132 @@
         <p:spPr/>
         <p:txBody>
           <a:bodyPr vert="eaVert"/>
-          <a:lstStyle/>
+          <a:lstStyle>
+            <a:lvl1pPr>
+              <a:defRPr>
+                <a:latin typeface="+mn-lt"/>
+              </a:defRPr>
+            </a:lvl1pPr>
+            <a:lvl2pPr>
+              <a:defRPr>
+                <a:latin typeface="+mn-lt"/>
+              </a:defRPr>
+            </a:lvl2pPr>
+            <a:lvl3pPr>
+              <a:defRPr>
+                <a:latin typeface="+mn-lt"/>
+              </a:defRPr>
+            </a:lvl3pPr>
+            <a:lvl4pPr>
+              <a:defRPr>
+                <a:latin typeface="+mn-lt"/>
+              </a:defRPr>
+            </a:lvl4pPr>
+            <a:lvl5pPr>
+              <a:defRPr>
+                <a:latin typeface="+mn-lt"/>
+              </a:defRPr>
+            </a:lvl5pPr>
+          </a:lstStyle>
           <a:p>
             <a:pPr lvl="0"/>
             <a:r>
-              <a:rPr lang="en-CA" smtClean="0"/>
+              <a:rPr lang="en-CA" dirty="0"/>
               <a:t>Click to edit Master text styles</a:t>
             </a:r>
           </a:p>
           <a:p>
             <a:pPr lvl="1"/>
             <a:r>
-              <a:rPr lang="en-CA" smtClean="0"/>
+              <a:rPr lang="en-CA" dirty="0"/>
               <a:t>Second level</a:t>
             </a:r>
           </a:p>
           <a:p>
             <a:pPr lvl="2"/>
             <a:r>
-              <a:rPr lang="en-CA" smtClean="0"/>
+              <a:rPr lang="en-CA" dirty="0"/>
               <a:t>Third level</a:t>
             </a:r>
           </a:p>
           <a:p>
             <a:pPr lvl="3"/>
             <a:r>
-              <a:rPr lang="en-CA" smtClean="0"/>
+              <a:rPr lang="en-CA" dirty="0"/>
               <a:t>Fourth level</a:t>
             </a:r>
           </a:p>
           <a:p>
             <a:pPr lvl="4"/>
             <a:r>
-              <a:rPr lang="en-CA" smtClean="0"/>
+              <a:rPr lang="en-CA" dirty="0"/>
               <a:t>Fifth level</a:t>
             </a:r>
-            <a:endParaRPr lang="en-US"/>
+            <a:endParaRPr lang="en-US" dirty="0"/>
           </a:p>
         </p:txBody>
       </p:sp>
       <p:sp>
         <p:nvSpPr>
-          <p:cNvPr id="4" name="Date Placeholder 3"/>
+          <p:cNvPr id="7" name="Footer Placeholder 6">
+            <a:extLst>
+              <a:ext uri="{FF2B5EF4-FFF2-40B4-BE49-F238E27FC236}">
+                <a16:creationId xmlns:a16="http://schemas.microsoft.com/office/drawing/2014/main" id="{A94622E8-716D-2543-B902-025F35883533}"/>
+              </a:ext>
+            </a:extLst>
+          </p:cNvPr>
           <p:cNvSpPr>
             <a:spLocks noGrp="1"/>
           </p:cNvSpPr>
           <p:nvPr>
-            <p:ph type="dt" sz="half" idx="10"/>
+            <p:ph type="ftr" sz="quarter" idx="10"/>
           </p:nvPr>
         </p:nvSpPr>
         <p:spPr/>
         <p:txBody>
           <a:bodyPr/>
-          <a:lstStyle>
-            <a:lvl1pPr>
-              <a:defRPr smtClean="0"/>
-            </a:lvl1pPr>
-          </a:lstStyle>
-          <a:p>
-            <a:fld id="{8FCE77BC-8051-2641-A300-F7BD19C97604}" type="datetime1">
-              <a:rPr lang="en-CA" smtClean="0"/>
-              <a:t>16-06-22</a:t>
-            </a:fld>
+          <a:lstStyle/>
+          <a:p>
             <a:endParaRPr lang="en-US"/>
           </a:p>
         </p:txBody>
       </p:sp>
       <p:sp>
         <p:nvSpPr>
-          <p:cNvPr id="5" name="Footer Placeholder 4"/>
+          <p:cNvPr id="8" name="Slide Number Placeholder 7">
+            <a:extLst>
+              <a:ext uri="{FF2B5EF4-FFF2-40B4-BE49-F238E27FC236}">
+                <a16:creationId xmlns:a16="http://schemas.microsoft.com/office/drawing/2014/main" id="{7524F093-4E36-C741-82AF-EEB7333B34DF}"/>
+              </a:ext>
+            </a:extLst>
+          </p:cNvPr>
           <p:cNvSpPr>
             <a:spLocks noGrp="1"/>
           </p:cNvSpPr>
           <p:nvPr>
-            <p:ph type="ftr" sz="quarter" idx="11"/>
+            <p:ph type="sldNum" sz="quarter" idx="11"/>
           </p:nvPr>
         </p:nvSpPr>
         <p:spPr/>
         <p:txBody>
           <a:bodyPr/>
-          <a:lstStyle>
-            <a:lvl1pPr>
-              <a:defRPr/>
-            </a:lvl1pPr>
-          </a:lstStyle>
-          <a:p>
-            <a:endParaRPr lang="en-US"/>
-          </a:p>
-        </p:txBody>
-      </p:sp>
-      <p:sp>
-        <p:nvSpPr>
-          <p:cNvPr id="6" name="Slide Number Placeholder 5"/>
-          <p:cNvSpPr>
-            <a:spLocks noGrp="1"/>
-          </p:cNvSpPr>
-          <p:nvPr>
-            <p:ph type="sldNum" sz="quarter" idx="12"/>
-          </p:nvPr>
-        </p:nvSpPr>
-        <p:spPr/>
-        <p:txBody>
-          <a:bodyPr/>
-          <a:lstStyle>
-            <a:lvl1pPr>
-              <a:defRPr smtClean="0"/>
-            </a:lvl1pPr>
-          </a:lstStyle>
-          <a:p>
-            <a:fld id="{5727DCC8-1AE7-834D-AF8F-68407F34D2AB}" type="slidenum">
-              <a:rPr lang="en-US"/>
+          <a:lstStyle/>
+          <a:p>
+            <a:fld id="{95FC67CD-6733-D04F-B9BE-AD105949F24E}" type="slidenum">
+              <a:rPr lang="en-US" smtClean="0"/>
               <a:pPr/>
               <a:t>‹#›</a:t>
             </a:fld>
-            <a:endParaRPr lang="en-US"/>
+            <a:endParaRPr lang="en-US" dirty="0"/>
           </a:p>
         </p:txBody>
       </p:sp>
     </p:spTree>
+    <p:extLst>
+      <p:ext uri="{BB962C8B-B14F-4D97-AF65-F5344CB8AC3E}">
+        <p14:creationId xmlns:p14="http://schemas.microsoft.com/office/powerpoint/2010/main" val="504583465"/>
+      </p:ext>
+    </p:extLst>
   </p:cSld>
   <p:clrMapOvr>
     <a:masterClrMapping/>
@@ -1275,13 +1295,19 @@
         </p:spPr>
         <p:txBody>
           <a:bodyPr vert="eaVert"/>
-          <a:lstStyle/>
-          <a:p>
-            <a:r>
-              <a:rPr lang="en-CA" smtClean="0"/>
+          <a:lstStyle>
+            <a:lvl1pPr>
+              <a:defRPr>
+                <a:latin typeface="+mj-lt"/>
+              </a:defRPr>
+            </a:lvl1pPr>
+          </a:lstStyle>
+          <a:p>
+            <a:r>
+              <a:rPr lang="en-CA" dirty="0"/>
               <a:t>Click to edit Master title style</a:t>
             </a:r>
-            <a:endParaRPr lang="en-US"/>
+            <a:endParaRPr lang="en-US" dirty="0"/>
           </a:p>
         </p:txBody>
       </p:sp>
@@ -1303,124 +1329,132 @@
         </p:spPr>
         <p:txBody>
           <a:bodyPr vert="eaVert"/>
-          <a:lstStyle/>
+          <a:lstStyle>
+            <a:lvl1pPr>
+              <a:defRPr>
+                <a:latin typeface="+mn-lt"/>
+              </a:defRPr>
+            </a:lvl1pPr>
+            <a:lvl2pPr>
+              <a:defRPr>
+                <a:latin typeface="+mn-lt"/>
+              </a:defRPr>
+            </a:lvl2pPr>
+            <a:lvl3pPr>
+              <a:defRPr>
+                <a:latin typeface="+mn-lt"/>
+              </a:defRPr>
+            </a:lvl3pPr>
+            <a:lvl4pPr>
+              <a:defRPr>
+                <a:latin typeface="+mn-lt"/>
+              </a:defRPr>
+            </a:lvl4pPr>
+            <a:lvl5pPr>
+              <a:defRPr>
+                <a:latin typeface="+mn-lt"/>
+              </a:defRPr>
+            </a:lvl5pPr>
+          </a:lstStyle>
           <a:p>
             <a:pPr lvl="0"/>
             <a:r>
-              <a:rPr lang="en-CA" smtClean="0"/>
+              <a:rPr lang="en-CA" dirty="0"/>
               <a:t>Click to edit Master text styles</a:t>
             </a:r>
           </a:p>
           <a:p>
             <a:pPr lvl="1"/>
             <a:r>
-              <a:rPr lang="en-CA" smtClean="0"/>
+              <a:rPr lang="en-CA" dirty="0"/>
               <a:t>Second level</a:t>
             </a:r>
           </a:p>
           <a:p>
             <a:pPr lvl="2"/>
             <a:r>
-              <a:rPr lang="en-CA" smtClean="0"/>
+              <a:rPr lang="en-CA" dirty="0"/>
               <a:t>Third level</a:t>
             </a:r>
           </a:p>
           <a:p>
             <a:pPr lvl="3"/>
             <a:r>
-              <a:rPr lang="en-CA" smtClean="0"/>
+              <a:rPr lang="en-CA" dirty="0"/>
               <a:t>Fourth level</a:t>
             </a:r>
           </a:p>
           <a:p>
             <a:pPr lvl="4"/>
             <a:r>
-              <a:rPr lang="en-CA" smtClean="0"/>
+              <a:rPr lang="en-CA" dirty="0"/>
               <a:t>Fifth level</a:t>
             </a:r>
-            <a:endParaRPr lang="en-US"/>
+            <a:endParaRPr lang="en-US" dirty="0"/>
           </a:p>
         </p:txBody>
       </p:sp>
       <p:sp>
         <p:nvSpPr>
-          <p:cNvPr id="4" name="Date Placeholder 3"/>
+          <p:cNvPr id="7" name="Footer Placeholder 6">
+            <a:extLst>
+              <a:ext uri="{FF2B5EF4-FFF2-40B4-BE49-F238E27FC236}">
+                <a16:creationId xmlns:a16="http://schemas.microsoft.com/office/drawing/2014/main" id="{AB010344-6C51-EF4E-81B3-87005283EB16}"/>
+              </a:ext>
+            </a:extLst>
+          </p:cNvPr>
           <p:cNvSpPr>
             <a:spLocks noGrp="1"/>
           </p:cNvSpPr>
           <p:nvPr>
-            <p:ph type="dt" sz="half" idx="10"/>
+            <p:ph type="ftr" sz="quarter" idx="10"/>
           </p:nvPr>
         </p:nvSpPr>
         <p:spPr/>
         <p:txBody>
           <a:bodyPr/>
-          <a:lstStyle>
-            <a:lvl1pPr>
-              <a:defRPr smtClean="0"/>
-            </a:lvl1pPr>
-          </a:lstStyle>
-          <a:p>
-            <a:fld id="{DEB74EB2-3452-CF4A-949B-531E8A4635EF}" type="datetime1">
-              <a:rPr lang="en-CA" smtClean="0"/>
-              <a:t>16-06-22</a:t>
-            </a:fld>
+          <a:lstStyle/>
+          <a:p>
             <a:endParaRPr lang="en-US"/>
           </a:p>
         </p:txBody>
       </p:sp>
       <p:sp>
         <p:nvSpPr>
-          <p:cNvPr id="5" name="Footer Placeholder 4"/>
+          <p:cNvPr id="8" name="Slide Number Placeholder 7">
+            <a:extLst>
+              <a:ext uri="{FF2B5EF4-FFF2-40B4-BE49-F238E27FC236}">
+                <a16:creationId xmlns:a16="http://schemas.microsoft.com/office/drawing/2014/main" id="{5ED49F94-3724-5E4A-B082-D0D7C38EC60C}"/>
+              </a:ext>
+            </a:extLst>
+          </p:cNvPr>
           <p:cNvSpPr>
             <a:spLocks noGrp="1"/>
           </p:cNvSpPr>
           <p:nvPr>
-            <p:ph type="ftr" sz="quarter" idx="11"/>
+            <p:ph type="sldNum" sz="quarter" idx="11"/>
           </p:nvPr>
         </p:nvSpPr>
         <p:spPr/>
         <p:txBody>
           <a:bodyPr/>
-          <a:lstStyle>
-            <a:lvl1pPr>
-              <a:defRPr/>
-            </a:lvl1pPr>
-          </a:lstStyle>
-          <a:p>
-            <a:endParaRPr lang="en-US"/>
-          </a:p>
-        </p:txBody>
-      </p:sp>
-      <p:sp>
-        <p:nvSpPr>
-          <p:cNvPr id="6" name="Slide Number Placeholder 5"/>
-          <p:cNvSpPr>
-            <a:spLocks noGrp="1"/>
-          </p:cNvSpPr>
-          <p:nvPr>
-            <p:ph type="sldNum" sz="quarter" idx="12"/>
-          </p:nvPr>
-        </p:nvSpPr>
-        <p:spPr/>
-        <p:txBody>
-          <a:bodyPr/>
-          <a:lstStyle>
-            <a:lvl1pPr>
-              <a:defRPr smtClean="0"/>
-            </a:lvl1pPr>
-          </a:lstStyle>
-          <a:p>
-            <a:fld id="{09C274EE-A5E9-FD4E-A9C3-D0859D8AB684}" type="slidenum">
-              <a:rPr lang="en-US"/>
+          <a:lstStyle/>
+          <a:p>
+            <a:fld id="{95FC67CD-6733-D04F-B9BE-AD105949F24E}" type="slidenum">
+              <a:rPr lang="en-US" smtClean="0"/>
               <a:pPr/>
               <a:t>‹#›</a:t>
             </a:fld>
-            <a:endParaRPr lang="en-US"/>
+            <a:endParaRPr lang="en-US" dirty="0"/>
           </a:p>
         </p:txBody>
       </p:sp>
     </p:spTree>
+    <p:extLst>
+      <p:ext uri="{BB962C8B-B14F-4D97-AF65-F5344CB8AC3E}">
+        <p14:creationId xmlns:p14="http://schemas.microsoft.com/office/powerpoint/2010/main" val="2948324996"/>
+      </p:ext>
+    </p:extLst>
   </p:cSld>
   <p:clrMapOvr>
     <a:masterClrMapping/>
@@ -1458,13 +1492,19 @@
         <p:spPr/>
         <p:txBody>
           <a:bodyPr/>
-          <a:lstStyle/>
-          <a:p>
-            <a:r>
-              <a:rPr lang="en-CA" smtClean="0"/>
+          <a:lstStyle>
+            <a:lvl1pPr>
+              <a:defRPr>
+                <a:latin typeface="+mj-lt"/>
+              </a:defRPr>
+            </a:lvl1pPr>
+          </a:lstStyle>
+          <a:p>
+            <a:r>
+              <a:rPr lang="en-CA" dirty="0"/>
               <a:t>Click to edit Master title style</a:t>
             </a:r>
-            <a:endParaRPr lang="en-US"/>
+            <a:endParaRPr lang="en-US" dirty="0"/>
           </a:p>
         </p:txBody>
       </p:sp>
@@ -1481,69 +1521,68 @@
         <p:spPr/>
         <p:txBody>
           <a:bodyPr/>
-          <a:lstStyle/>
-          <a:p>
-            <a:pPr lvl="0"/>
-            <a:r>
-              <a:rPr lang="en-CA" smtClean="0"/>
-              <a:t>Click to edit Master text styles</a:t>
-            </a:r>
-          </a:p>
-          <a:p>
-            <a:pPr lvl="1"/>
-            <a:r>
-              <a:rPr lang="en-CA" smtClean="0"/>
-              <a:t>Second level</a:t>
-            </a:r>
-          </a:p>
-          <a:p>
-            <a:pPr lvl="2"/>
-            <a:r>
-              <a:rPr lang="en-CA" smtClean="0"/>
-              <a:t>Third level</a:t>
-            </a:r>
-          </a:p>
-          <a:p>
-            <a:pPr lvl="3"/>
-            <a:r>
-              <a:rPr lang="en-CA" smtClean="0"/>
-              <a:t>Fourth level</a:t>
-            </a:r>
-          </a:p>
-          <a:p>
-            <a:pPr lvl="4"/>
-            <a:r>
-              <a:rPr lang="en-CA" smtClean="0"/>
-              <a:t>Fifth level</a:t>
-            </a:r>
-            <a:endParaRPr lang="en-US"/>
-          </a:p>
-        </p:txBody>
-      </p:sp>
-      <p:sp>
-        <p:nvSpPr>
-          <p:cNvPr id="4" name="Date Placeholder 3"/>
-          <p:cNvSpPr>
-            <a:spLocks noGrp="1"/>
-          </p:cNvSpPr>
-          <p:nvPr>
-            <p:ph type="dt" sz="half" idx="10"/>
-          </p:nvPr>
-        </p:nvSpPr>
-        <p:spPr/>
-        <p:txBody>
-          <a:bodyPr/>
           <a:lstStyle>
             <a:lvl1pPr>
-              <a:defRPr smtClean="0"/>
+              <a:defRPr>
+                <a:latin typeface="+mn-lt"/>
+              </a:defRPr>
             </a:lvl1pPr>
+            <a:lvl2pPr>
+              <a:defRPr>
+                <a:latin typeface="+mn-lt"/>
+              </a:defRPr>
+            </a:lvl2pPr>
+            <a:lvl3pPr>
+              <a:defRPr>
+                <a:latin typeface="+mn-lt"/>
+              </a:defRPr>
+            </a:lvl3pPr>
+            <a:lvl4pPr>
+              <a:defRPr>
+                <a:latin typeface="+mn-lt"/>
+              </a:defRPr>
+            </a:lvl4pPr>
+            <a:lvl5pPr>
+              <a:defRPr>
+                <a:latin typeface="+mn-lt"/>
+              </a:defRPr>
+            </a:lvl5pPr>
           </a:lstStyle>
           <a:p>
-            <a:fld id="{D67EC2B0-77FB-5F41-BDD5-C645E4FDECB9}" type="datetime1">
-              <a:rPr lang="en-CA" smtClean="0"/>
-              <a:t>16-06-22</a:t>
-            </a:fld>
-            <a:endParaRPr lang="en-US"/>
+            <a:pPr lvl="0"/>
+            <a:r>
+              <a:rPr lang="en-CA" dirty="0"/>
+              <a:t>Click to edit Master text styles</a:t>
+            </a:r>
+          </a:p>
+          <a:p>
+            <a:pPr lvl="1"/>
+            <a:r>
+              <a:rPr lang="en-CA" dirty="0"/>
+              <a:t>Second level</a:t>
+            </a:r>
+          </a:p>
+          <a:p>
+            <a:pPr lvl="2"/>
+            <a:r>
+              <a:rPr lang="en-CA" dirty="0"/>
+              <a:t>Third level</a:t>
+            </a:r>
+          </a:p>
+          <a:p>
+            <a:pPr lvl="3"/>
+            <a:r>
+              <a:rPr lang="en-CA" dirty="0"/>
+              <a:t>Fourth level</a:t>
+            </a:r>
+          </a:p>
+          <a:p>
+            <a:pPr lvl="4"/>
+            <a:r>
+              <a:rPr lang="en-CA" dirty="0"/>
+              <a:t>Fifth level</a:t>
+            </a:r>
+            <a:endParaRPr lang="en-US" dirty="0"/>
           </a:p>
         </p:txBody>
       </p:sp>
@@ -1557,7 +1596,15 @@
             <p:ph type="ftr" sz="quarter" idx="11"/>
           </p:nvPr>
         </p:nvSpPr>
-        <p:spPr/>
+        <p:spPr>
+          <a:xfrm>
+            <a:off x="3124200" y="6248400"/>
+            <a:ext cx="2895600" cy="457200"/>
+          </a:xfrm>
+          <a:prstGeom prst="rect">
+            <a:avLst/>
+          </a:prstGeom>
+        </p:spPr>
         <p:txBody>
           <a:bodyPr/>
           <a:lstStyle>
@@ -1589,7 +1636,7 @@
             </a:lvl1pPr>
           </a:lstStyle>
           <a:p>
-            <a:fld id="{BE03BEBF-63E4-2E4C-B867-BE5AE4F16333}" type="slidenum">
+            <a:fld id="{D94201BD-6681-B946-ACD9-A8F6D28AC38D}" type="slidenum">
               <a:rPr lang="en-US"/>
               <a:pPr/>
               <a:t>‹#›</a:t>
@@ -1599,6 +1646,11 @@
         </p:txBody>
       </p:sp>
     </p:spTree>
+    <p:extLst>
+      <p:ext uri="{BB962C8B-B14F-4D97-AF65-F5344CB8AC3E}">
+        <p14:creationId xmlns:p14="http://schemas.microsoft.com/office/powerpoint/2010/main" val="2371784865"/>
+      </p:ext>
+    </p:extLst>
   </p:cSld>
   <p:clrMapOvr>
     <a:masterClrMapping/>
@@ -1643,15 +1695,17 @@
           <a:bodyPr anchor="t"/>
           <a:lstStyle>
             <a:lvl1pPr algn="l">
-              <a:defRPr sz="4000" b="1" cap="all"/>
+              <a:defRPr sz="4000" b="1" cap="all">
+                <a:latin typeface="+mj-lt"/>
+              </a:defRPr>
             </a:lvl1pPr>
           </a:lstStyle>
           <a:p>
             <a:r>
-              <a:rPr lang="en-CA" smtClean="0"/>
+              <a:rPr lang="en-CA" dirty="0"/>
               <a:t>Click to edit Master title style</a:t>
             </a:r>
-            <a:endParaRPr lang="en-US"/>
+            <a:endParaRPr lang="en-US" dirty="0"/>
           </a:p>
         </p:txBody>
       </p:sp>
@@ -1676,7 +1730,9 @@
           <a:lstStyle>
             <a:lvl1pPr marL="0" indent="0">
               <a:buNone/>
-              <a:defRPr sz="2000"/>
+              <a:defRPr sz="2000">
+                <a:latin typeface="+mn-lt"/>
+              </a:defRPr>
             </a:lvl1pPr>
             <a:lvl2pPr marL="457200" indent="0">
               <a:buNone/>
@@ -1714,7 +1770,7 @@
           <a:p>
             <a:pPr lvl="0"/>
             <a:r>
-              <a:rPr lang="en-CA" smtClean="0"/>
+              <a:rPr lang="en-CA" dirty="0"/>
               <a:t>Click to edit Master text styles</a:t>
             </a:r>
           </a:p>
@@ -1722,83 +1778,65 @@
       </p:sp>
       <p:sp>
         <p:nvSpPr>
-          <p:cNvPr id="4" name="Date Placeholder 3"/>
+          <p:cNvPr id="7" name="Footer Placeholder 6">
+            <a:extLst>
+              <a:ext uri="{FF2B5EF4-FFF2-40B4-BE49-F238E27FC236}">
+                <a16:creationId xmlns:a16="http://schemas.microsoft.com/office/drawing/2014/main" id="{2B039AA2-523D-0546-920D-E32D1313510F}"/>
+              </a:ext>
+            </a:extLst>
+          </p:cNvPr>
           <p:cNvSpPr>
             <a:spLocks noGrp="1"/>
           </p:cNvSpPr>
           <p:nvPr>
-            <p:ph type="dt" sz="half" idx="10"/>
+            <p:ph type="ftr" sz="quarter" idx="10"/>
           </p:nvPr>
         </p:nvSpPr>
         <p:spPr/>
         <p:txBody>
           <a:bodyPr/>
-          <a:lstStyle>
-            <a:lvl1pPr>
-              <a:defRPr smtClean="0"/>
-            </a:lvl1pPr>
-          </a:lstStyle>
-          <a:p>
-            <a:fld id="{0944CB65-62C4-0F47-942C-AA4385C2C212}" type="datetime1">
-              <a:rPr lang="en-CA" smtClean="0"/>
-              <a:t>16-06-22</a:t>
-            </a:fld>
+          <a:lstStyle/>
+          <a:p>
             <a:endParaRPr lang="en-US"/>
           </a:p>
         </p:txBody>
       </p:sp>
       <p:sp>
         <p:nvSpPr>
-          <p:cNvPr id="5" name="Footer Placeholder 4"/>
+          <p:cNvPr id="8" name="Slide Number Placeholder 7">
+            <a:extLst>
+              <a:ext uri="{FF2B5EF4-FFF2-40B4-BE49-F238E27FC236}">
+                <a16:creationId xmlns:a16="http://schemas.microsoft.com/office/drawing/2014/main" id="{F86BC01E-DD3B-5E4B-95A4-DD35BF84807C}"/>
+              </a:ext>
+            </a:extLst>
+          </p:cNvPr>
           <p:cNvSpPr>
             <a:spLocks noGrp="1"/>
           </p:cNvSpPr>
           <p:nvPr>
-            <p:ph type="ftr" sz="quarter" idx="11"/>
+            <p:ph type="sldNum" sz="quarter" idx="11"/>
           </p:nvPr>
         </p:nvSpPr>
         <p:spPr/>
         <p:txBody>
           <a:bodyPr/>
-          <a:lstStyle>
-            <a:lvl1pPr>
-              <a:defRPr/>
-            </a:lvl1pPr>
-          </a:lstStyle>
-          <a:p>
-            <a:endParaRPr lang="en-US"/>
-          </a:p>
-        </p:txBody>
-      </p:sp>
-      <p:sp>
-        <p:nvSpPr>
-          <p:cNvPr id="6" name="Slide Number Placeholder 5"/>
-          <p:cNvSpPr>
-            <a:spLocks noGrp="1"/>
-          </p:cNvSpPr>
-          <p:nvPr>
-            <p:ph type="sldNum" sz="quarter" idx="12"/>
-          </p:nvPr>
-        </p:nvSpPr>
-        <p:spPr/>
-        <p:txBody>
-          <a:bodyPr/>
-          <a:lstStyle>
-            <a:lvl1pPr>
-              <a:defRPr smtClean="0"/>
-            </a:lvl1pPr>
-          </a:lstStyle>
-          <a:p>
-            <a:fld id="{86A81C84-81B0-C341-999D-0A84BB9668E7}" type="slidenum">
-              <a:rPr lang="en-US"/>
+          <a:lstStyle/>
+          <a:p>
+            <a:fld id="{95FC67CD-6733-D04F-B9BE-AD105949F24E}" type="slidenum">
+              <a:rPr lang="en-US" smtClean="0"/>
               <a:pPr/>
               <a:t>‹#›</a:t>
             </a:fld>
-            <a:endParaRPr lang="en-US"/>
+            <a:endParaRPr lang="en-US" dirty="0"/>
           </a:p>
         </p:txBody>
       </p:sp>
     </p:spTree>
+    <p:extLst>
+      <p:ext uri="{BB962C8B-B14F-4D97-AF65-F5344CB8AC3E}">
+        <p14:creationId xmlns:p14="http://schemas.microsoft.com/office/powerpoint/2010/main" val="3770585390"/>
+      </p:ext>
+    </p:extLst>
   </p:cSld>
   <p:clrMapOvr>
     <a:masterClrMapping/>
@@ -1836,13 +1874,19 @@
         <p:spPr/>
         <p:txBody>
           <a:bodyPr/>
-          <a:lstStyle/>
-          <a:p>
-            <a:r>
-              <a:rPr lang="en-CA" smtClean="0"/>
+          <a:lstStyle>
+            <a:lvl1pPr>
+              <a:defRPr>
+                <a:latin typeface="+mj-lt"/>
+              </a:defRPr>
+            </a:lvl1pPr>
+          </a:lstStyle>
+          <a:p>
+            <a:r>
+              <a:rPr lang="en-CA" dirty="0"/>
               <a:t>Click to edit Master title style</a:t>
             </a:r>
-            <a:endParaRPr lang="en-US"/>
+            <a:endParaRPr lang="en-US" dirty="0"/>
           </a:p>
         </p:txBody>
       </p:sp>
@@ -1866,19 +1910,29 @@
           <a:bodyPr/>
           <a:lstStyle>
             <a:lvl1pPr>
-              <a:defRPr sz="2800"/>
+              <a:defRPr sz="2800">
+                <a:latin typeface="+mn-lt"/>
+              </a:defRPr>
             </a:lvl1pPr>
             <a:lvl2pPr>
-              <a:defRPr sz="2400"/>
+              <a:defRPr sz="2400">
+                <a:latin typeface="+mn-lt"/>
+              </a:defRPr>
             </a:lvl2pPr>
             <a:lvl3pPr>
-              <a:defRPr sz="2000"/>
+              <a:defRPr sz="2000">
+                <a:latin typeface="+mn-lt"/>
+              </a:defRPr>
             </a:lvl3pPr>
             <a:lvl4pPr>
-              <a:defRPr sz="1800"/>
+              <a:defRPr sz="1800">
+                <a:latin typeface="+mn-lt"/>
+              </a:defRPr>
             </a:lvl4pPr>
             <a:lvl5pPr>
-              <a:defRPr sz="1800"/>
+              <a:defRPr sz="1800">
+                <a:latin typeface="+mn-lt"/>
+              </a:defRPr>
             </a:lvl5pPr>
             <a:lvl6pPr>
               <a:defRPr sz="1800"/>
@@ -1896,38 +1950,38 @@
           <a:p>
             <a:pPr lvl="0"/>
             <a:r>
-              <a:rPr lang="en-CA" smtClean="0"/>
+              <a:rPr lang="en-CA" dirty="0"/>
               <a:t>Click to edit Master text styles</a:t>
             </a:r>
           </a:p>
           <a:p>
             <a:pPr lvl="1"/>
             <a:r>
-              <a:rPr lang="en-CA" smtClean="0"/>
+              <a:rPr lang="en-CA" dirty="0"/>
               <a:t>Second level</a:t>
             </a:r>
           </a:p>
           <a:p>
             <a:pPr lvl="2"/>
             <a:r>
-              <a:rPr lang="en-CA" smtClean="0"/>
+              <a:rPr lang="en-CA" dirty="0"/>
               <a:t>Third level</a:t>
             </a:r>
           </a:p>
           <a:p>
             <a:pPr lvl="3"/>
             <a:r>
-              <a:rPr lang="en-CA" smtClean="0"/>
+              <a:rPr lang="en-CA" dirty="0"/>
               <a:t>Fourth level</a:t>
             </a:r>
           </a:p>
           <a:p>
             <a:pPr lvl="4"/>
             <a:r>
-              <a:rPr lang="en-CA" smtClean="0"/>
+              <a:rPr lang="en-CA" dirty="0"/>
               <a:t>Fifth level</a:t>
             </a:r>
-            <a:endParaRPr lang="en-US"/>
+            <a:endParaRPr lang="en-US" dirty="0"/>
           </a:p>
         </p:txBody>
       </p:sp>
@@ -1951,19 +2005,29 @@
           <a:bodyPr/>
           <a:lstStyle>
             <a:lvl1pPr>
-              <a:defRPr sz="2800"/>
+              <a:defRPr sz="2800">
+                <a:latin typeface="+mn-lt"/>
+              </a:defRPr>
             </a:lvl1pPr>
             <a:lvl2pPr>
-              <a:defRPr sz="2400"/>
+              <a:defRPr sz="2400">
+                <a:latin typeface="+mn-lt"/>
+              </a:defRPr>
             </a:lvl2pPr>
             <a:lvl3pPr>
-              <a:defRPr sz="2000"/>
+              <a:defRPr sz="2000">
+                <a:latin typeface="+mn-lt"/>
+              </a:defRPr>
             </a:lvl3pPr>
             <a:lvl4pPr>
-              <a:defRPr sz="1800"/>
+              <a:defRPr sz="1800">
+                <a:latin typeface="+mn-lt"/>
+              </a:defRPr>
             </a:lvl4pPr>
             <a:lvl5pPr>
-              <a:defRPr sz="1800"/>
+              <a:defRPr sz="1800">
+                <a:latin typeface="+mn-lt"/>
+              </a:defRPr>
             </a:lvl5pPr>
             <a:lvl6pPr>
               <a:defRPr sz="1800"/>
@@ -1981,120 +2045,102 @@
           <a:p>
             <a:pPr lvl="0"/>
             <a:r>
-              <a:rPr lang="en-CA" smtClean="0"/>
+              <a:rPr lang="en-CA" dirty="0"/>
               <a:t>Click to edit Master text styles</a:t>
             </a:r>
           </a:p>
           <a:p>
             <a:pPr lvl="1"/>
             <a:r>
-              <a:rPr lang="en-CA" smtClean="0"/>
+              <a:rPr lang="en-CA" dirty="0"/>
               <a:t>Second level</a:t>
             </a:r>
           </a:p>
           <a:p>
             <a:pPr lvl="2"/>
             <a:r>
-              <a:rPr lang="en-CA" smtClean="0"/>
+              <a:rPr lang="en-CA" dirty="0"/>
               <a:t>Third level</a:t>
             </a:r>
           </a:p>
           <a:p>
             <a:pPr lvl="3"/>
             <a:r>
-              <a:rPr lang="en-CA" smtClean="0"/>
+              <a:rPr lang="en-CA" dirty="0"/>
               <a:t>Fourth level</a:t>
             </a:r>
           </a:p>
           <a:p>
             <a:pPr lvl="4"/>
             <a:r>
-              <a:rPr lang="en-CA" smtClean="0"/>
+              <a:rPr lang="en-CA" dirty="0"/>
               <a:t>Fifth level</a:t>
             </a:r>
-            <a:endParaRPr lang="en-US"/>
+            <a:endParaRPr lang="en-US" dirty="0"/>
           </a:p>
         </p:txBody>
       </p:sp>
       <p:sp>
         <p:nvSpPr>
-          <p:cNvPr id="5" name="Date Placeholder 4"/>
+          <p:cNvPr id="8" name="Footer Placeholder 7">
+            <a:extLst>
+              <a:ext uri="{FF2B5EF4-FFF2-40B4-BE49-F238E27FC236}">
+                <a16:creationId xmlns:a16="http://schemas.microsoft.com/office/drawing/2014/main" id="{DA945EC4-37BF-4E43-B2AD-837601045EC0}"/>
+              </a:ext>
+            </a:extLst>
+          </p:cNvPr>
           <p:cNvSpPr>
             <a:spLocks noGrp="1"/>
           </p:cNvSpPr>
           <p:nvPr>
-            <p:ph type="dt" sz="half" idx="10"/>
+            <p:ph type="ftr" sz="quarter" idx="10"/>
           </p:nvPr>
         </p:nvSpPr>
         <p:spPr/>
         <p:txBody>
           <a:bodyPr/>
-          <a:lstStyle>
-            <a:lvl1pPr>
-              <a:defRPr smtClean="0"/>
-            </a:lvl1pPr>
-          </a:lstStyle>
-          <a:p>
-            <a:fld id="{66BA4190-5247-5F4C-81B6-8E38F44FA39F}" type="datetime1">
-              <a:rPr lang="en-CA" smtClean="0"/>
-              <a:t>16-06-22</a:t>
-            </a:fld>
+          <a:lstStyle/>
+          <a:p>
             <a:endParaRPr lang="en-US"/>
           </a:p>
         </p:txBody>
       </p:sp>
       <p:sp>
         <p:nvSpPr>
-          <p:cNvPr id="6" name="Footer Placeholder 5"/>
+          <p:cNvPr id="9" name="Slide Number Placeholder 8">
+            <a:extLst>
+              <a:ext uri="{FF2B5EF4-FFF2-40B4-BE49-F238E27FC236}">
+                <a16:creationId xmlns:a16="http://schemas.microsoft.com/office/drawing/2014/main" id="{BEFEF4CF-D098-9549-A3AC-4A120E0BFA05}"/>
+              </a:ext>
+            </a:extLst>
+          </p:cNvPr>
           <p:cNvSpPr>
             <a:spLocks noGrp="1"/>
           </p:cNvSpPr>
           <p:nvPr>
-            <p:ph type="ftr" sz="quarter" idx="11"/>
+            <p:ph type="sldNum" sz="quarter" idx="11"/>
           </p:nvPr>
         </p:nvSpPr>
         <p:spPr/>
         <p:txBody>
           <a:bodyPr/>
-          <a:lstStyle>
-            <a:lvl1pPr>
-              <a:defRPr/>
-            </a:lvl1pPr>
-          </a:lstStyle>
-          <a:p>
-            <a:endParaRPr lang="en-US"/>
-          </a:p>
-        </p:txBody>
-      </p:sp>
-      <p:sp>
-        <p:nvSpPr>
-          <p:cNvPr id="7" name="Slide Number Placeholder 6"/>
-          <p:cNvSpPr>
-            <a:spLocks noGrp="1"/>
-          </p:cNvSpPr>
-          <p:nvPr>
-            <p:ph type="sldNum" sz="quarter" idx="12"/>
-          </p:nvPr>
-        </p:nvSpPr>
-        <p:spPr/>
-        <p:txBody>
-          <a:bodyPr/>
-          <a:lstStyle>
-            <a:lvl1pPr>
-              <a:defRPr smtClean="0"/>
-            </a:lvl1pPr>
-          </a:lstStyle>
-          <a:p>
-            <a:fld id="{7F94DC48-E9CD-784B-A3C0-C191489AE7AA}" type="slidenum">
-              <a:rPr lang="en-US"/>
+          <a:lstStyle/>
+          <a:p>
+            <a:fld id="{95FC67CD-6733-D04F-B9BE-AD105949F24E}" type="slidenum">
+              <a:rPr lang="en-US" smtClean="0"/>
               <a:pPr/>
               <a:t>‹#›</a:t>
             </a:fld>
-            <a:endParaRPr lang="en-US"/>
+            <a:endParaRPr lang="en-US" dirty="0"/>
           </a:p>
         </p:txBody>
       </p:sp>
     </p:spTree>
+    <p:extLst>
+      <p:ext uri="{BB962C8B-B14F-4D97-AF65-F5344CB8AC3E}">
+        <p14:creationId xmlns:p14="http://schemas.microsoft.com/office/powerpoint/2010/main" val="341816639"/>
+      </p:ext>
+    </p:extLst>
   </p:cSld>
   <p:clrMapOvr>
     <a:masterClrMapping/>
@@ -2139,15 +2185,17 @@
           <a:bodyPr/>
           <a:lstStyle>
             <a:lvl1pPr>
-              <a:defRPr/>
+              <a:defRPr>
+                <a:latin typeface="+mj-lt"/>
+              </a:defRPr>
             </a:lvl1pPr>
           </a:lstStyle>
           <a:p>
             <a:r>
-              <a:rPr lang="en-CA" smtClean="0"/>
+              <a:rPr lang="en-CA" dirty="0"/>
               <a:t>Click to edit Master title style</a:t>
             </a:r>
-            <a:endParaRPr lang="en-US"/>
+            <a:endParaRPr lang="en-US" dirty="0"/>
           </a:p>
         </p:txBody>
       </p:sp>
@@ -2172,7 +2220,9 @@
           <a:lstStyle>
             <a:lvl1pPr marL="0" indent="0">
               <a:buNone/>
-              <a:defRPr sz="2400" b="1"/>
+              <a:defRPr sz="2400" b="1">
+                <a:latin typeface="+mj-lt"/>
+              </a:defRPr>
             </a:lvl1pPr>
             <a:lvl2pPr marL="457200" indent="0">
               <a:buNone/>
@@ -2210,7 +2260,7 @@
           <a:p>
             <a:pPr lvl="0"/>
             <a:r>
-              <a:rPr lang="en-CA" smtClean="0"/>
+              <a:rPr lang="en-CA" dirty="0"/>
               <a:t>Click to edit Master text styles</a:t>
             </a:r>
           </a:p>
@@ -2236,19 +2286,29 @@
           <a:bodyPr/>
           <a:lstStyle>
             <a:lvl1pPr>
-              <a:defRPr sz="2400"/>
+              <a:defRPr sz="2400">
+                <a:latin typeface="+mn-lt"/>
+              </a:defRPr>
             </a:lvl1pPr>
             <a:lvl2pPr>
-              <a:defRPr sz="2000"/>
+              <a:defRPr sz="2000">
+                <a:latin typeface="+mn-lt"/>
+              </a:defRPr>
             </a:lvl2pPr>
             <a:lvl3pPr>
-              <a:defRPr sz="1800"/>
+              <a:defRPr sz="1800">
+                <a:latin typeface="+mn-lt"/>
+              </a:defRPr>
             </a:lvl3pPr>
             <a:lvl4pPr>
-              <a:defRPr sz="1600"/>
+              <a:defRPr sz="1600">
+                <a:latin typeface="+mn-lt"/>
+              </a:defRPr>
             </a:lvl4pPr>
             <a:lvl5pPr>
-              <a:defRPr sz="1600"/>
+              <a:defRPr sz="1600">
+                <a:latin typeface="+mn-lt"/>
+              </a:defRPr>
             </a:lvl5pPr>
             <a:lvl6pPr>
               <a:defRPr sz="1600"/>
@@ -2266,38 +2326,38 @@
           <a:p>
             <a:pPr lvl="0"/>
             <a:r>
-              <a:rPr lang="en-CA" smtClean="0"/>
+              <a:rPr lang="en-CA" dirty="0"/>
               <a:t>Click to edit Master text styles</a:t>
             </a:r>
           </a:p>
           <a:p>
             <a:pPr lvl="1"/>
             <a:r>
-              <a:rPr lang="en-CA" smtClean="0"/>
+              <a:rPr lang="en-CA" dirty="0"/>
               <a:t>Second level</a:t>
             </a:r>
           </a:p>
           <a:p>
             <a:pPr lvl="2"/>
             <a:r>
-              <a:rPr lang="en-CA" smtClean="0"/>
+              <a:rPr lang="en-CA" dirty="0"/>
               <a:t>Third level</a:t>
             </a:r>
           </a:p>
           <a:p>
             <a:pPr lvl="3"/>
             <a:r>
-              <a:rPr lang="en-CA" smtClean="0"/>
+              <a:rPr lang="en-CA" dirty="0"/>
               <a:t>Fourth level</a:t>
             </a:r>
           </a:p>
           <a:p>
             <a:pPr lvl="4"/>
             <a:r>
-              <a:rPr lang="en-CA" smtClean="0"/>
+              <a:rPr lang="en-CA" dirty="0"/>
               <a:t>Fifth level</a:t>
             </a:r>
-            <a:endParaRPr lang="en-US"/>
+            <a:endParaRPr lang="en-US" dirty="0"/>
           </a:p>
         </p:txBody>
       </p:sp>
@@ -2322,7 +2382,9 @@
           <a:lstStyle>
             <a:lvl1pPr marL="0" indent="0">
               <a:buNone/>
-              <a:defRPr sz="2400" b="1"/>
+              <a:defRPr sz="2400" b="1">
+                <a:latin typeface="+mj-lt"/>
+              </a:defRPr>
             </a:lvl1pPr>
             <a:lvl2pPr marL="457200" indent="0">
               <a:buNone/>
@@ -2360,7 +2422,7 @@
           <a:p>
             <a:pPr lvl="0"/>
             <a:r>
-              <a:rPr lang="en-CA" smtClean="0"/>
+              <a:rPr lang="en-CA" dirty="0"/>
               <a:t>Click to edit Master text styles</a:t>
             </a:r>
           </a:p>
@@ -2386,19 +2448,29 @@
           <a:bodyPr/>
           <a:lstStyle>
             <a:lvl1pPr>
-              <a:defRPr sz="2400"/>
+              <a:defRPr sz="2400">
+                <a:latin typeface="+mn-lt"/>
+              </a:defRPr>
             </a:lvl1pPr>
             <a:lvl2pPr>
-              <a:defRPr sz="2000"/>
+              <a:defRPr sz="2000">
+                <a:latin typeface="+mn-lt"/>
+              </a:defRPr>
             </a:lvl2pPr>
             <a:lvl3pPr>
-              <a:defRPr sz="1800"/>
+              <a:defRPr sz="1800">
+                <a:latin typeface="+mn-lt"/>
+              </a:defRPr>
             </a:lvl3pPr>
             <a:lvl4pPr>
-              <a:defRPr sz="1600"/>
+              <a:defRPr sz="1600">
+                <a:latin typeface="+mn-lt"/>
+              </a:defRPr>
             </a:lvl4pPr>
             <a:lvl5pPr>
-              <a:defRPr sz="1600"/>
+              <a:defRPr sz="1600">
+                <a:latin typeface="+mn-lt"/>
+              </a:defRPr>
             </a:lvl5pPr>
             <a:lvl6pPr>
               <a:defRPr sz="1600"/>
@@ -2416,120 +2488,102 @@
           <a:p>
             <a:pPr lvl="0"/>
             <a:r>
-              <a:rPr lang="en-CA" smtClean="0"/>
+              <a:rPr lang="en-CA" dirty="0"/>
               <a:t>Click to edit Master text styles</a:t>
             </a:r>
           </a:p>
           <a:p>
             <a:pPr lvl="1"/>
             <a:r>
-              <a:rPr lang="en-CA" smtClean="0"/>
+              <a:rPr lang="en-CA" dirty="0"/>
               <a:t>Second level</a:t>
             </a:r>
           </a:p>
           <a:p>
             <a:pPr lvl="2"/>
             <a:r>
-              <a:rPr lang="en-CA" smtClean="0"/>
+              <a:rPr lang="en-CA" dirty="0"/>
               <a:t>Third level</a:t>
             </a:r>
           </a:p>
           <a:p>
             <a:pPr lvl="3"/>
             <a:r>
-              <a:rPr lang="en-CA" smtClean="0"/>
+              <a:rPr lang="en-CA" dirty="0"/>
               <a:t>Fourth level</a:t>
             </a:r>
           </a:p>
           <a:p>
             <a:pPr lvl="4"/>
             <a:r>
-              <a:rPr lang="en-CA" smtClean="0"/>
+              <a:rPr lang="en-CA" dirty="0"/>
               <a:t>Fifth level</a:t>
             </a:r>
-            <a:endParaRPr lang="en-US"/>
+            <a:endParaRPr lang="en-US" dirty="0"/>
           </a:p>
         </p:txBody>
       </p:sp>
       <p:sp>
         <p:nvSpPr>
-          <p:cNvPr id="7" name="Date Placeholder 6"/>
+          <p:cNvPr id="10" name="Footer Placeholder 9">
+            <a:extLst>
+              <a:ext uri="{FF2B5EF4-FFF2-40B4-BE49-F238E27FC236}">
+                <a16:creationId xmlns:a16="http://schemas.microsoft.com/office/drawing/2014/main" id="{0912E499-92DE-AB4A-A5B0-FD67B2273F7D}"/>
+              </a:ext>
+            </a:extLst>
+          </p:cNvPr>
           <p:cNvSpPr>
             <a:spLocks noGrp="1"/>
           </p:cNvSpPr>
           <p:nvPr>
-            <p:ph type="dt" sz="half" idx="10"/>
+            <p:ph type="ftr" sz="quarter" idx="10"/>
           </p:nvPr>
         </p:nvSpPr>
         <p:spPr/>
         <p:txBody>
           <a:bodyPr/>
-          <a:lstStyle>
-            <a:lvl1pPr>
-              <a:defRPr smtClean="0"/>
-            </a:lvl1pPr>
-          </a:lstStyle>
-          <a:p>
-            <a:fld id="{BCCA9565-B5FE-3842-882B-246BF4704757}" type="datetime1">
-              <a:rPr lang="en-CA" smtClean="0"/>
-              <a:t>16-06-22</a:t>
-            </a:fld>
+          <a:lstStyle/>
+          <a:p>
             <a:endParaRPr lang="en-US"/>
           </a:p>
         </p:txBody>
       </p:sp>
       <p:sp>
         <p:nvSpPr>
-          <p:cNvPr id="8" name="Footer Placeholder 7"/>
+          <p:cNvPr id="11" name="Slide Number Placeholder 10">
+            <a:extLst>
+              <a:ext uri="{FF2B5EF4-FFF2-40B4-BE49-F238E27FC236}">
+                <a16:creationId xmlns:a16="http://schemas.microsoft.com/office/drawing/2014/main" id="{80D4789F-B319-FB45-8996-99D418A3599C}"/>
+              </a:ext>
+            </a:extLst>
+          </p:cNvPr>
           <p:cNvSpPr>
             <a:spLocks noGrp="1"/>
           </p:cNvSpPr>
           <p:nvPr>
-            <p:ph type="ftr" sz="quarter" idx="11"/>
+            <p:ph type="sldNum" sz="quarter" idx="11"/>
           </p:nvPr>
         </p:nvSpPr>
         <p:spPr/>
         <p:txBody>
           <a:bodyPr/>
-          <a:lstStyle>
-            <a:lvl1pPr>
-              <a:defRPr/>
-            </a:lvl1pPr>
-          </a:lstStyle>
-          <a:p>
-            <a:endParaRPr lang="en-US"/>
-          </a:p>
-        </p:txBody>
-      </p:sp>
-      <p:sp>
-        <p:nvSpPr>
-          <p:cNvPr id="9" name="Slide Number Placeholder 8"/>
-          <p:cNvSpPr>
-            <a:spLocks noGrp="1"/>
-          </p:cNvSpPr>
-          <p:nvPr>
-            <p:ph type="sldNum" sz="quarter" idx="12"/>
-          </p:nvPr>
-        </p:nvSpPr>
-        <p:spPr/>
-        <p:txBody>
-          <a:bodyPr/>
-          <a:lstStyle>
-            <a:lvl1pPr>
-              <a:defRPr smtClean="0"/>
-            </a:lvl1pPr>
-          </a:lstStyle>
-          <a:p>
-            <a:fld id="{8CA59765-A3C4-7946-94F5-A35E21B56DB4}" type="slidenum">
-              <a:rPr lang="en-US"/>
+          <a:lstStyle/>
+          <a:p>
+            <a:fld id="{95FC67CD-6733-D04F-B9BE-AD105949F24E}" type="slidenum">
+              <a:rPr lang="en-US" smtClean="0"/>
               <a:pPr/>
               <a:t>‹#›</a:t>
             </a:fld>
-            <a:endParaRPr lang="en-US"/>
+            <a:endParaRPr lang="en-US" dirty="0"/>
           </a:p>
         </p:txBody>
       </p:sp>
     </p:spTree>
+    <p:extLst>
+      <p:ext uri="{BB962C8B-B14F-4D97-AF65-F5344CB8AC3E}">
+        <p14:creationId xmlns:p14="http://schemas.microsoft.com/office/powerpoint/2010/main" val="1398907314"/>
+      </p:ext>
+    </p:extLst>
   </p:cSld>
   <p:clrMapOvr>
     <a:masterClrMapping/>
@@ -2567,95 +2621,83 @@
         <p:spPr/>
         <p:txBody>
           <a:bodyPr/>
-          <a:lstStyle/>
-          <a:p>
-            <a:r>
-              <a:rPr lang="en-CA" smtClean="0"/>
+          <a:lstStyle>
+            <a:lvl1pPr>
+              <a:defRPr>
+                <a:latin typeface="+mj-lt"/>
+              </a:defRPr>
+            </a:lvl1pPr>
+          </a:lstStyle>
+          <a:p>
+            <a:r>
+              <a:rPr lang="en-CA" dirty="0"/>
               <a:t>Click to edit Master title style</a:t>
             </a:r>
-            <a:endParaRPr lang="en-US"/>
+            <a:endParaRPr lang="en-US" dirty="0"/>
           </a:p>
         </p:txBody>
       </p:sp>
       <p:sp>
         <p:nvSpPr>
-          <p:cNvPr id="3" name="Date Placeholder 2"/>
+          <p:cNvPr id="6" name="Footer Placeholder 5">
+            <a:extLst>
+              <a:ext uri="{FF2B5EF4-FFF2-40B4-BE49-F238E27FC236}">
+                <a16:creationId xmlns:a16="http://schemas.microsoft.com/office/drawing/2014/main" id="{96BDBB7E-298A-4445-97E1-4B099A07ED3A}"/>
+              </a:ext>
+            </a:extLst>
+          </p:cNvPr>
           <p:cNvSpPr>
             <a:spLocks noGrp="1"/>
           </p:cNvSpPr>
           <p:nvPr>
-            <p:ph type="dt" sz="half" idx="10"/>
+            <p:ph type="ftr" sz="quarter" idx="10"/>
           </p:nvPr>
         </p:nvSpPr>
         <p:spPr/>
         <p:txBody>
           <a:bodyPr/>
-          <a:lstStyle>
-            <a:lvl1pPr>
-              <a:defRPr smtClean="0"/>
-            </a:lvl1pPr>
-          </a:lstStyle>
-          <a:p>
-            <a:fld id="{2E8E625C-B469-0D45-91E2-78EA8B9B4971}" type="datetime1">
-              <a:rPr lang="en-CA" smtClean="0"/>
-              <a:t>16-06-22</a:t>
-            </a:fld>
+          <a:lstStyle/>
+          <a:p>
             <a:endParaRPr lang="en-US"/>
           </a:p>
         </p:txBody>
       </p:sp>
       <p:sp>
         <p:nvSpPr>
-          <p:cNvPr id="4" name="Footer Placeholder 3"/>
+          <p:cNvPr id="7" name="Slide Number Placeholder 6">
+            <a:extLst>
+              <a:ext uri="{FF2B5EF4-FFF2-40B4-BE49-F238E27FC236}">
+                <a16:creationId xmlns:a16="http://schemas.microsoft.com/office/drawing/2014/main" id="{A7895EC8-D916-8648-B520-23F9FC802EB0}"/>
+              </a:ext>
+            </a:extLst>
+          </p:cNvPr>
           <p:cNvSpPr>
             <a:spLocks noGrp="1"/>
           </p:cNvSpPr>
           <p:nvPr>
-            <p:ph type="ftr" sz="quarter" idx="11"/>
+            <p:ph type="sldNum" sz="quarter" idx="11"/>
           </p:nvPr>
         </p:nvSpPr>
         <p:spPr/>
         <p:txBody>
           <a:bodyPr/>
-          <a:lstStyle>
-            <a:lvl1pPr>
-              <a:defRPr/>
-            </a:lvl1pPr>
-          </a:lstStyle>
-          <a:p>
-            <a:endParaRPr lang="en-US"/>
-          </a:p>
-        </p:txBody>
-      </p:sp>
-      <p:sp>
-        <p:nvSpPr>
-          <p:cNvPr id="5" name="Slide Number Placeholder 4"/>
-          <p:cNvSpPr>
-            <a:spLocks noGrp="1"/>
-          </p:cNvSpPr>
-          <p:nvPr>
-            <p:ph type="sldNum" sz="quarter" idx="12"/>
-          </p:nvPr>
-        </p:nvSpPr>
-        <p:spPr/>
-        <p:txBody>
-          <a:bodyPr/>
-          <a:lstStyle>
-            <a:lvl1pPr>
-              <a:defRPr smtClean="0"/>
-            </a:lvl1pPr>
-          </a:lstStyle>
-          <a:p>
-            <a:fld id="{D274CC18-6908-C641-8EF1-3EFB351973C6}" type="slidenum">
-              <a:rPr lang="en-US"/>
+          <a:lstStyle/>
+          <a:p>
+            <a:fld id="{95FC67CD-6733-D04F-B9BE-AD105949F24E}" type="slidenum">
+              <a:rPr lang="en-US" smtClean="0"/>
               <a:pPr/>
               <a:t>‹#›</a:t>
             </a:fld>
-            <a:endParaRPr lang="en-US"/>
+            <a:endParaRPr lang="en-US" dirty="0"/>
           </a:p>
         </p:txBody>
       </p:sp>
     </p:spTree>
+    <p:extLst>
+      <p:ext uri="{BB962C8B-B14F-4D97-AF65-F5344CB8AC3E}">
+        <p14:creationId xmlns:p14="http://schemas.microsoft.com/office/powerpoint/2010/main" val="1682241932"/>
+      </p:ext>
+    </p:extLst>
   </p:cSld>
   <p:clrMapOvr>
     <a:masterClrMapping/>
@@ -2682,83 +2724,65 @@
       </p:grpSpPr>
       <p:sp>
         <p:nvSpPr>
-          <p:cNvPr id="2" name="Date Placeholder 1"/>
+          <p:cNvPr id="5" name="Footer Placeholder 4">
+            <a:extLst>
+              <a:ext uri="{FF2B5EF4-FFF2-40B4-BE49-F238E27FC236}">
+                <a16:creationId xmlns:a16="http://schemas.microsoft.com/office/drawing/2014/main" id="{5DF03754-C429-BF4B-85C9-F1D1C975E80F}"/>
+              </a:ext>
+            </a:extLst>
+          </p:cNvPr>
           <p:cNvSpPr>
             <a:spLocks noGrp="1"/>
           </p:cNvSpPr>
           <p:nvPr>
-            <p:ph type="dt" sz="half" idx="10"/>
+            <p:ph type="ftr" sz="quarter" idx="10"/>
           </p:nvPr>
         </p:nvSpPr>
         <p:spPr/>
         <p:txBody>
           <a:bodyPr/>
-          <a:lstStyle>
-            <a:lvl1pPr>
-              <a:defRPr smtClean="0"/>
-            </a:lvl1pPr>
-          </a:lstStyle>
-          <a:p>
-            <a:fld id="{A7738EC0-6C1D-F34F-A01F-D100E9493FFB}" type="datetime1">
-              <a:rPr lang="en-CA" smtClean="0"/>
-              <a:t>16-06-22</a:t>
-            </a:fld>
+          <a:lstStyle/>
+          <a:p>
             <a:endParaRPr lang="en-US"/>
           </a:p>
         </p:txBody>
       </p:sp>
       <p:sp>
         <p:nvSpPr>
-          <p:cNvPr id="3" name="Footer Placeholder 2"/>
+          <p:cNvPr id="6" name="Slide Number Placeholder 5">
+            <a:extLst>
+              <a:ext uri="{FF2B5EF4-FFF2-40B4-BE49-F238E27FC236}">
+                <a16:creationId xmlns:a16="http://schemas.microsoft.com/office/drawing/2014/main" id="{53E846D2-4831-1148-91F0-086A1F9C711D}"/>
+              </a:ext>
+            </a:extLst>
+          </p:cNvPr>
           <p:cNvSpPr>
             <a:spLocks noGrp="1"/>
           </p:cNvSpPr>
           <p:nvPr>
-            <p:ph type="ftr" sz="quarter" idx="11"/>
+            <p:ph type="sldNum" sz="quarter" idx="11"/>
           </p:nvPr>
         </p:nvSpPr>
         <p:spPr/>
         <p:txBody>
           <a:bodyPr/>
-          <a:lstStyle>
-            <a:lvl1pPr>
-              <a:defRPr/>
-            </a:lvl1pPr>
-          </a:lstStyle>
-          <a:p>
-            <a:endParaRPr lang="en-US"/>
-          </a:p>
-        </p:txBody>
-      </p:sp>
-      <p:sp>
-        <p:nvSpPr>
-          <p:cNvPr id="4" name="Slide Number Placeholder 3"/>
-          <p:cNvSpPr>
-            <a:spLocks noGrp="1"/>
-          </p:cNvSpPr>
-          <p:nvPr>
-            <p:ph type="sldNum" sz="quarter" idx="12"/>
-          </p:nvPr>
-        </p:nvSpPr>
-        <p:spPr/>
-        <p:txBody>
-          <a:bodyPr/>
-          <a:lstStyle>
-            <a:lvl1pPr>
-              <a:defRPr smtClean="0"/>
-            </a:lvl1pPr>
-          </a:lstStyle>
-          <a:p>
-            <a:fld id="{D7A6BF21-7709-D24E-BA5C-3BDA0E9BC2C2}" type="slidenum">
-              <a:rPr lang="en-US"/>
+          <a:lstStyle/>
+          <a:p>
+            <a:fld id="{95FC67CD-6733-D04F-B9BE-AD105949F24E}" type="slidenum">
+              <a:rPr lang="en-US" smtClean="0"/>
               <a:pPr/>
               <a:t>‹#›</a:t>
             </a:fld>
-            <a:endParaRPr lang="en-US"/>
+            <a:endParaRPr lang="en-US" dirty="0"/>
           </a:p>
         </p:txBody>
       </p:sp>
     </p:spTree>
+    <p:extLst>
+      <p:ext uri="{BB962C8B-B14F-4D97-AF65-F5344CB8AC3E}">
+        <p14:creationId xmlns:p14="http://schemas.microsoft.com/office/powerpoint/2010/main" val="4095187327"/>
+      </p:ext>
+    </p:extLst>
   </p:cSld>
   <p:clrMapOvr>
     <a:masterClrMapping/>
@@ -2803,15 +2827,17 @@
           <a:bodyPr anchor="b"/>
           <a:lstStyle>
             <a:lvl1pPr algn="l">
-              <a:defRPr sz="2000" b="1"/>
+              <a:defRPr sz="2000" b="1">
+                <a:latin typeface="+mj-lt"/>
+              </a:defRPr>
             </a:lvl1pPr>
           </a:lstStyle>
           <a:p>
             <a:r>
-              <a:rPr lang="en-CA" smtClean="0"/>
+              <a:rPr lang="en-CA" dirty="0"/>
               <a:t>Click to edit Master title style</a:t>
             </a:r>
-            <a:endParaRPr lang="en-US"/>
+            <a:endParaRPr lang="en-US" dirty="0"/>
           </a:p>
         </p:txBody>
       </p:sp>
@@ -2835,19 +2861,29 @@
           <a:bodyPr/>
           <a:lstStyle>
             <a:lvl1pPr>
-              <a:defRPr sz="3200"/>
+              <a:defRPr sz="3200">
+                <a:latin typeface="+mn-lt"/>
+              </a:defRPr>
             </a:lvl1pPr>
             <a:lvl2pPr>
-              <a:defRPr sz="2800"/>
+              <a:defRPr sz="2800">
+                <a:latin typeface="+mn-lt"/>
+              </a:defRPr>
             </a:lvl2pPr>
             <a:lvl3pPr>
-              <a:defRPr sz="2400"/>
+              <a:defRPr sz="2400">
+                <a:latin typeface="+mn-lt"/>
+              </a:defRPr>
             </a:lvl3pPr>
             <a:lvl4pPr>
-              <a:defRPr sz="2000"/>
+              <a:defRPr sz="2000">
+                <a:latin typeface="+mn-lt"/>
+              </a:defRPr>
             </a:lvl4pPr>
             <a:lvl5pPr>
-              <a:defRPr sz="2000"/>
+              <a:defRPr sz="2000">
+                <a:latin typeface="+mn-lt"/>
+              </a:defRPr>
             </a:lvl5pPr>
             <a:lvl6pPr>
               <a:defRPr sz="2000"/>
@@ -2865,38 +2901,38 @@
           <a:p>
             <a:pPr lvl="0"/>
             <a:r>
-              <a:rPr lang="en-CA" smtClean="0"/>
+              <a:rPr lang="en-CA" dirty="0"/>
               <a:t>Click to edit Master text styles</a:t>
             </a:r>
           </a:p>
           <a:p>
             <a:pPr lvl="1"/>
             <a:r>
-              <a:rPr lang="en-CA" smtClean="0"/>
+              <a:rPr lang="en-CA" dirty="0"/>
               <a:t>Second level</a:t>
             </a:r>
           </a:p>
           <a:p>
             <a:pPr lvl="2"/>
             <a:r>
-              <a:rPr lang="en-CA" smtClean="0"/>
+              <a:rPr lang="en-CA" dirty="0"/>
               <a:t>Third level</a:t>
             </a:r>
           </a:p>
           <a:p>
             <a:pPr lvl="3"/>
             <a:r>
-              <a:rPr lang="en-CA" smtClean="0"/>
+              <a:rPr lang="en-CA" dirty="0"/>
               <a:t>Fourth level</a:t>
             </a:r>
           </a:p>
           <a:p>
             <a:pPr lvl="4"/>
             <a:r>
-              <a:rPr lang="en-CA" smtClean="0"/>
+              <a:rPr lang="en-CA" dirty="0"/>
               <a:t>Fifth level</a:t>
             </a:r>
-            <a:endParaRPr lang="en-US"/>
+            <a:endParaRPr lang="en-US" dirty="0"/>
           </a:p>
         </p:txBody>
       </p:sp>
@@ -2921,7 +2957,9 @@
           <a:lstStyle>
             <a:lvl1pPr marL="0" indent="0">
               <a:buNone/>
-              <a:defRPr sz="1400"/>
+              <a:defRPr sz="1400">
+                <a:latin typeface="+mn-lt"/>
+              </a:defRPr>
             </a:lvl1pPr>
             <a:lvl2pPr marL="457200" indent="0">
               <a:buNone/>
@@ -2959,7 +2997,7 @@
           <a:p>
             <a:pPr lvl="0"/>
             <a:r>
-              <a:rPr lang="en-CA" smtClean="0"/>
+              <a:rPr lang="en-CA" dirty="0"/>
               <a:t>Click to edit Master text styles</a:t>
             </a:r>
           </a:p>
@@ -2967,83 +3005,65 @@
       </p:sp>
       <p:sp>
         <p:nvSpPr>
-          <p:cNvPr id="5" name="Date Placeholder 4"/>
+          <p:cNvPr id="8" name="Footer Placeholder 7">
+            <a:extLst>
+              <a:ext uri="{FF2B5EF4-FFF2-40B4-BE49-F238E27FC236}">
+                <a16:creationId xmlns:a16="http://schemas.microsoft.com/office/drawing/2014/main" id="{1FB8657E-D33B-074B-AE26-E7CBD7232F89}"/>
+              </a:ext>
+            </a:extLst>
+          </p:cNvPr>
           <p:cNvSpPr>
             <a:spLocks noGrp="1"/>
           </p:cNvSpPr>
           <p:nvPr>
-            <p:ph type="dt" sz="half" idx="10"/>
+            <p:ph type="ftr" sz="quarter" idx="10"/>
           </p:nvPr>
         </p:nvSpPr>
         <p:spPr/>
         <p:txBody>
           <a:bodyPr/>
-          <a:lstStyle>
-            <a:lvl1pPr>
-              <a:defRPr smtClean="0"/>
-            </a:lvl1pPr>
-          </a:lstStyle>
-          <a:p>
-            <a:fld id="{57D11ADE-6F1B-2E4C-BD5A-FB97408E1AC2}" type="datetime1">
-              <a:rPr lang="en-CA" smtClean="0"/>
-              <a:t>16-06-22</a:t>
-            </a:fld>
+          <a:lstStyle/>
+          <a:p>
             <a:endParaRPr lang="en-US"/>
           </a:p>
         </p:txBody>
       </p:sp>
       <p:sp>
         <p:nvSpPr>
-          <p:cNvPr id="6" name="Footer Placeholder 5"/>
+          <p:cNvPr id="9" name="Slide Number Placeholder 8">
+            <a:extLst>
+              <a:ext uri="{FF2B5EF4-FFF2-40B4-BE49-F238E27FC236}">
+                <a16:creationId xmlns:a16="http://schemas.microsoft.com/office/drawing/2014/main" id="{212E3D66-C201-A64A-A27B-A535DB26C750}"/>
+              </a:ext>
+            </a:extLst>
+          </p:cNvPr>
           <p:cNvSpPr>
             <a:spLocks noGrp="1"/>
           </p:cNvSpPr>
           <p:nvPr>
-            <p:ph type="ftr" sz="quarter" idx="11"/>
+            <p:ph type="sldNum" sz="quarter" idx="11"/>
           </p:nvPr>
         </p:nvSpPr>
         <p:spPr/>
         <p:txBody>
           <a:bodyPr/>
-          <a:lstStyle>
-            <a:lvl1pPr>
-              <a:defRPr/>
-            </a:lvl1pPr>
-          </a:lstStyle>
-          <a:p>
-            <a:endParaRPr lang="en-US"/>
-          </a:p>
-        </p:txBody>
-      </p:sp>
-      <p:sp>
-        <p:nvSpPr>
-          <p:cNvPr id="7" name="Slide Number Placeholder 6"/>
-          <p:cNvSpPr>
-            <a:spLocks noGrp="1"/>
-          </p:cNvSpPr>
-          <p:nvPr>
-            <p:ph type="sldNum" sz="quarter" idx="12"/>
-          </p:nvPr>
-        </p:nvSpPr>
-        <p:spPr/>
-        <p:txBody>
-          <a:bodyPr/>
-          <a:lstStyle>
-            <a:lvl1pPr>
-              <a:defRPr smtClean="0"/>
-            </a:lvl1pPr>
-          </a:lstStyle>
-          <a:p>
-            <a:fld id="{C7A8B3DE-A141-AC4E-B4CB-15574DC26632}" type="slidenum">
-              <a:rPr lang="en-US"/>
+          <a:lstStyle/>
+          <a:p>
+            <a:fld id="{95FC67CD-6733-D04F-B9BE-AD105949F24E}" type="slidenum">
+              <a:rPr lang="en-US" smtClean="0"/>
               <a:pPr/>
               <a:t>‹#›</a:t>
             </a:fld>
-            <a:endParaRPr lang="en-US"/>
+            <a:endParaRPr lang="en-US" dirty="0"/>
           </a:p>
         </p:txBody>
       </p:sp>
     </p:spTree>
+    <p:extLst>
+      <p:ext uri="{BB962C8B-B14F-4D97-AF65-F5344CB8AC3E}">
+        <p14:creationId xmlns:p14="http://schemas.microsoft.com/office/powerpoint/2010/main" val="518851371"/>
+      </p:ext>
+    </p:extLst>
   </p:cSld>
   <p:clrMapOvr>
     <a:masterClrMapping/>
@@ -3088,15 +3108,17 @@
           <a:bodyPr anchor="b"/>
           <a:lstStyle>
             <a:lvl1pPr algn="l">
-              <a:defRPr sz="2000" b="1"/>
+              <a:defRPr sz="2000" b="1">
+                <a:latin typeface="+mj-lt"/>
+              </a:defRPr>
             </a:lvl1pPr>
           </a:lstStyle>
           <a:p>
             <a:r>
-              <a:rPr lang="en-CA" smtClean="0"/>
+              <a:rPr lang="en-CA" dirty="0"/>
               <a:t>Click to edit Master title style</a:t>
             </a:r>
-            <a:endParaRPr lang="en-US"/>
+            <a:endParaRPr lang="en-US" dirty="0"/>
           </a:p>
         </p:txBody>
       </p:sp>
@@ -3157,7 +3179,7 @@
             </a:lvl9pPr>
           </a:lstStyle>
           <a:p>
-            <a:endParaRPr lang="en-US"/>
+            <a:endParaRPr lang="en-US" dirty="0"/>
           </a:p>
         </p:txBody>
       </p:sp>
@@ -3182,7 +3204,9 @@
           <a:lstStyle>
             <a:lvl1pPr marL="0" indent="0">
               <a:buNone/>
-              <a:defRPr sz="1400"/>
+              <a:defRPr sz="1400">
+                <a:latin typeface="+mn-lt"/>
+              </a:defRPr>
             </a:lvl1pPr>
             <a:lvl2pPr marL="457200" indent="0">
               <a:buNone/>
@@ -3220,7 +3244,7 @@
           <a:p>
             <a:pPr lvl="0"/>
             <a:r>
-              <a:rPr lang="en-CA" smtClean="0"/>
+              <a:rPr lang="en-CA" dirty="0"/>
               <a:t>Click to edit Master text styles</a:t>
             </a:r>
           </a:p>
@@ -3228,83 +3252,65 @@
       </p:sp>
       <p:sp>
         <p:nvSpPr>
-          <p:cNvPr id="5" name="Date Placeholder 4"/>
+          <p:cNvPr id="8" name="Footer Placeholder 7">
+            <a:extLst>
+              <a:ext uri="{FF2B5EF4-FFF2-40B4-BE49-F238E27FC236}">
+                <a16:creationId xmlns:a16="http://schemas.microsoft.com/office/drawing/2014/main" id="{B5BB785B-8CD1-0040-A247-EDEF010C15C9}"/>
+              </a:ext>
+            </a:extLst>
+          </p:cNvPr>
           <p:cNvSpPr>
             <a:spLocks noGrp="1"/>
           </p:cNvSpPr>
           <p:nvPr>
-            <p:ph type="dt" sz="half" idx="10"/>
+            <p:ph type="ftr" sz="quarter" idx="10"/>
           </p:nvPr>
         </p:nvSpPr>
         <p:spPr/>
         <p:txBody>
           <a:bodyPr/>
-          <a:lstStyle>
-            <a:lvl1pPr>
-              <a:defRPr smtClean="0"/>
-            </a:lvl1pPr>
-          </a:lstStyle>
-          <a:p>
-            <a:fld id="{B47C809E-28B3-0140-95FF-6A95899B55DA}" type="datetime1">
-              <a:rPr lang="en-CA" smtClean="0"/>
-              <a:t>16-06-22</a:t>
-            </a:fld>
+          <a:lstStyle/>
+          <a:p>
             <a:endParaRPr lang="en-US"/>
           </a:p>
         </p:txBody>
       </p:sp>
       <p:sp>
         <p:nvSpPr>
-          <p:cNvPr id="6" name="Footer Placeholder 5"/>
+          <p:cNvPr id="9" name="Slide Number Placeholder 8">
+            <a:extLst>
+              <a:ext uri="{FF2B5EF4-FFF2-40B4-BE49-F238E27FC236}">
+                <a16:creationId xmlns:a16="http://schemas.microsoft.com/office/drawing/2014/main" id="{A1275E30-5B29-BD43-B756-3D1D1E7E12BD}"/>
+              </a:ext>
+            </a:extLst>
+          </p:cNvPr>
           <p:cNvSpPr>
             <a:spLocks noGrp="1"/>
           </p:cNvSpPr>
           <p:nvPr>
-            <p:ph type="ftr" sz="quarter" idx="11"/>
+            <p:ph type="sldNum" sz="quarter" idx="11"/>
           </p:nvPr>
         </p:nvSpPr>
         <p:spPr/>
         <p:txBody>
           <a:bodyPr/>
-          <a:lstStyle>
-            <a:lvl1pPr>
-              <a:defRPr/>
-            </a:lvl1pPr>
-          </a:lstStyle>
-          <a:p>
-            <a:endParaRPr lang="en-US"/>
-          </a:p>
-        </p:txBody>
-      </p:sp>
-      <p:sp>
-        <p:nvSpPr>
-          <p:cNvPr id="7" name="Slide Number Placeholder 6"/>
-          <p:cNvSpPr>
-            <a:spLocks noGrp="1"/>
-          </p:cNvSpPr>
-          <p:nvPr>
-            <p:ph type="sldNum" sz="quarter" idx="12"/>
-          </p:nvPr>
-        </p:nvSpPr>
-        <p:spPr/>
-        <p:txBody>
-          <a:bodyPr/>
-          <a:lstStyle>
-            <a:lvl1pPr>
-              <a:defRPr smtClean="0"/>
-            </a:lvl1pPr>
-          </a:lstStyle>
-          <a:p>
-            <a:fld id="{90FA8C0A-03A7-9846-953F-66387A4B4A2F}" type="slidenum">
-              <a:rPr lang="en-US"/>
+          <a:lstStyle/>
+          <a:p>
+            <a:fld id="{95FC67CD-6733-D04F-B9BE-AD105949F24E}" type="slidenum">
+              <a:rPr lang="en-US" smtClean="0"/>
               <a:pPr/>
               <a:t>‹#›</a:t>
             </a:fld>
-            <a:endParaRPr lang="en-US"/>
+            <a:endParaRPr lang="en-US" dirty="0"/>
           </a:p>
         </p:txBody>
       </p:sp>
     </p:spTree>
+    <p:extLst>
+      <p:ext uri="{BB962C8B-B14F-4D97-AF65-F5344CB8AC3E}">
+        <p14:creationId xmlns:p14="http://schemas.microsoft.com/office/powerpoint/2010/main" val="1312955157"/>
+      </p:ext>
+    </p:extLst>
   </p:cSld>
   <p:clrMapOvr>
     <a:masterClrMapping/>
@@ -3313,7 +3319,7 @@
 </file>
 
 <file path=ppt/slideMasters/slideMaster1.xml><?xml version="1.0" encoding="utf-8"?>
-<p:sldMaster xmlns:a="http://schemas.openxmlformats.org/drawingml/2006/main" xmlns:r="http://schemas.openxmlformats.org/officeDocument/2006/relationships" xmlns:p="http://schemas.openxmlformats.org/presentationml/2006/main">
+<p:sldMaster xmlns:a="http://schemas.openxmlformats.org/drawingml/2006/main" xmlns:r="http://schemas.openxmlformats.org/officeDocument/2006/relationships" xmlns:p="http://schemas.openxmlformats.org/presentationml/2006/main" preserve="1">
   <p:cSld>
     <p:bg>
       <p:bgPr>
@@ -3453,99 +3459,6 @@
       </p:sp>
       <p:sp>
         <p:nvSpPr>
-          <p:cNvPr id="1028" name="Rectangle 4"/>
-          <p:cNvSpPr>
-            <a:spLocks noGrp="1" noChangeArrowheads="1"/>
-          </p:cNvSpPr>
-          <p:nvPr>
-            <p:ph type="dt" sz="half" idx="2"/>
-          </p:nvPr>
-        </p:nvSpPr>
-        <p:spPr bwMode="auto">
-          <a:xfrm>
-            <a:off x="685800" y="6248400"/>
-            <a:ext cx="1905000" cy="457200"/>
-          </a:xfrm>
-          <a:prstGeom prst="rect">
-            <a:avLst/>
-          </a:prstGeom>
-          <a:noFill/>
-          <a:ln w="9525">
-            <a:noFill/>
-            <a:miter lim="800000"/>
-            <a:headEnd/>
-            <a:tailEnd/>
-          </a:ln>
-          <a:effectLst/>
-        </p:spPr>
-        <p:txBody>
-          <a:bodyPr vert="horz" wrap="square" lIns="91440" tIns="45720" rIns="91440" bIns="45720" numCol="1" anchor="t" anchorCtr="0" compatLnSpc="1">
-            <a:prstTxWarp prst="textNoShape">
-              <a:avLst/>
-            </a:prstTxWarp>
-          </a:bodyPr>
-          <a:lstStyle>
-            <a:lvl1pPr>
-              <a:defRPr sz="1400">
-                <a:latin typeface="Candara"/>
-                <a:cs typeface="Candara"/>
-              </a:defRPr>
-            </a:lvl1pPr>
-          </a:lstStyle>
-          <a:p>
-            <a:fld id="{456767B7-B868-BC45-B78C-D916A2CBB051}" type="datetime1">
-              <a:rPr lang="en-CA" smtClean="0"/>
-              <a:t>16-06-22</a:t>
-            </a:fld>
-            <a:endParaRPr lang="en-US" dirty="0"/>
-          </a:p>
-        </p:txBody>
-      </p:sp>
-      <p:sp>
-        <p:nvSpPr>
-          <p:cNvPr id="1029" name="Rectangle 5"/>
-          <p:cNvSpPr>
-            <a:spLocks noGrp="1" noChangeArrowheads="1"/>
-          </p:cNvSpPr>
-          <p:nvPr>
-            <p:ph type="ftr" sz="quarter" idx="3"/>
-          </p:nvPr>
-        </p:nvSpPr>
-        <p:spPr bwMode="auto">
-          <a:xfrm>
-            <a:off x="3124200" y="6248400"/>
-            <a:ext cx="2895600" cy="457200"/>
-          </a:xfrm>
-          <a:prstGeom prst="rect">
-            <a:avLst/>
-          </a:prstGeom>
-          <a:noFill/>
-          <a:ln w="9525">
-            <a:noFill/>
-            <a:miter lim="800000"/>
-            <a:headEnd/>
-            <a:tailEnd/>
-          </a:ln>
-          <a:effectLst/>
-        </p:spPr>
-        <p:txBody>
-          <a:bodyPr vert="horz" wrap="square" lIns="91440" tIns="45720" rIns="91440" bIns="45720" numCol="1" anchor="t" anchorCtr="0" compatLnSpc="1">
-            <a:prstTxWarp prst="textNoShape">
-              <a:avLst/>
-            </a:prstTxWarp>
-          </a:bodyPr>
-          <a:lstStyle>
-            <a:lvl1pPr algn="ctr">
-              <a:defRPr sz="1400"/>
-            </a:lvl1pPr>
-          </a:lstStyle>
-          <a:p>
-            <a:endParaRPr lang="en-US"/>
-          </a:p>
-        </p:txBody>
-      </p:sp>
-      <p:sp>
-        <p:nvSpPr>
           <p:cNvPr id="1030" name="Rectangle 6"/>
           <p:cNvSpPr>
             <a:spLocks noGrp="1" noChangeArrowheads="1"/>
@@ -3580,13 +3493,13 @@
           <a:lstStyle>
             <a:lvl1pPr algn="r">
               <a:defRPr sz="1400">
-                <a:latin typeface="Candara"/>
+                <a:latin typeface="+mn-lt"/>
                 <a:cs typeface="Candara"/>
               </a:defRPr>
             </a:lvl1pPr>
           </a:lstStyle>
           <a:p>
-            <a:fld id="{ECAC48D9-2095-DB4D-96FA-1EA831997B7C}" type="slidenum">
+            <a:fld id="{95FC67CD-6733-D04F-B9BE-AD105949F24E}" type="slidenum">
               <a:rPr lang="en-US" smtClean="0"/>
               <a:pPr/>
               <a:t>‹#›</a:t>
@@ -3595,21 +3508,69 @@
           </a:p>
         </p:txBody>
       </p:sp>
+      <p:sp>
+        <p:nvSpPr>
+          <p:cNvPr id="2" name="Footer Placeholder 1">
+            <a:extLst>
+              <a:ext uri="{FF2B5EF4-FFF2-40B4-BE49-F238E27FC236}">
+                <a16:creationId xmlns:a16="http://schemas.microsoft.com/office/drawing/2014/main" id="{20CEA516-DB0A-A54B-8590-B485BCFD422E}"/>
+              </a:ext>
+            </a:extLst>
+          </p:cNvPr>
+          <p:cNvSpPr>
+            <a:spLocks noGrp="1"/>
+          </p:cNvSpPr>
+          <p:nvPr>
+            <p:ph type="ftr" sz="quarter" idx="3"/>
+          </p:nvPr>
+        </p:nvSpPr>
+        <p:spPr>
+          <a:xfrm>
+            <a:off x="3028950" y="6356350"/>
+            <a:ext cx="3086100" cy="365125"/>
+          </a:xfrm>
+          <a:prstGeom prst="rect">
+            <a:avLst/>
+          </a:prstGeom>
+        </p:spPr>
+        <p:txBody>
+          <a:bodyPr vert="horz" lIns="91440" tIns="45720" rIns="91440" bIns="45720" rtlCol="0" anchor="ctr"/>
+          <a:lstStyle>
+            <a:lvl1pPr algn="ctr">
+              <a:defRPr sz="1200">
+                <a:solidFill>
+                  <a:schemeClr val="tx1">
+                    <a:tint val="75000"/>
+                  </a:schemeClr>
+                </a:solidFill>
+              </a:defRPr>
+            </a:lvl1pPr>
+          </a:lstStyle>
+          <a:p>
+            <a:endParaRPr lang="en-US"/>
+          </a:p>
+        </p:txBody>
+      </p:sp>
     </p:spTree>
+    <p:extLst>
+      <p:ext uri="{BB962C8B-B14F-4D97-AF65-F5344CB8AC3E}">
+        <p14:creationId xmlns:p14="http://schemas.microsoft.com/office/powerpoint/2010/main" val="451111926"/>
+      </p:ext>
+    </p:extLst>
   </p:cSld>
   <p:clrMap bg1="lt1" tx1="dk1" bg2="lt2" tx2="dk2" accent1="accent1" accent2="accent2" accent3="accent3" accent4="accent4" accent5="accent5" accent6="accent6" hlink="hlink" folHlink="folHlink"/>
   <p:sldLayoutIdLst>
-    <p:sldLayoutId id="2147483649" r:id="rId1"/>
-    <p:sldLayoutId id="2147483650" r:id="rId2"/>
-    <p:sldLayoutId id="2147483651" r:id="rId3"/>
-    <p:sldLayoutId id="2147483652" r:id="rId4"/>
-    <p:sldLayoutId id="2147483653" r:id="rId5"/>
-    <p:sldLayoutId id="2147483654" r:id="rId6"/>
-    <p:sldLayoutId id="2147483655" r:id="rId7"/>
-    <p:sldLayoutId id="2147483656" r:id="rId8"/>
-    <p:sldLayoutId id="2147483657" r:id="rId9"/>
-    <p:sldLayoutId id="2147483658" r:id="rId10"/>
-    <p:sldLayoutId id="2147483659" r:id="rId11"/>
+    <p:sldLayoutId id="2147483661" r:id="rId1"/>
+    <p:sldLayoutId id="2147483662" r:id="rId2"/>
+    <p:sldLayoutId id="2147483663" r:id="rId3"/>
+    <p:sldLayoutId id="2147483664" r:id="rId4"/>
+    <p:sldLayoutId id="2147483665" r:id="rId5"/>
+    <p:sldLayoutId id="2147483666" r:id="rId6"/>
+    <p:sldLayoutId id="2147483667" r:id="rId7"/>
+    <p:sldLayoutId id="2147483668" r:id="rId8"/>
+    <p:sldLayoutId id="2147483669" r:id="rId9"/>
+    <p:sldLayoutId id="2147483670" r:id="rId10"/>
+    <p:sldLayoutId id="2147483671" r:id="rId11"/>
   </p:sldLayoutIdLst>
   <p:hf hdr="0" ftr="0" dt="0"/>
   <p:txStyles>
@@ -3625,7 +3586,7 @@
           <a:solidFill>
             <a:schemeClr val="tx2"/>
           </a:solidFill>
-          <a:latin typeface="Candara"/>
+          <a:latin typeface="+mj-lt"/>
           <a:ea typeface="+mj-ea"/>
           <a:cs typeface="Candara"/>
         </a:defRPr>
@@ -3756,7 +3717,7 @@
           <a:solidFill>
             <a:schemeClr val="tx1"/>
           </a:solidFill>
-          <a:latin typeface="Candara"/>
+          <a:latin typeface="+mn-lt"/>
           <a:ea typeface="+mn-ea"/>
           <a:cs typeface="Candara"/>
         </a:defRPr>
@@ -3773,7 +3734,7 @@
           <a:solidFill>
             <a:schemeClr val="tx1"/>
           </a:solidFill>
-          <a:latin typeface="Candara"/>
+          <a:latin typeface="+mn-lt"/>
           <a:ea typeface="ＭＳ Ｐゴシック" charset="-128"/>
           <a:cs typeface="Candara"/>
         </a:defRPr>
@@ -3790,7 +3751,7 @@
           <a:solidFill>
             <a:schemeClr val="tx1"/>
           </a:solidFill>
-          <a:latin typeface="Candara"/>
+          <a:latin typeface="+mn-lt"/>
           <a:ea typeface="ＭＳ Ｐゴシック" charset="-128"/>
           <a:cs typeface="Candara"/>
         </a:defRPr>
@@ -3807,7 +3768,7 @@
           <a:solidFill>
             <a:schemeClr val="tx1"/>
           </a:solidFill>
-          <a:latin typeface="Candara"/>
+          <a:latin typeface="+mn-lt"/>
           <a:ea typeface="ＭＳ Ｐゴシック" charset="-128"/>
           <a:cs typeface="Candara"/>
         </a:defRPr>
@@ -3824,7 +3785,7 @@
           <a:solidFill>
             <a:schemeClr val="tx1"/>
           </a:solidFill>
-          <a:latin typeface="Candara"/>
+          <a:latin typeface="+mn-lt"/>
           <a:ea typeface="ＭＳ Ｐゴシック" charset="-128"/>
           <a:cs typeface="Candara"/>
         </a:defRPr>
@@ -4051,7 +4012,7 @@
               <a:buNone/>
             </a:pPr>
             <a:r>
-              <a:rPr lang="en-US" sz="4400" dirty="0" smtClean="0">
+              <a:rPr lang="en-US" sz="4400" dirty="0">
                 <a:latin typeface="Calibri"/>
                 <a:ea typeface="Calibri"/>
                 <a:cs typeface="Calibri"/>
@@ -4059,12 +4020,6 @@
               </a:rPr>
               <a:t>Top-down Parsing</a:t>
             </a:r>
-            <a:endParaRPr lang="en-US" sz="4400" dirty="0">
-              <a:latin typeface="Calibri"/>
-              <a:ea typeface="Calibri"/>
-              <a:cs typeface="Calibri"/>
-              <a:sym typeface="Calibri"/>
-            </a:endParaRPr>
           </a:p>
         </p:txBody>
       </p:sp>
@@ -4173,6 +4128,30 @@
               </a:rPr>
               <a:t>anoopsarkar.github.io/compilers-class</a:t>
             </a:r>
+          </a:p>
+        </p:txBody>
+      </p:sp>
+      <p:sp>
+        <p:nvSpPr>
+          <p:cNvPr id="2" name="Slide Number Placeholder 1"/>
+          <p:cNvSpPr>
+            <a:spLocks noGrp="1"/>
+          </p:cNvSpPr>
+          <p:nvPr>
+            <p:ph type="sldNum" sz="quarter" idx="11"/>
+          </p:nvPr>
+        </p:nvSpPr>
+        <p:spPr/>
+        <p:txBody>
+          <a:bodyPr/>
+          <a:lstStyle/>
+          <a:p>
+            <a:fld id="{38669EA4-2DFE-884E-B2AD-3864DFD6D741}" type="slidenum">
+              <a:rPr lang="en-US" smtClean="0"/>
+              <a:pPr/>
+              <a:t>1</a:t>
+            </a:fld>
+            <a:endParaRPr lang="en-US"/>
           </a:p>
         </p:txBody>
       </p:sp>
@@ -4223,7 +4202,7 @@
               <a:buNone/>
             </a:pPr>
             <a:r>
-              <a:rPr lang="en-US" sz="2400" dirty="0" smtClean="0">
+              <a:rPr lang="en-US" sz="2400" dirty="0">
                 <a:solidFill>
                   <a:schemeClr val="dk1"/>
                 </a:solidFill>
@@ -4234,39 +4213,6 @@
               </a:rPr>
               <a:t>TD1: Recursive Descent</a:t>
             </a:r>
-            <a:endParaRPr lang="en-US" sz="2400" dirty="0">
-              <a:solidFill>
-                <a:schemeClr val="dk1"/>
-              </a:solidFill>
-              <a:latin typeface="Calibri"/>
-              <a:ea typeface="Calibri"/>
-              <a:cs typeface="Calibri"/>
-              <a:sym typeface="Calibri"/>
-            </a:endParaRPr>
-          </a:p>
-        </p:txBody>
-      </p:sp>
-      <p:sp>
-        <p:nvSpPr>
-          <p:cNvPr id="2" name="Slide Number Placeholder 1"/>
-          <p:cNvSpPr>
-            <a:spLocks noGrp="1"/>
-          </p:cNvSpPr>
-          <p:nvPr>
-            <p:ph type="sldNum" sz="quarter" idx="12"/>
-          </p:nvPr>
-        </p:nvSpPr>
-        <p:spPr/>
-        <p:txBody>
-          <a:bodyPr/>
-          <a:lstStyle/>
-          <a:p>
-            <a:fld id="{38669EA4-2DFE-884E-B2AD-3864DFD6D741}" type="slidenum">
-              <a:rPr lang="en-US" smtClean="0"/>
-              <a:pPr/>
-              <a:t>1</a:t>
-            </a:fld>
-            <a:endParaRPr lang="en-US"/>
           </a:p>
         </p:txBody>
       </p:sp>
@@ -4280,13 +4226,6 @@
   <p:clrMapOvr>
     <a:masterClrMapping/>
   </p:clrMapOvr>
-  <p:timing>
-    <p:tnLst>
-      <p:par>
-        <p:cTn xmlns:p14="http://schemas.microsoft.com/office/powerpoint/2010/main" id="1" dur="indefinite" restart="never" nodeType="tmRoot"/>
-      </p:par>
-    </p:tnLst>
-  </p:timing>
 </p:sld>
 </file>
 
@@ -4323,10 +4262,9 @@
           <a:lstStyle/>
           <a:p>
             <a:r>
-              <a:rPr lang="en-CA" dirty="0" smtClean="0"/>
+              <a:rPr lang="en-CA" dirty="0"/>
               <a:t>Recursive Descent Parsing</a:t>
             </a:r>
-            <a:endParaRPr lang="en-CA" dirty="0"/>
           </a:p>
         </p:txBody>
       </p:sp>
@@ -4346,14 +4284,14 @@
           <a:lstStyle/>
           <a:p>
             <a:r>
-              <a:rPr lang="en-CA" dirty="0" smtClean="0"/>
+              <a:rPr lang="en-CA" dirty="0"/>
               <a:t>To start the parser</a:t>
             </a:r>
           </a:p>
           <a:p>
             <a:pPr lvl="1"/>
             <a:r>
-              <a:rPr lang="en-CA" dirty="0" smtClean="0">
+              <a:rPr lang="en-CA" dirty="0">
                 <a:solidFill>
                   <a:schemeClr val="accent2"/>
                 </a:solidFill>
@@ -4364,7 +4302,7 @@
           <a:p>
             <a:pPr lvl="1"/>
             <a:r>
-              <a:rPr lang="en-CA" dirty="0" smtClean="0">
+              <a:rPr lang="en-CA" dirty="0">
                 <a:solidFill>
                   <a:schemeClr val="accent2"/>
                 </a:solidFill>
@@ -4374,30 +4312,21 @@
           </a:p>
           <a:p>
             <a:r>
-              <a:rPr lang="en-CA" dirty="0" smtClean="0"/>
+              <a:rPr lang="en-CA" dirty="0"/>
               <a:t>Note how this simulates our previous example</a:t>
             </a:r>
           </a:p>
           <a:p>
             <a:r>
-              <a:rPr lang="en-CA" dirty="0" smtClean="0"/>
+              <a:rPr lang="en-CA" dirty="0"/>
               <a:t>Easy to implement</a:t>
             </a:r>
           </a:p>
           <a:p>
             <a:r>
-              <a:rPr lang="en-CA" dirty="0" smtClean="0"/>
-              <a:t>But not </a:t>
-            </a:r>
-            <a:r>
               <a:rPr lang="en-CA" dirty="0"/>
-              <a:t>always </a:t>
-            </a:r>
-            <a:r>
-              <a:rPr lang="en-CA" dirty="0" smtClean="0"/>
-              <a:t>working!</a:t>
-            </a:r>
-            <a:endParaRPr lang="en-CA" dirty="0"/>
+              <a:t>But this does not always work …</a:t>
+            </a:r>
           </a:p>
         </p:txBody>
       </p:sp>
@@ -4435,13 +4364,6 @@
   <p:clrMapOvr>
     <a:masterClrMapping/>
   </p:clrMapOvr>
-  <p:timing>
-    <p:tnLst>
-      <p:par>
-        <p:cTn xmlns:p14="http://schemas.microsoft.com/office/powerpoint/2010/main" id="1" dur="indefinite" restart="never" nodeType="tmRoot"/>
-      </p:par>
-    </p:tnLst>
-  </p:timing>
 </p:sld>
 </file>
 
@@ -4478,17 +4400,16 @@
           <a:lstStyle/>
           <a:p>
             <a:r>
-              <a:rPr lang="en-CA" dirty="0" smtClean="0"/>
+              <a:rPr lang="en-CA" dirty="0"/>
               <a:t>Left-Recursion in </a:t>
             </a:r>
             <a:br>
-              <a:rPr lang="en-CA" dirty="0" smtClean="0"/>
+              <a:rPr lang="en-CA" dirty="0"/>
             </a:br>
             <a:r>
-              <a:rPr lang="en-CA" dirty="0" smtClean="0"/>
+              <a:rPr lang="en-CA" dirty="0"/>
               <a:t>Recursive Descent Parsing</a:t>
             </a:r>
-            <a:endParaRPr lang="en-CA" dirty="0"/>
           </a:p>
         </p:txBody>
       </p:sp>
@@ -4515,25 +4436,16 @@
               <a:lstStyle/>
               <a:p>
                 <a:r>
-                  <a:rPr lang="en-CA" dirty="0" smtClean="0"/>
+                  <a:rPr lang="en-CA" dirty="0"/>
                   <a:t>Consider a production </a:t>
                 </a:r>
                 <a:r>
-                  <a:rPr lang="en-CA" dirty="0" smtClean="0">
+                  <a:rPr lang="en-CA" dirty="0">
                     <a:solidFill>
                       <a:schemeClr val="accent2"/>
                     </a:solidFill>
                   </a:rPr>
                   <a:t>S</a:t>
-                </a:r>
-                <a:r>
-                  <a:rPr lang="en-US" dirty="0" smtClean="0">
-                    <a:solidFill>
-                      <a:schemeClr val="accent2"/>
-                    </a:solidFill>
-                    <a:sym typeface="Symbol" charset="2"/>
-                  </a:rPr>
-                  <a:t> </a:t>
                 </a:r>
                 <a:r>
                   <a:rPr lang="en-US" dirty="0">
@@ -4542,23 +4454,14 @@
                     </a:solidFill>
                     <a:sym typeface="Symbol" charset="2"/>
                   </a:rPr>
-                  <a:t> </a:t>
+                  <a:t>  S a</a:t>
                 </a:r>
-                <a:r>
-                  <a:rPr lang="en-US" dirty="0" smtClean="0">
-                    <a:solidFill>
-                      <a:schemeClr val="accent2"/>
-                    </a:solidFill>
-                    <a:sym typeface="Symbol" charset="2"/>
-                  </a:rPr>
-                  <a:t>S a</a:t>
-                </a:r>
-                <a:endParaRPr lang="en-CA" dirty="0" smtClean="0"/>
+                <a:endParaRPr lang="en-CA" dirty="0"/>
               </a:p>
               <a:p>
                 <a:pPr lvl="1"/>
                 <a:r>
-                  <a:rPr lang="en-CA" dirty="0" err="1" smtClean="0">
+                  <a:rPr lang="en-CA" dirty="0" err="1">
                     <a:solidFill>
                       <a:schemeClr val="accent2"/>
                     </a:solidFill>
@@ -4566,7 +4469,7 @@
                   <a:t>bool</a:t>
                 </a:r>
                 <a:r>
-                  <a:rPr lang="en-CA" dirty="0" smtClean="0">
+                  <a:rPr lang="en-CA" dirty="0">
                     <a:solidFill>
                       <a:schemeClr val="accent2"/>
                     </a:solidFill>
@@ -4574,7 +4477,7 @@
                   <a:t> S</a:t>
                 </a:r>
                 <a:r>
-                  <a:rPr lang="en-CA" baseline="-25000" dirty="0" smtClean="0">
+                  <a:rPr lang="en-CA" baseline="-25000" dirty="0">
                     <a:solidFill>
                       <a:schemeClr val="accent2"/>
                     </a:solidFill>
@@ -4582,7 +4485,7 @@
                   <a:t>1</a:t>
                 </a:r>
                 <a:r>
-                  <a:rPr lang="en-CA" dirty="0" smtClean="0">
+                  <a:rPr lang="en-CA" dirty="0">
                     <a:solidFill>
                       <a:schemeClr val="accent2"/>
                     </a:solidFill>
@@ -4606,18 +4509,10 @@
                       <a:schemeClr val="accent2"/>
                     </a:solidFill>
                   </a:rPr>
-                  <a:t> </a:t>
+                  <a:t> S() { return S</a:t>
                 </a:r>
                 <a:r>
-                  <a:rPr lang="en-CA" dirty="0" smtClean="0">
-                    <a:solidFill>
-                      <a:schemeClr val="accent2"/>
-                    </a:solidFill>
-                  </a:rPr>
-                  <a:t>S() { return S</a:t>
-                </a:r>
-                <a:r>
-                  <a:rPr lang="en-CA" baseline="-25000" dirty="0" smtClean="0">
+                  <a:rPr lang="en-CA" baseline="-25000" dirty="0">
                     <a:solidFill>
                       <a:schemeClr val="accent2"/>
                     </a:solidFill>
@@ -4625,7 +4520,7 @@
                   <a:t>1</a:t>
                 </a:r>
                 <a:r>
-                  <a:rPr lang="en-CA" dirty="0" smtClean="0">
+                  <a:rPr lang="en-CA" dirty="0">
                     <a:solidFill>
                       <a:schemeClr val="accent2"/>
                     </a:solidFill>
@@ -4635,7 +4530,7 @@
               </a:p>
               <a:p>
                 <a:r>
-                  <a:rPr lang="en-CA" dirty="0" smtClean="0">
+                  <a:rPr lang="en-CA" dirty="0">
                     <a:solidFill>
                       <a:schemeClr val="accent2"/>
                     </a:solidFill>
@@ -4643,13 +4538,13 @@
                   <a:t>S()</a:t>
                 </a:r>
                 <a:r>
-                  <a:rPr lang="en-CA" dirty="0" smtClean="0"/>
+                  <a:rPr lang="en-CA" dirty="0"/>
                   <a:t> will get into an infinite loop</a:t>
                 </a:r>
               </a:p>
               <a:p>
                 <a:r>
-                  <a:rPr lang="en-CA" dirty="0" smtClean="0">
+                  <a:rPr lang="en-CA" dirty="0">
                     <a:solidFill>
                       <a:srgbClr val="FF0000"/>
                     </a:solidFill>
@@ -4657,11 +4552,11 @@
                   <a:t>Left-recursive grammar</a:t>
                 </a:r>
                 <a:r>
-                  <a:rPr lang="en-CA" dirty="0" smtClean="0"/>
+                  <a:rPr lang="en-CA" dirty="0"/>
                   <a:t> has a nonterminal </a:t>
                 </a:r>
                 <a:r>
-                  <a:rPr lang="en-CA" dirty="0" smtClean="0">
+                  <a:rPr lang="en-CA" dirty="0">
                     <a:solidFill>
                       <a:schemeClr val="accent2"/>
                     </a:solidFill>
@@ -4672,7 +4567,7 @@
               <a:p>
                 <a:pPr lvl="1"/>
                 <a:r>
-                  <a:rPr lang="en-CA" dirty="0" smtClean="0">
+                  <a:rPr lang="en-CA" dirty="0">
                     <a:solidFill>
                       <a:schemeClr val="accent2"/>
                     </a:solidFill>
@@ -4681,7 +4576,7 @@
                   <a:t>S </a:t>
                 </a:r>
                 <a14:m>
-                  <m:oMath xmlns="" xmlns:m="http://schemas.openxmlformats.org/officeDocument/2006/math">
+                  <m:oMath xmlns:m="http://schemas.openxmlformats.org/officeDocument/2006/math">
                     <m:sSup>
                       <m:sSupPr>
                         <m:ctrlPr>
@@ -4689,7 +4584,7 @@
                             <a:solidFill>
                               <a:schemeClr val="accent2"/>
                             </a:solidFill>
-                            <a:latin typeface="Cambria Math"/>
+                            <a:latin typeface="Cambria Math" panose="02040503050406030204" pitchFamily="18" charset="0"/>
                             <a:ea typeface="Cambria Math"/>
                           </a:rPr>
                         </m:ctrlPr>
@@ -4722,7 +4617,7 @@
                   </m:oMath>
                 </a14:m>
                 <a:r>
-                  <a:rPr lang="en-CA" dirty="0" smtClean="0">
+                  <a:rPr lang="en-CA" dirty="0">
                     <a:solidFill>
                       <a:schemeClr val="accent2"/>
                     </a:solidFill>
@@ -4732,10 +4627,9 @@
               </a:p>
               <a:p>
                 <a:r>
-                  <a:rPr lang="en-CA" dirty="0" smtClean="0"/>
+                  <a:rPr lang="en-CA" dirty="0"/>
                   <a:t>Recursive descent parsing does not work for left-recursive grammars</a:t>
                 </a:r>
-                <a:endParaRPr lang="en-CA" dirty="0"/>
               </a:p>
             </p:txBody>
           </p:sp>
@@ -4815,7 +4709,7 @@
   <p:timing>
     <p:tnLst>
       <p:par>
-        <p:cTn xmlns:p14="http://schemas.microsoft.com/office/powerpoint/2010/main" id="1" dur="indefinite" restart="never" nodeType="tmRoot">
+        <p:cTn id="1" dur="indefinite" restart="never" nodeType="tmRoot">
           <p:childTnLst>
             <p:seq concurrent="1" nextAc="seek">
               <p:cTn id="2" dur="indefinite" nodeType="mainSeq">
@@ -5136,10 +5030,9 @@
           <a:lstStyle/>
           <a:p>
             <a:r>
-              <a:rPr lang="en-CA" dirty="0" smtClean="0"/>
+              <a:rPr lang="en-CA" dirty="0"/>
               <a:t>Elimination of Left Recursion</a:t>
             </a:r>
-            <a:endParaRPr lang="en-CA" dirty="0"/>
           </a:p>
         </p:txBody>
       </p:sp>
@@ -5159,14 +5052,14 @@
           <a:lstStyle/>
           <a:p>
             <a:r>
-              <a:rPr lang="en-CA" dirty="0" smtClean="0"/>
+              <a:rPr lang="en-CA" dirty="0"/>
               <a:t>Consider the left recursive grammar</a:t>
             </a:r>
           </a:p>
           <a:p>
             <a:pPr lvl="1"/>
             <a:r>
-              <a:rPr lang="en-CA" dirty="0" smtClean="0">
+              <a:rPr lang="en-CA" dirty="0">
                 <a:solidFill>
                   <a:schemeClr val="accent2"/>
                 </a:solidFill>
@@ -5174,7 +5067,7 @@
               <a:t>S</a:t>
             </a:r>
             <a:r>
-              <a:rPr lang="en-US" dirty="0" smtClean="0">
+              <a:rPr lang="en-US" dirty="0">
                 <a:solidFill>
                   <a:schemeClr val="accent2"/>
                 </a:solidFill>
@@ -5182,15 +5075,15 @@
               </a:rPr>
               <a:t>  S a | b</a:t>
             </a:r>
-            <a:endParaRPr lang="en-CA" dirty="0" smtClean="0"/>
-          </a:p>
-          <a:p>
-            <a:r>
-              <a:rPr lang="en-CA" dirty="0" smtClean="0"/>
+            <a:endParaRPr lang="en-CA" dirty="0"/>
+          </a:p>
+          <a:p>
+            <a:r>
+              <a:rPr lang="en-CA" dirty="0"/>
               <a:t>S generates all  strings starting with </a:t>
             </a:r>
             <a:r>
-              <a:rPr lang="en-CA" dirty="0" smtClean="0">
+              <a:rPr lang="en-CA" dirty="0">
                 <a:solidFill>
                   <a:schemeClr val="accent2"/>
                 </a:solidFill>
@@ -5198,11 +5091,11 @@
               <a:t>‘b’</a:t>
             </a:r>
             <a:r>
-              <a:rPr lang="en-CA" dirty="0" smtClean="0"/>
+              <a:rPr lang="en-CA" dirty="0"/>
               <a:t> and followed by a number of </a:t>
             </a:r>
             <a:r>
-              <a:rPr lang="en-CA" dirty="0" smtClean="0">
+              <a:rPr lang="en-CA" dirty="0">
                 <a:solidFill>
                   <a:schemeClr val="accent2"/>
                 </a:solidFill>
@@ -5212,14 +5105,14 @@
           </a:p>
           <a:p>
             <a:r>
-              <a:rPr lang="en-CA" dirty="0" smtClean="0"/>
+              <a:rPr lang="en-CA" dirty="0"/>
               <a:t>Can rewrite using right-recursion</a:t>
             </a:r>
           </a:p>
           <a:p>
             <a:pPr lvl="1"/>
             <a:r>
-              <a:rPr lang="en-CA" dirty="0" smtClean="0">
+              <a:rPr lang="en-CA" dirty="0">
                 <a:solidFill>
                   <a:schemeClr val="accent2"/>
                 </a:solidFill>
@@ -5233,57 +5126,30 @@
                 </a:solidFill>
                 <a:sym typeface="Symbol" charset="2"/>
               </a:rPr>
-              <a:t> </a:t>
-            </a:r>
-            <a:r>
-              <a:rPr lang="en-US" dirty="0" smtClean="0">
+              <a:t>  b S’</a:t>
+            </a:r>
+          </a:p>
+          <a:p>
+            <a:pPr lvl="1"/>
+            <a:r>
+              <a:rPr lang="en-CA" dirty="0">
                 <a:solidFill>
                   <a:schemeClr val="accent2"/>
                 </a:solidFill>
-                <a:sym typeface="Symbol" charset="2"/>
-              </a:rPr>
-              <a:t> b S’</a:t>
-            </a:r>
-          </a:p>
-          <a:p>
-            <a:pPr lvl="1"/>
-            <a:r>
-              <a:rPr lang="en-CA" dirty="0" smtClean="0">
+              </a:rPr>
+              <a:t>S’</a:t>
+            </a:r>
+            <a:r>
+              <a:rPr lang="en-US" dirty="0">
                 <a:solidFill>
                   <a:schemeClr val="accent2"/>
                 </a:solidFill>
-              </a:rPr>
-              <a:t>S’</a:t>
-            </a:r>
-            <a:r>
-              <a:rPr lang="en-US" dirty="0" smtClean="0">
-                <a:solidFill>
-                  <a:schemeClr val="accent2"/>
-                </a:solidFill>
-                <a:sym typeface="Symbol" charset="2"/>
-              </a:rPr>
-              <a:t> </a:t>
-            </a:r>
-            <a:r>
-              <a:rPr lang="en-US" dirty="0">
-                <a:solidFill>
-                  <a:schemeClr val="accent2"/>
-                </a:solidFill>
-                <a:sym typeface="Symbol" charset="2"/>
-              </a:rPr>
-              <a:t> </a:t>
-            </a:r>
-            <a:r>
-              <a:rPr lang="en-US" dirty="0" smtClean="0">
-                <a:solidFill>
-                  <a:schemeClr val="accent2"/>
-                </a:solidFill>
-                <a:sym typeface="Symbol" charset="2"/>
-              </a:rPr>
-              <a:t>a S’ | </a:t>
-            </a:r>
-            <a:r>
-              <a:rPr lang="el-GR" dirty="0" smtClean="0">
+                <a:sym typeface="Symbol" charset="2"/>
+              </a:rPr>
+              <a:t>  a S’ | </a:t>
+            </a:r>
+            <a:r>
+              <a:rPr lang="el-GR" dirty="0">
                 <a:solidFill>
                   <a:schemeClr val="accent2"/>
                 </a:solidFill>
@@ -5332,7 +5198,7 @@
   <p:timing>
     <p:tnLst>
       <p:par>
-        <p:cTn xmlns:p14="http://schemas.microsoft.com/office/powerpoint/2010/main" id="1" dur="indefinite" restart="never" nodeType="tmRoot">
+        <p:cTn id="1" dur="indefinite" restart="never" nodeType="tmRoot">
           <p:childTnLst>
             <p:seq concurrent="1" nextAc="seek">
               <p:cTn id="2" dur="indefinite" nodeType="mainSeq">
@@ -5635,12 +5501,8 @@
           <a:lstStyle/>
           <a:p>
             <a:r>
-              <a:rPr lang="en-CA" dirty="0" smtClean="0"/>
-              <a:t>No Immediate </a:t>
-            </a:r>
-            <a:r>
               <a:rPr lang="en-CA" dirty="0"/>
-              <a:t>Left Recursion</a:t>
+              <a:t>No Immediate Left Recursion</a:t>
             </a:r>
           </a:p>
         </p:txBody>
@@ -5661,14 +5523,14 @@
           <a:lstStyle/>
           <a:p>
             <a:r>
-              <a:rPr lang="en-CA" dirty="0" smtClean="0"/>
+              <a:rPr lang="en-CA" dirty="0"/>
               <a:t>In general for immediate left recursion</a:t>
             </a:r>
           </a:p>
           <a:p>
             <a:pPr lvl="1"/>
             <a:r>
-              <a:rPr lang="en-CA" dirty="0" smtClean="0">
+              <a:rPr lang="en-CA" dirty="0">
                 <a:solidFill>
                   <a:schemeClr val="accent2"/>
                 </a:solidFill>
@@ -5676,13 +5538,22 @@
               <a:t>S</a:t>
             </a:r>
             <a:r>
-              <a:rPr lang="en-US" dirty="0" smtClean="0">
+              <a:rPr lang="en-US" dirty="0">
                 <a:solidFill>
                   <a:schemeClr val="accent2"/>
                 </a:solidFill>
                 <a:sym typeface="Symbol" charset="2"/>
               </a:rPr>
-              <a:t> </a:t>
+              <a:t>  S </a:t>
+            </a:r>
+            <a:r>
+              <a:rPr lang="en-US" baseline="-25000" dirty="0">
+                <a:solidFill>
+                  <a:schemeClr val="accent2"/>
+                </a:solidFill>
+                <a:sym typeface="Symbol" charset="2"/>
+              </a:rPr>
+              <a:t>1</a:t>
             </a:r>
             <a:r>
               <a:rPr lang="en-US" dirty="0">
@@ -5691,61 +5562,142 @@
                 </a:solidFill>
                 <a:sym typeface="Symbol" charset="2"/>
               </a:rPr>
-              <a:t> </a:t>
-            </a:r>
-            <a:r>
-              <a:rPr lang="en-US" dirty="0" smtClean="0">
+              <a:t> | …| S </a:t>
+            </a:r>
+            <a:r>
+              <a:rPr lang="en-US" baseline="-25000" dirty="0">
                 <a:solidFill>
                   <a:schemeClr val="accent2"/>
                 </a:solidFill>
                 <a:sym typeface="Symbol" charset="2"/>
               </a:rPr>
-              <a:t>S </a:t>
-            </a:r>
-            <a:r>
-              <a:rPr lang="en-US" baseline="-25000" dirty="0" smtClean="0">
+              <a:t>n</a:t>
+            </a:r>
+            <a:r>
+              <a:rPr lang="en-US" dirty="0">
                 <a:solidFill>
                   <a:schemeClr val="accent2"/>
                 </a:solidFill>
                 <a:sym typeface="Symbol" charset="2"/>
               </a:rPr>
+              <a:t> | </a:t>
+            </a:r>
+            <a:r>
+              <a:rPr lang="en-US" baseline="-25000" dirty="0">
+                <a:solidFill>
+                  <a:schemeClr val="accent2"/>
+                </a:solidFill>
+                <a:sym typeface="Symbol" charset="2"/>
+              </a:rPr>
+              <a:t>1 </a:t>
+            </a:r>
+            <a:r>
+              <a:rPr lang="en-US" dirty="0">
+                <a:solidFill>
+                  <a:schemeClr val="accent2"/>
+                </a:solidFill>
+                <a:sym typeface="Symbol" charset="2"/>
+              </a:rPr>
+              <a:t>|…| </a:t>
+            </a:r>
+            <a:r>
+              <a:rPr lang="en-US" baseline="-25000" dirty="0">
+                <a:solidFill>
+                  <a:schemeClr val="accent2"/>
+                </a:solidFill>
+                <a:sym typeface="Symbol" charset="2"/>
+              </a:rPr>
+              <a:t>m</a:t>
+            </a:r>
+            <a:endParaRPr lang="en-CA" dirty="0"/>
+          </a:p>
+          <a:p>
+            <a:r>
+              <a:rPr lang="en-CA" dirty="0"/>
+              <a:t>All strings derived from </a:t>
+            </a:r>
+            <a:r>
+              <a:rPr lang="en-CA" dirty="0">
+                <a:solidFill>
+                  <a:schemeClr val="accent2"/>
+                </a:solidFill>
+              </a:rPr>
+              <a:t>S</a:t>
+            </a:r>
+            <a:r>
+              <a:rPr lang="en-CA" dirty="0"/>
+              <a:t> start with one of </a:t>
+            </a:r>
+            <a:r>
+              <a:rPr lang="en-US" dirty="0">
+                <a:solidFill>
+                  <a:schemeClr val="accent2"/>
+                </a:solidFill>
+                <a:sym typeface="Symbol" charset="2"/>
+              </a:rPr>
+              <a:t></a:t>
+            </a:r>
+            <a:r>
+              <a:rPr lang="en-CA" baseline="-25000" dirty="0">
+                <a:solidFill>
+                  <a:schemeClr val="accent2"/>
+                </a:solidFill>
+              </a:rPr>
               <a:t>1</a:t>
             </a:r>
             <a:r>
-              <a:rPr lang="en-US" dirty="0" smtClean="0">
+              <a:rPr lang="en-CA" dirty="0">
                 <a:solidFill>
                   <a:schemeClr val="accent2"/>
                 </a:solidFill>
-                <a:sym typeface="Symbol" charset="2"/>
-              </a:rPr>
-              <a:t> | …| S </a:t>
-            </a:r>
-            <a:r>
-              <a:rPr lang="en-US" baseline="-25000" dirty="0" smtClean="0">
+              </a:rPr>
+              <a:t>, …,</a:t>
+            </a:r>
+            <a:r>
+              <a:rPr lang="en-US" dirty="0">
                 <a:solidFill>
                   <a:schemeClr val="accent2"/>
                 </a:solidFill>
                 <a:sym typeface="Symbol" charset="2"/>
               </a:rPr>
-              <a:t>n</a:t>
-            </a:r>
-            <a:r>
-              <a:rPr lang="en-US" dirty="0" smtClean="0">
+              <a:t> </a:t>
+            </a:r>
+            <a:r>
+              <a:rPr lang="en-CA" baseline="-25000" dirty="0">
                 <a:solidFill>
                   <a:schemeClr val="accent2"/>
                 </a:solidFill>
-                <a:sym typeface="Symbol" charset="2"/>
-              </a:rPr>
-              <a:t> | </a:t>
-            </a:r>
-            <a:r>
-              <a:rPr lang="en-US" baseline="-25000" dirty="0" smtClean="0">
+              </a:rPr>
+              <a:t>m</a:t>
+            </a:r>
+            <a:r>
+              <a:rPr lang="en-CA" dirty="0"/>
+              <a:t> and continue with several instances of </a:t>
+            </a:r>
+            <a:r>
+              <a:rPr lang="en-US" dirty="0">
                 <a:solidFill>
                   <a:schemeClr val="accent2"/>
                 </a:solidFill>
                 <a:sym typeface="Symbol" charset="2"/>
               </a:rPr>
-              <a:t>1 </a:t>
+              <a:t></a:t>
+            </a:r>
+            <a:r>
+              <a:rPr lang="en-CA" baseline="-25000" dirty="0">
+                <a:solidFill>
+                  <a:schemeClr val="accent2"/>
+                </a:solidFill>
+              </a:rPr>
+              <a:t>1</a:t>
+            </a:r>
+            <a:r>
+              <a:rPr lang="en-CA" dirty="0">
+                <a:solidFill>
+                  <a:schemeClr val="accent2"/>
+                </a:solidFill>
+              </a:rPr>
+              <a:t>,…,</a:t>
             </a:r>
             <a:r>
               <a:rPr lang="en-US" dirty="0">
@@ -5754,145 +5706,10 @@
                 </a:solidFill>
                 <a:sym typeface="Symbol" charset="2"/>
               </a:rPr>
-              <a:t>|…| </a:t>
-            </a:r>
-            <a:r>
-              <a:rPr lang="en-US" dirty="0" smtClean="0">
-                <a:solidFill>
-                  <a:schemeClr val="accent2"/>
-                </a:solidFill>
-                <a:sym typeface="Symbol" charset="2"/>
-              </a:rPr>
-              <a:t></a:t>
-            </a:r>
-            <a:r>
-              <a:rPr lang="en-US" baseline="-25000" dirty="0" smtClean="0">
-                <a:solidFill>
-                  <a:schemeClr val="accent2"/>
-                </a:solidFill>
-                <a:sym typeface="Symbol" charset="2"/>
-              </a:rPr>
-              <a:t>m</a:t>
-            </a:r>
-            <a:endParaRPr lang="en-CA" dirty="0"/>
-          </a:p>
-          <a:p>
-            <a:r>
-              <a:rPr lang="en-CA" dirty="0" smtClean="0"/>
-              <a:t>All strings derived from </a:t>
-            </a:r>
-            <a:r>
-              <a:rPr lang="en-CA" dirty="0" smtClean="0">
-                <a:solidFill>
-                  <a:schemeClr val="accent2"/>
-                </a:solidFill>
-              </a:rPr>
-              <a:t>S</a:t>
-            </a:r>
-            <a:r>
-              <a:rPr lang="en-CA" dirty="0" smtClean="0"/>
-              <a:t> start with one of </a:t>
-            </a:r>
-            <a:r>
-              <a:rPr lang="en-US" dirty="0" smtClean="0">
-                <a:solidFill>
-                  <a:schemeClr val="accent2"/>
-                </a:solidFill>
-                <a:sym typeface="Symbol" charset="2"/>
-              </a:rPr>
-              <a:t></a:t>
-            </a:r>
-            <a:r>
-              <a:rPr lang="en-CA" baseline="-25000" dirty="0" smtClean="0">
-                <a:solidFill>
-                  <a:schemeClr val="accent2"/>
-                </a:solidFill>
-              </a:rPr>
-              <a:t>1</a:t>
-            </a:r>
-            <a:r>
-              <a:rPr lang="en-CA" dirty="0" smtClean="0">
-                <a:solidFill>
-                  <a:schemeClr val="accent2"/>
-                </a:solidFill>
-              </a:rPr>
-              <a:t>, …,</a:t>
-            </a:r>
-            <a:r>
-              <a:rPr lang="en-US" dirty="0">
-                <a:solidFill>
-                  <a:schemeClr val="accent2"/>
-                </a:solidFill>
-                <a:sym typeface="Symbol" charset="2"/>
-              </a:rPr>
-              <a:t> </a:t>
-            </a:r>
-            <a:r>
-              <a:rPr lang="en-US" dirty="0" smtClean="0">
-                <a:solidFill>
-                  <a:schemeClr val="accent2"/>
-                </a:solidFill>
-                <a:sym typeface="Symbol" charset="2"/>
-              </a:rPr>
-              <a:t></a:t>
-            </a:r>
-            <a:r>
-              <a:rPr lang="en-CA" baseline="-25000" dirty="0" smtClean="0">
-                <a:solidFill>
-                  <a:schemeClr val="accent2"/>
-                </a:solidFill>
-              </a:rPr>
-              <a:t>m</a:t>
-            </a:r>
-            <a:r>
-              <a:rPr lang="en-CA" dirty="0" smtClean="0"/>
-              <a:t> and continue with several instances of </a:t>
-            </a:r>
-            <a:r>
-              <a:rPr lang="en-US" dirty="0" smtClean="0">
-                <a:solidFill>
-                  <a:schemeClr val="accent2"/>
-                </a:solidFill>
-                <a:sym typeface="Symbol" charset="2"/>
-              </a:rPr>
-              <a:t></a:t>
-            </a:r>
-            <a:r>
-              <a:rPr lang="en-CA" baseline="-25000" dirty="0" smtClean="0">
-                <a:solidFill>
-                  <a:schemeClr val="accent2"/>
-                </a:solidFill>
-              </a:rPr>
-              <a:t>1</a:t>
-            </a:r>
-            <a:r>
-              <a:rPr lang="en-CA" dirty="0" smtClean="0">
-                <a:solidFill>
-                  <a:schemeClr val="accent2"/>
-                </a:solidFill>
-              </a:rPr>
-              <a:t>,…,</a:t>
-            </a:r>
-            <a:r>
-              <a:rPr lang="en-US" dirty="0">
-                <a:solidFill>
-                  <a:schemeClr val="accent2"/>
-                </a:solidFill>
-                <a:sym typeface="Symbol" charset="2"/>
-              </a:rPr>
-              <a:t> </a:t>
-            </a:r>
-            <a:r>
-              <a:rPr lang="en-US" dirty="0" smtClean="0">
-                <a:solidFill>
-                  <a:schemeClr val="accent2"/>
-                </a:solidFill>
-                <a:sym typeface="Symbol" charset="2"/>
-              </a:rPr>
-              <a:t></a:t>
-            </a:r>
-            <a:r>
-              <a:rPr lang="en-CA" baseline="-25000" dirty="0" smtClean="0">
+              <a:t> </a:t>
+            </a:r>
+            <a:r>
+              <a:rPr lang="en-CA" baseline="-25000" dirty="0">
                 <a:solidFill>
                   <a:schemeClr val="accent2"/>
                 </a:solidFill>
@@ -5907,14 +5724,14 @@
           </a:p>
           <a:p>
             <a:r>
-              <a:rPr lang="en-CA" dirty="0" smtClean="0"/>
+              <a:rPr lang="en-CA" dirty="0"/>
               <a:t>Rewrite as </a:t>
             </a:r>
           </a:p>
           <a:p>
             <a:pPr lvl="1"/>
             <a:r>
-              <a:rPr lang="en-CA" dirty="0" smtClean="0">
+              <a:rPr lang="en-CA" dirty="0">
                 <a:solidFill>
                   <a:schemeClr val="accent2"/>
                 </a:solidFill>
@@ -5922,13 +5739,22 @@
               <a:t>S</a:t>
             </a:r>
             <a:r>
-              <a:rPr lang="en-US" dirty="0" smtClean="0">
+              <a:rPr lang="en-US" dirty="0">
                 <a:solidFill>
                   <a:schemeClr val="accent2"/>
                 </a:solidFill>
                 <a:sym typeface="Symbol" charset="2"/>
               </a:rPr>
-              <a:t> </a:t>
+              <a:t>  </a:t>
+            </a:r>
+            <a:r>
+              <a:rPr lang="en-US" baseline="-25000" dirty="0">
+                <a:solidFill>
+                  <a:schemeClr val="accent2"/>
+                </a:solidFill>
+                <a:sym typeface="Symbol" charset="2"/>
+              </a:rPr>
+              <a:t>1</a:t>
             </a:r>
             <a:r>
               <a:rPr lang="en-US" dirty="0">
@@ -5937,139 +5763,76 @@
                 </a:solidFill>
                 <a:sym typeface="Symbol" charset="2"/>
               </a:rPr>
-              <a:t> </a:t>
-            </a:r>
-            <a:r>
-              <a:rPr lang="en-US" dirty="0" smtClean="0">
+              <a:t> S’|…| </a:t>
+            </a:r>
+            <a:r>
+              <a:rPr lang="en-US" baseline="-25000" dirty="0">
                 <a:solidFill>
                   <a:schemeClr val="accent2"/>
                 </a:solidFill>
                 <a:sym typeface="Symbol" charset="2"/>
               </a:rPr>
-              <a:t></a:t>
-            </a:r>
-            <a:r>
-              <a:rPr lang="en-US" baseline="-25000" dirty="0" smtClean="0">
+              <a:t>m</a:t>
+            </a:r>
+            <a:r>
+              <a:rPr lang="en-US" dirty="0">
                 <a:solidFill>
                   <a:schemeClr val="accent2"/>
                 </a:solidFill>
                 <a:sym typeface="Symbol" charset="2"/>
               </a:rPr>
+              <a:t> S’</a:t>
+            </a:r>
+          </a:p>
+          <a:p>
+            <a:pPr lvl="1"/>
+            <a:r>
+              <a:rPr lang="en-US" dirty="0">
+                <a:solidFill>
+                  <a:schemeClr val="accent2"/>
+                </a:solidFill>
+                <a:sym typeface="Symbol" charset="2"/>
+              </a:rPr>
+              <a:t>S’  </a:t>
+            </a:r>
+            <a:r>
+              <a:rPr lang="en-US" baseline="-25000" dirty="0">
+                <a:solidFill>
+                  <a:schemeClr val="accent2"/>
+                </a:solidFill>
+                <a:sym typeface="Symbol" charset="2"/>
+              </a:rPr>
               <a:t>1</a:t>
             </a:r>
             <a:r>
-              <a:rPr lang="en-US" dirty="0" smtClean="0">
+              <a:rPr lang="en-US" dirty="0">
                 <a:solidFill>
                   <a:schemeClr val="accent2"/>
                 </a:solidFill>
                 <a:sym typeface="Symbol" charset="2"/>
               </a:rPr>
-              <a:t> S’|…| </a:t>
-            </a:r>
-            <a:r>
-              <a:rPr lang="en-US" baseline="-25000" dirty="0" smtClean="0">
+              <a:t> S’ | …| </a:t>
+            </a:r>
+            <a:r>
+              <a:rPr lang="en-US" baseline="-25000" dirty="0">
                 <a:solidFill>
                   <a:schemeClr val="accent2"/>
                 </a:solidFill>
                 <a:sym typeface="Symbol" charset="2"/>
               </a:rPr>
-              <a:t>m</a:t>
-            </a:r>
-            <a:r>
-              <a:rPr lang="en-US" dirty="0" smtClean="0">
+              <a:t>n </a:t>
+            </a:r>
+            <a:r>
+              <a:rPr lang="en-US" dirty="0">
                 <a:solidFill>
                   <a:schemeClr val="accent2"/>
                 </a:solidFill>
                 <a:sym typeface="Symbol" charset="2"/>
               </a:rPr>
-              <a:t> S’</a:t>
-            </a:r>
-          </a:p>
-          <a:p>
-            <a:pPr lvl="1"/>
-            <a:r>
-              <a:rPr lang="en-US" dirty="0" smtClean="0">
-                <a:solidFill>
-                  <a:schemeClr val="accent2"/>
-                </a:solidFill>
-                <a:sym typeface="Symbol" charset="2"/>
-              </a:rPr>
-              <a:t>S’ </a:t>
-            </a:r>
-            <a:r>
-              <a:rPr lang="en-US" dirty="0">
-                <a:solidFill>
-                  <a:schemeClr val="accent2"/>
-                </a:solidFill>
-                <a:sym typeface="Symbol" charset="2"/>
-              </a:rPr>
-              <a:t> </a:t>
-            </a:r>
-            <a:r>
-              <a:rPr lang="en-US" dirty="0" smtClean="0">
-                <a:solidFill>
-                  <a:schemeClr val="accent2"/>
-                </a:solidFill>
-                <a:sym typeface="Symbol" charset="2"/>
-              </a:rPr>
-              <a:t></a:t>
-            </a:r>
-            <a:r>
-              <a:rPr lang="en-US" baseline="-25000" dirty="0" smtClean="0">
-                <a:solidFill>
-                  <a:schemeClr val="accent2"/>
-                </a:solidFill>
-                <a:sym typeface="Symbol" charset="2"/>
-              </a:rPr>
-              <a:t>1</a:t>
-            </a:r>
-            <a:r>
-              <a:rPr lang="en-US" dirty="0" smtClean="0">
-                <a:solidFill>
-                  <a:schemeClr val="accent2"/>
-                </a:solidFill>
-                <a:sym typeface="Symbol" charset="2"/>
-              </a:rPr>
-              <a:t> S’ | …|</a:t>
-            </a:r>
-            <a:r>
-              <a:rPr lang="en-US" dirty="0">
-                <a:solidFill>
-                  <a:schemeClr val="accent2"/>
-                </a:solidFill>
-                <a:sym typeface="Symbol" charset="2"/>
-              </a:rPr>
-              <a:t> </a:t>
-            </a:r>
-            <a:r>
-              <a:rPr lang="en-US" dirty="0" smtClean="0">
-                <a:solidFill>
-                  <a:schemeClr val="accent2"/>
-                </a:solidFill>
-                <a:sym typeface="Symbol" charset="2"/>
-              </a:rPr>
-              <a:t></a:t>
-            </a:r>
-            <a:r>
-              <a:rPr lang="en-US" baseline="-25000" dirty="0" smtClean="0">
-                <a:solidFill>
-                  <a:schemeClr val="accent2"/>
-                </a:solidFill>
-                <a:sym typeface="Symbol" charset="2"/>
-              </a:rPr>
-              <a:t>n </a:t>
-            </a:r>
-            <a:r>
-              <a:rPr lang="en-US" dirty="0" smtClean="0">
-                <a:solidFill>
-                  <a:schemeClr val="accent2"/>
-                </a:solidFill>
-                <a:sym typeface="Symbol" charset="2"/>
-              </a:rPr>
               <a:t>S’| </a:t>
             </a:r>
             <a:r>
-              <a:rPr lang="el-GR" dirty="0" smtClean="0">
+              <a:rPr lang="el-GR" dirty="0">
                 <a:solidFill>
                   <a:schemeClr val="accent2"/>
                 </a:solidFill>
@@ -6118,13 +5881,6 @@
   <p:clrMapOvr>
     <a:masterClrMapping/>
   </p:clrMapOvr>
-  <p:timing>
-    <p:tnLst>
-      <p:par>
-        <p:cTn xmlns:p14="http://schemas.microsoft.com/office/powerpoint/2010/main" id="1" dur="indefinite" restart="never" nodeType="tmRoot"/>
-      </p:par>
-    </p:tnLst>
-  </p:timing>
 </p:sld>
 </file>
 
@@ -6161,12 +5917,8 @@
           <a:lstStyle/>
           <a:p>
             <a:r>
-              <a:rPr lang="en-CA" dirty="0" smtClean="0"/>
-              <a:t>No Immediate </a:t>
-            </a:r>
-            <a:r>
               <a:rPr lang="en-CA" dirty="0"/>
-              <a:t>Left Recursion</a:t>
+              <a:t>No Immediate Left Recursion</a:t>
             </a:r>
           </a:p>
         </p:txBody>
@@ -6178,7 +5930,7 @@
             <a:spLocks noGrp="1"/>
           </p:cNvSpPr>
           <p:nvPr>
-            <p:ph type="sldNum" sz="quarter" idx="12"/>
+            <p:ph type="sldNum" sz="quarter" idx="11"/>
           </p:nvPr>
         </p:nvSpPr>
         <p:spPr/>
@@ -6220,42 +5972,33 @@
           <a:lstStyle/>
           <a:p>
             <a:r>
-              <a:rPr lang="en-US" sz="3200" dirty="0" smtClean="0"/>
+              <a:rPr lang="en-US" sz="3200" dirty="0"/>
               <a:t>T : T * F</a:t>
             </a:r>
           </a:p>
           <a:p>
             <a:r>
-              <a:rPr lang="en-US" sz="3200" dirty="0" smtClean="0"/>
+              <a:rPr lang="en-US" sz="3200" dirty="0"/>
               <a:t>   | F</a:t>
             </a:r>
           </a:p>
           <a:p>
             <a:r>
-              <a:rPr lang="en-US" sz="3200" dirty="0" smtClean="0"/>
+              <a:rPr lang="en-US" sz="3200" dirty="0"/>
               <a:t>F : a </a:t>
             </a:r>
           </a:p>
           <a:p>
             <a:r>
               <a:rPr lang="en-US" sz="3200" dirty="0"/>
-              <a:t> </a:t>
-            </a:r>
-            <a:r>
-              <a:rPr lang="en-US" sz="3200" dirty="0" smtClean="0"/>
-              <a:t>  | b </a:t>
+              <a:t>   | b </a:t>
             </a:r>
           </a:p>
           <a:p>
             <a:r>
               <a:rPr lang="en-US" sz="3200" dirty="0"/>
-              <a:t> </a:t>
-            </a:r>
-            <a:r>
-              <a:rPr lang="en-US" sz="3200" dirty="0" smtClean="0"/>
-              <a:t>  | c</a:t>
-            </a:r>
-            <a:endParaRPr lang="en-US" sz="3200" dirty="0"/>
+              <a:t>   | c</a:t>
+            </a:r>
           </a:p>
         </p:txBody>
       </p:sp>
@@ -6349,24 +6092,20 @@
           <a:lstStyle/>
           <a:p>
             <a:r>
-              <a:rPr lang="en-US" sz="3200" dirty="0" smtClean="0"/>
+              <a:rPr lang="en-US" sz="3200" dirty="0"/>
               <a:t>T : F T’</a:t>
             </a:r>
           </a:p>
           <a:p>
             <a:r>
-              <a:rPr lang="en-US" sz="3200" dirty="0" smtClean="0"/>
+              <a:rPr lang="en-US" sz="3200" dirty="0"/>
               <a:t>T’ : * F T’ </a:t>
             </a:r>
           </a:p>
           <a:p>
             <a:r>
               <a:rPr lang="en-US" sz="3200" dirty="0"/>
-              <a:t> </a:t>
-            </a:r>
-            <a:r>
-              <a:rPr lang="en-US" sz="3200" dirty="0" smtClean="0"/>
-              <a:t>   | </a:t>
+              <a:t>    | </a:t>
             </a:r>
             <a:r>
               <a:rPr lang="el-GR" sz="3200" dirty="0">
@@ -6374,34 +6113,25 @@
               </a:rPr>
               <a:t>ε</a:t>
             </a:r>
-            <a:endParaRPr lang="en-US" sz="3200" dirty="0" smtClean="0"/>
-          </a:p>
-          <a:p>
-            <a:r>
-              <a:rPr lang="en-US" sz="3200" dirty="0" smtClean="0"/>
+            <a:endParaRPr lang="en-US" sz="3200" dirty="0"/>
+          </a:p>
+          <a:p>
+            <a:r>
+              <a:rPr lang="en-US" sz="3200" dirty="0"/>
               <a:t>F : a </a:t>
             </a:r>
           </a:p>
           <a:p>
             <a:r>
               <a:rPr lang="en-US" sz="3200" dirty="0"/>
-              <a:t> </a:t>
-            </a:r>
-            <a:r>
-              <a:rPr lang="en-US" sz="3200" dirty="0" smtClean="0"/>
-              <a:t>  | b </a:t>
+              <a:t>   | b </a:t>
             </a:r>
           </a:p>
           <a:p>
             <a:r>
               <a:rPr lang="en-US" sz="3200" dirty="0"/>
-              <a:t> </a:t>
-            </a:r>
-            <a:r>
-              <a:rPr lang="en-US" sz="3200" dirty="0" smtClean="0"/>
-              <a:t>  | c</a:t>
-            </a:r>
-            <a:endParaRPr lang="en-US" sz="3200" dirty="0"/>
+              <a:t>   | c</a:t>
+            </a:r>
           </a:p>
         </p:txBody>
       </p:sp>
@@ -6428,10 +6158,9 @@
           <a:lstStyle/>
           <a:p>
             <a:r>
-              <a:rPr lang="en-US" sz="3200" dirty="0" smtClean="0"/>
+              <a:rPr lang="en-US" sz="3200" dirty="0"/>
               <a:t>T</a:t>
             </a:r>
-            <a:endParaRPr lang="en-US" sz="3200" dirty="0"/>
           </a:p>
         </p:txBody>
       </p:sp>
@@ -6491,7 +6220,7 @@
               <a:tabLst/>
             </a:pPr>
             <a:r>
-              <a:rPr kumimoji="0" lang="en-US" sz="2400" b="0" i="0" u="none" strike="noStrike" cap="none" normalizeH="0" baseline="0" dirty="0" smtClean="0">
+              <a:rPr kumimoji="0" lang="en-US" sz="2400" b="0" i="0" u="none" strike="noStrike" cap="none" normalizeH="0" baseline="0" dirty="0">
                 <a:ln>
                   <a:noFill/>
                 </a:ln>
@@ -6504,7 +6233,7 @@
               <a:t>No </a:t>
             </a:r>
             <a:r>
-              <a:rPr lang="en-US" dirty="0" smtClean="0"/>
+              <a:rPr lang="en-US" dirty="0"/>
               <a:t>left recursion</a:t>
             </a:r>
             <a:endParaRPr kumimoji="0" lang="en-US" sz="2400" b="0" i="0" u="none" strike="noStrike" cap="none" normalizeH="0" baseline="0" dirty="0">
@@ -6543,10 +6272,9 @@
           <a:lstStyle/>
           <a:p>
             <a:r>
-              <a:rPr lang="en-US" sz="3200" dirty="0" smtClean="0"/>
+              <a:rPr lang="en-US" sz="3200" dirty="0"/>
               <a:t>T*F</a:t>
             </a:r>
-            <a:endParaRPr lang="en-US" sz="3200" dirty="0"/>
           </a:p>
         </p:txBody>
       </p:sp>
@@ -6638,10 +6366,9 @@
           <a:lstStyle/>
           <a:p>
             <a:r>
-              <a:rPr lang="en-US" sz="3200" dirty="0" smtClean="0"/>
+              <a:rPr lang="en-US" sz="3200" dirty="0"/>
               <a:t>T*F*F</a:t>
             </a:r>
-            <a:endParaRPr lang="en-US" sz="3200" dirty="0"/>
           </a:p>
         </p:txBody>
       </p:sp>
@@ -6733,10 +6460,9 @@
           <a:lstStyle/>
           <a:p>
             <a:r>
-              <a:rPr lang="en-US" sz="3200" dirty="0" smtClean="0"/>
+              <a:rPr lang="en-US" sz="3200" dirty="0"/>
               <a:t>F*F*F</a:t>
             </a:r>
-            <a:endParaRPr lang="en-US" sz="3200" dirty="0"/>
           </a:p>
         </p:txBody>
       </p:sp>
@@ -6828,10 +6554,9 @@
           <a:lstStyle/>
           <a:p>
             <a:r>
-              <a:rPr lang="en-US" sz="3200" dirty="0" smtClean="0"/>
+              <a:rPr lang="en-US" sz="3200" dirty="0"/>
               <a:t>T</a:t>
             </a:r>
-            <a:endParaRPr lang="en-US" sz="3200" dirty="0"/>
           </a:p>
         </p:txBody>
       </p:sp>
@@ -6858,10 +6583,9 @@
           <a:lstStyle/>
           <a:p>
             <a:r>
-              <a:rPr lang="en-US" sz="3200" dirty="0" smtClean="0"/>
+              <a:rPr lang="en-US" sz="3200" dirty="0"/>
               <a:t>FT’</a:t>
             </a:r>
-            <a:endParaRPr lang="en-US" sz="3200" dirty="0"/>
           </a:p>
         </p:txBody>
       </p:sp>
@@ -6953,10 +6677,9 @@
           <a:lstStyle/>
           <a:p>
             <a:r>
-              <a:rPr lang="en-US" sz="3200" dirty="0" smtClean="0"/>
+              <a:rPr lang="en-US" sz="3200" dirty="0"/>
               <a:t>F*FT’</a:t>
             </a:r>
-            <a:endParaRPr lang="en-US" sz="3200" dirty="0"/>
           </a:p>
         </p:txBody>
       </p:sp>
@@ -7048,10 +6771,9 @@
           <a:lstStyle/>
           <a:p>
             <a:r>
-              <a:rPr lang="en-US" sz="3200" dirty="0" smtClean="0"/>
+              <a:rPr lang="en-US" sz="3200" dirty="0"/>
               <a:t>F*F*FT’</a:t>
             </a:r>
-            <a:endParaRPr lang="en-US" sz="3200" dirty="0"/>
           </a:p>
         </p:txBody>
       </p:sp>
@@ -7143,10 +6865,9 @@
           <a:lstStyle/>
           <a:p>
             <a:r>
-              <a:rPr lang="en-US" sz="3200" dirty="0" smtClean="0"/>
+              <a:rPr lang="en-US" sz="3200" dirty="0"/>
               <a:t>F*F*F</a:t>
             </a:r>
-            <a:endParaRPr lang="en-US" sz="3200" dirty="0"/>
           </a:p>
         </p:txBody>
       </p:sp>
@@ -7163,7 +6884,7 @@
   <p:timing>
     <p:tnLst>
       <p:par>
-        <p:cTn xmlns:p14="http://schemas.microsoft.com/office/powerpoint/2010/main" id="1" dur="indefinite" restart="never" nodeType="tmRoot">
+        <p:cTn id="1" dur="indefinite" restart="never" nodeType="tmRoot">
           <p:childTnLst>
             <p:seq concurrent="1" nextAc="seek">
               <p:cTn id="2" dur="indefinite" nodeType="mainSeq">
@@ -8102,12 +7823,8 @@
           <a:lstStyle/>
           <a:p>
             <a:r>
-              <a:rPr lang="en-CA" dirty="0" smtClean="0"/>
-              <a:t>Remove General </a:t>
-            </a:r>
-            <a:r>
               <a:rPr lang="en-CA" dirty="0"/>
-              <a:t>Left Recursion</a:t>
+              <a:t>Remove General Left Recursion</a:t>
             </a:r>
           </a:p>
         </p:txBody>
@@ -8119,7 +7836,7 @@
             <a:spLocks noGrp="1"/>
           </p:cNvSpPr>
           <p:nvPr>
-            <p:ph type="sldNum" sz="quarter" idx="12"/>
+            <p:ph type="sldNum" sz="quarter" idx="11"/>
           </p:nvPr>
         </p:nvSpPr>
         <p:spPr/>
@@ -8161,37 +7878,29 @@
           <a:lstStyle/>
           <a:p>
             <a:r>
-              <a:rPr lang="en-US" sz="3200" dirty="0" smtClean="0"/>
+              <a:rPr lang="en-US" sz="3200" dirty="0"/>
               <a:t>S : A a</a:t>
             </a:r>
           </a:p>
           <a:p>
             <a:r>
               <a:rPr lang="en-US" sz="3200" dirty="0"/>
-              <a:t> </a:t>
-            </a:r>
-            <a:r>
-              <a:rPr lang="en-US" sz="3200" dirty="0" smtClean="0"/>
-              <a:t>  | b</a:t>
-            </a:r>
-          </a:p>
-          <a:p>
-            <a:r>
-              <a:rPr lang="en-US" sz="3200" dirty="0" smtClean="0"/>
+              <a:t>   | b</a:t>
+            </a:r>
+          </a:p>
+          <a:p>
+            <a:r>
+              <a:rPr lang="en-US" sz="3200" dirty="0"/>
               <a:t>A : A c</a:t>
             </a:r>
           </a:p>
           <a:p>
             <a:r>
               <a:rPr lang="en-US" sz="3200" dirty="0"/>
-              <a:t> </a:t>
-            </a:r>
-            <a:r>
-              <a:rPr lang="en-US" sz="3200" dirty="0" smtClean="0"/>
-              <a:t> | </a:t>
-            </a:r>
-            <a:r>
-              <a:rPr lang="en-US" sz="3200" dirty="0" smtClean="0">
+              <a:t>  | </a:t>
+            </a:r>
+            <a:r>
+              <a:rPr lang="en-US" sz="3200" dirty="0">
                 <a:solidFill>
                   <a:srgbClr val="FF0000"/>
                 </a:solidFill>
@@ -8199,18 +7908,14 @@
               <a:t>S</a:t>
             </a:r>
             <a:r>
-              <a:rPr lang="en-US" sz="3200" dirty="0" smtClean="0"/>
+              <a:rPr lang="en-US" sz="3200" dirty="0"/>
               <a:t> d</a:t>
             </a:r>
           </a:p>
           <a:p>
             <a:r>
               <a:rPr lang="en-US" sz="3200" dirty="0"/>
-              <a:t> </a:t>
-            </a:r>
-            <a:r>
-              <a:rPr lang="en-US" sz="3200" dirty="0" smtClean="0"/>
-              <a:t> | </a:t>
+              <a:t>  | </a:t>
             </a:r>
             <a:r>
               <a:rPr lang="el-GR" sz="3200" dirty="0">
@@ -8247,33 +7952,29 @@
           <a:lstStyle/>
           <a:p>
             <a:r>
-              <a:rPr lang="en-CA" sz="3200" dirty="0" smtClean="0"/>
+              <a:rPr lang="en-CA" sz="3200" dirty="0"/>
               <a:t>S : A a</a:t>
             </a:r>
           </a:p>
           <a:p>
             <a:r>
               <a:rPr lang="en-CA" sz="3200" dirty="0"/>
-              <a:t> </a:t>
-            </a:r>
-            <a:r>
-              <a:rPr lang="en-CA" sz="3200" dirty="0" smtClean="0"/>
-              <a:t>  | b</a:t>
-            </a:r>
-          </a:p>
-          <a:p>
-            <a:r>
-              <a:rPr lang="en-CA" sz="3200" dirty="0" smtClean="0"/>
+              <a:t>   | b</a:t>
+            </a:r>
+          </a:p>
+          <a:p>
+            <a:r>
+              <a:rPr lang="en-CA" sz="3200" dirty="0"/>
               <a:t>A : A c</a:t>
             </a:r>
           </a:p>
           <a:p>
             <a:r>
-              <a:rPr lang="en-CA" sz="3200" dirty="0" smtClean="0"/>
+              <a:rPr lang="en-CA" sz="3200" dirty="0"/>
               <a:t>   | </a:t>
             </a:r>
             <a:r>
-              <a:rPr lang="en-CA" sz="3200" dirty="0" smtClean="0">
+              <a:rPr lang="en-CA" sz="3200" dirty="0">
                 <a:solidFill>
                   <a:srgbClr val="FF0000"/>
                 </a:solidFill>
@@ -8281,21 +7982,17 @@
               <a:t>A a</a:t>
             </a:r>
             <a:r>
-              <a:rPr lang="en-CA" sz="3200" dirty="0" smtClean="0"/>
+              <a:rPr lang="en-CA" sz="3200" dirty="0"/>
               <a:t> d</a:t>
             </a:r>
           </a:p>
           <a:p>
             <a:r>
               <a:rPr lang="en-CA" sz="3200" dirty="0"/>
-              <a:t> </a:t>
-            </a:r>
-            <a:r>
-              <a:rPr lang="en-CA" sz="3200" dirty="0" smtClean="0"/>
-              <a:t>  | </a:t>
-            </a:r>
-            <a:r>
-              <a:rPr lang="en-CA" sz="3200" dirty="0" smtClean="0">
+              <a:t>   | </a:t>
+            </a:r>
+            <a:r>
+              <a:rPr lang="en-CA" sz="3200" dirty="0">
                 <a:solidFill>
                   <a:srgbClr val="FF0000"/>
                 </a:solidFill>
@@ -8303,18 +8000,14 @@
               <a:t>b</a:t>
             </a:r>
             <a:r>
-              <a:rPr lang="en-CA" sz="3200" dirty="0" smtClean="0"/>
+              <a:rPr lang="en-CA" sz="3200" dirty="0"/>
               <a:t> d</a:t>
             </a:r>
           </a:p>
           <a:p>
             <a:r>
               <a:rPr lang="en-CA" sz="3200" dirty="0"/>
-              <a:t> </a:t>
-            </a:r>
-            <a:r>
-              <a:rPr lang="en-CA" sz="3200" dirty="0" smtClean="0"/>
-              <a:t>  | </a:t>
+              <a:t>   | </a:t>
             </a:r>
             <a:r>
               <a:rPr lang="el-GR" sz="3200" dirty="0">
@@ -8382,7 +8075,7 @@
               <a:tabLst/>
             </a:pPr>
             <a:r>
-              <a:rPr kumimoji="0" lang="en-US" sz="2400" b="0" i="0" u="none" strike="noStrike" cap="none" normalizeH="0" baseline="0" dirty="0" smtClean="0">
+              <a:rPr kumimoji="0" lang="en-US" sz="2400" b="0" i="0" u="none" strike="noStrike" cap="none" normalizeH="0" baseline="0" dirty="0">
                 <a:ln>
                   <a:noFill/>
                 </a:ln>
@@ -8413,7 +8106,7 @@
               <a:tabLst/>
             </a:pPr>
             <a:r>
-              <a:rPr lang="en-US" dirty="0" smtClean="0"/>
+              <a:rPr lang="en-US" dirty="0"/>
               <a:t>S, A</a:t>
             </a:r>
             <a:endParaRPr kumimoji="0" lang="en-US" sz="2400" b="0" i="0" u="none" strike="noStrike" cap="none" normalizeH="0" baseline="0" dirty="0">
@@ -8442,7 +8135,7 @@
   <p:timing>
     <p:tnLst>
       <p:par>
-        <p:cTn xmlns:p14="http://schemas.microsoft.com/office/powerpoint/2010/main" id="1" dur="indefinite" restart="never" nodeType="tmRoot">
+        <p:cTn id="1" dur="indefinite" restart="never" nodeType="tmRoot">
           <p:childTnLst>
             <p:seq concurrent="1" nextAc="seek">
               <p:cTn id="2" dur="indefinite" nodeType="mainSeq">
@@ -8645,12 +8338,8 @@
           <a:lstStyle/>
           <a:p>
             <a:r>
-              <a:rPr lang="en-CA" dirty="0" smtClean="0"/>
-              <a:t>Immediate Left </a:t>
-            </a:r>
-            <a:r>
               <a:rPr lang="en-CA" dirty="0"/>
-              <a:t>Recursion</a:t>
+              <a:t>Immediate Left Recursion</a:t>
             </a:r>
           </a:p>
         </p:txBody>
@@ -8662,7 +8351,7 @@
             <a:spLocks noGrp="1"/>
           </p:cNvSpPr>
           <p:nvPr>
-            <p:ph type="sldNum" sz="quarter" idx="12"/>
+            <p:ph type="sldNum" sz="quarter" idx="11"/>
           </p:nvPr>
         </p:nvSpPr>
         <p:spPr/>
@@ -8704,27 +8393,23 @@
           <a:lstStyle/>
           <a:p>
             <a:r>
-              <a:rPr lang="en-CA" sz="3200" dirty="0" smtClean="0"/>
+              <a:rPr lang="en-CA" sz="3200" dirty="0"/>
               <a:t>S : A a</a:t>
             </a:r>
           </a:p>
           <a:p>
             <a:r>
               <a:rPr lang="en-CA" sz="3200" dirty="0"/>
-              <a:t> </a:t>
-            </a:r>
-            <a:r>
-              <a:rPr lang="en-CA" sz="3200" dirty="0" smtClean="0"/>
-              <a:t>  | b</a:t>
-            </a:r>
-          </a:p>
-          <a:p>
-            <a:r>
-              <a:rPr lang="en-CA" sz="3200" dirty="0" smtClean="0"/>
+              <a:t>   | b</a:t>
+            </a:r>
+          </a:p>
+          <a:p>
+            <a:r>
+              <a:rPr lang="en-CA" sz="3200" dirty="0"/>
               <a:t>A : </a:t>
             </a:r>
             <a:r>
-              <a:rPr lang="en-CA" sz="3200" dirty="0" smtClean="0">
+              <a:rPr lang="en-CA" sz="3200" dirty="0">
                 <a:solidFill>
                   <a:schemeClr val="accent2"/>
                 </a:solidFill>
@@ -8734,11 +8419,11 @@
           </a:p>
           <a:p>
             <a:r>
-              <a:rPr lang="en-CA" sz="3200" dirty="0" smtClean="0"/>
+              <a:rPr lang="en-CA" sz="3200" dirty="0"/>
               <a:t>   | </a:t>
             </a:r>
             <a:r>
-              <a:rPr lang="en-CA" sz="3200" dirty="0" smtClean="0">
+              <a:rPr lang="en-CA" sz="3200" dirty="0">
                 <a:solidFill>
                   <a:srgbClr val="333399"/>
                 </a:solidFill>
@@ -8749,14 +8434,10 @@
           <a:p>
             <a:r>
               <a:rPr lang="en-CA" sz="3200" dirty="0"/>
-              <a:t> </a:t>
-            </a:r>
-            <a:r>
-              <a:rPr lang="en-CA" sz="3200" dirty="0" smtClean="0"/>
-              <a:t>  | </a:t>
-            </a:r>
-            <a:r>
-              <a:rPr lang="en-CA" sz="3200" dirty="0" smtClean="0">
+              <a:t>   | </a:t>
+            </a:r>
+            <a:r>
+              <a:rPr lang="en-CA" sz="3200" dirty="0">
                 <a:solidFill>
                   <a:srgbClr val="FF0000"/>
                 </a:solidFill>
@@ -8767,11 +8448,7 @@
           <a:p>
             <a:r>
               <a:rPr lang="en-CA" sz="3200" dirty="0"/>
-              <a:t> </a:t>
-            </a:r>
-            <a:r>
-              <a:rPr lang="en-CA" sz="3200" dirty="0" smtClean="0"/>
-              <a:t>  | </a:t>
+              <a:t>   | </a:t>
             </a:r>
             <a:r>
               <a:rPr lang="el-GR" sz="3200" dirty="0">
@@ -8846,7 +8523,7 @@
               <a:tabLst/>
             </a:pPr>
             <a:r>
-              <a:rPr kumimoji="0" lang="en-US" sz="2400" b="0" i="0" u="none" strike="noStrike" cap="none" normalizeH="0" baseline="0" dirty="0" smtClean="0">
+              <a:rPr kumimoji="0" lang="en-US" sz="2400" b="0" i="0" u="none" strike="noStrike" cap="none" normalizeH="0" baseline="0" dirty="0">
                 <a:ln>
                   <a:noFill/>
                 </a:ln>
@@ -8858,16 +8535,6 @@
               </a:rPr>
               <a:t>Remove Left Recursion</a:t>
             </a:r>
-            <a:endParaRPr kumimoji="0" lang="en-US" sz="2400" b="0" i="0" u="none" strike="noStrike" cap="none" normalizeH="0" baseline="0" dirty="0">
-              <a:ln>
-                <a:noFill/>
-              </a:ln>
-              <a:solidFill>
-                <a:schemeClr val="tx1"/>
-              </a:solidFill>
-              <a:effectLst/>
-              <a:latin typeface="Times" charset="0"/>
-            </a:endParaRPr>
           </a:p>
         </p:txBody>
       </p:sp>
@@ -8896,23 +8563,19 @@
           <a:lstStyle/>
           <a:p>
             <a:r>
-              <a:rPr lang="en-CA" sz="3200" dirty="0" smtClean="0"/>
+              <a:rPr lang="en-CA" sz="3200" dirty="0"/>
               <a:t>S : A a</a:t>
             </a:r>
           </a:p>
           <a:p>
             <a:r>
               <a:rPr lang="en-CA" sz="3200" dirty="0"/>
-              <a:t> </a:t>
-            </a:r>
-            <a:r>
-              <a:rPr lang="en-CA" sz="3200" dirty="0" smtClean="0"/>
-              <a:t>  | b</a:t>
-            </a:r>
-          </a:p>
-          <a:p>
-            <a:r>
-              <a:rPr lang="en-CA" sz="3200" dirty="0" smtClean="0">
+              <a:t>   | b</a:t>
+            </a:r>
+          </a:p>
+          <a:p>
+            <a:r>
+              <a:rPr lang="en-CA" sz="3200" dirty="0">
                 <a:solidFill>
                   <a:srgbClr val="FF0000"/>
                 </a:solidFill>
@@ -8927,20 +8590,12 @@
                   <a:srgbClr val="FF0000"/>
                 </a:solidFill>
               </a:rPr>
-              <a:t> </a:t>
-            </a:r>
-            <a:r>
-              <a:rPr lang="en-CA" sz="3200" dirty="0" smtClean="0">
-                <a:solidFill>
-                  <a:srgbClr val="FF0000"/>
-                </a:solidFill>
-              </a:rPr>
-              <a:t>  | A’</a:t>
-            </a:r>
-          </a:p>
-          <a:p>
-            <a:r>
-              <a:rPr lang="en-CA" sz="3200" dirty="0" smtClean="0">
+              <a:t>   | A’</a:t>
+            </a:r>
+          </a:p>
+          <a:p>
+            <a:r>
+              <a:rPr lang="en-CA" sz="3200" dirty="0">
                 <a:solidFill>
                   <a:schemeClr val="accent2"/>
                 </a:solidFill>
@@ -8955,33 +8610,17 @@
                   <a:schemeClr val="accent2"/>
                 </a:solidFill>
               </a:rPr>
-              <a:t> </a:t>
-            </a:r>
-            <a:r>
-              <a:rPr lang="en-CA" sz="3200" dirty="0" smtClean="0">
+              <a:t>   | a d A’</a:t>
+            </a:r>
+          </a:p>
+          <a:p>
+            <a:r>
+              <a:rPr lang="en-CA" sz="3200" dirty="0">
                 <a:solidFill>
                   <a:schemeClr val="accent2"/>
                 </a:solidFill>
               </a:rPr>
-              <a:t>  | a d A’</a:t>
-            </a:r>
-          </a:p>
-          <a:p>
-            <a:r>
-              <a:rPr lang="en-CA" sz="3200" dirty="0">
-                <a:solidFill>
-                  <a:schemeClr val="accent2"/>
-                </a:solidFill>
-              </a:rPr>
-              <a:t> </a:t>
-            </a:r>
-            <a:r>
-              <a:rPr lang="en-CA" sz="3200" dirty="0" smtClean="0">
-                <a:solidFill>
-                  <a:schemeClr val="accent2"/>
-                </a:solidFill>
-              </a:rPr>
-              <a:t>  | </a:t>
+              <a:t>   | </a:t>
             </a:r>
             <a:r>
               <a:rPr lang="el-GR" sz="3200" dirty="0">
@@ -9013,7 +8652,7 @@
   <p:timing>
     <p:tnLst>
       <p:par>
-        <p:cTn xmlns:p14="http://schemas.microsoft.com/office/powerpoint/2010/main" id="1" dur="indefinite" restart="never" nodeType="tmRoot">
+        <p:cTn id="1" dur="indefinite" restart="never" nodeType="tmRoot">
           <p:childTnLst>
             <p:seq concurrent="1" nextAc="seek">
               <p:cTn id="2" dur="indefinite" nodeType="mainSeq">
@@ -9216,12 +8855,8 @@
           <a:lstStyle/>
           <a:p>
             <a:r>
-              <a:rPr lang="en-CA" dirty="0" smtClean="0"/>
-              <a:t>General Left </a:t>
-            </a:r>
-            <a:r>
               <a:rPr lang="en-CA" dirty="0"/>
-              <a:t>Recursion</a:t>
+              <a:t>General Left Recursion</a:t>
             </a:r>
           </a:p>
         </p:txBody>
@@ -9233,7 +8868,7 @@
             <a:spLocks noGrp="1"/>
           </p:cNvSpPr>
           <p:nvPr>
-            <p:ph type="sldNum" sz="quarter" idx="12"/>
+            <p:ph type="sldNum" sz="quarter" idx="11"/>
           </p:nvPr>
         </p:nvSpPr>
         <p:spPr/>
@@ -9278,11 +8913,11 @@
               </a:lnSpc>
             </a:pPr>
             <a:r>
-              <a:rPr lang="en-US" dirty="0" smtClean="0"/>
+              <a:rPr lang="en-US" dirty="0"/>
               <a:t>Input: grammar G with no cycles A -&gt; A or empty rules A -&gt; </a:t>
             </a:r>
             <a:r>
-              <a:rPr lang="el-GR" dirty="0" smtClean="0">
+              <a:rPr lang="el-GR" dirty="0">
                 <a:solidFill>
                   <a:srgbClr val="000000"/>
                 </a:solidFill>
@@ -9303,28 +8938,6 @@
                 <a:spcPct val="80000"/>
               </a:lnSpc>
             </a:pPr>
-            <a:endParaRPr lang="en-CA" dirty="0" smtClean="0">
-              <a:solidFill>
-                <a:srgbClr val="000000"/>
-              </a:solidFill>
-              <a:sym typeface="Symbol" charset="2"/>
-            </a:endParaRPr>
-          </a:p>
-          <a:p>
-            <a:pPr>
-              <a:lnSpc>
-                <a:spcPct val="80000"/>
-              </a:lnSpc>
-            </a:pPr>
-            <a:r>
-              <a:rPr lang="en-CA" dirty="0" smtClean="0">
-                <a:solidFill>
-                  <a:srgbClr val="000000"/>
-                </a:solidFill>
-                <a:sym typeface="Symbol" charset="2"/>
-              </a:rPr>
-              <a:t>Output: grammar with no left recursion</a:t>
-            </a:r>
             <a:endParaRPr lang="en-CA" dirty="0">
               <a:solidFill>
                 <a:srgbClr val="000000"/>
@@ -9338,7 +8951,23 @@
                 <a:spcPct val="80000"/>
               </a:lnSpc>
             </a:pPr>
-            <a:endParaRPr lang="en-CA" dirty="0" smtClean="0">
+            <a:r>
+              <a:rPr lang="en-CA" dirty="0">
+                <a:solidFill>
+                  <a:srgbClr val="000000"/>
+                </a:solidFill>
+                <a:sym typeface="Symbol" charset="2"/>
+              </a:rPr>
+              <a:t>Output: grammar with no left recursion</a:t>
+            </a:r>
+          </a:p>
+          <a:p>
+            <a:pPr>
+              <a:lnSpc>
+                <a:spcPct val="80000"/>
+              </a:lnSpc>
+            </a:pPr>
+            <a:endParaRPr lang="en-CA" dirty="0">
               <a:solidFill>
                 <a:srgbClr val="000000"/>
               </a:solidFill>
@@ -9352,7 +8981,7 @@
               </a:lnSpc>
             </a:pPr>
             <a:r>
-              <a:rPr lang="en-CA" dirty="0" smtClean="0">
+              <a:rPr lang="en-CA" dirty="0">
                 <a:solidFill>
                   <a:srgbClr val="000000"/>
                 </a:solidFill>
@@ -9361,7 +8990,7 @@
               <a:t>Arrange </a:t>
             </a:r>
             <a:r>
-              <a:rPr lang="en-CA" dirty="0" err="1" smtClean="0">
+              <a:rPr lang="en-CA" dirty="0" err="1">
                 <a:solidFill>
                   <a:srgbClr val="000000"/>
                 </a:solidFill>
@@ -9370,7 +8999,7 @@
               <a:t>nonterminals</a:t>
             </a:r>
             <a:r>
-              <a:rPr lang="en-CA" dirty="0" smtClean="0">
+              <a:rPr lang="en-CA" dirty="0">
                 <a:solidFill>
                   <a:srgbClr val="000000"/>
                 </a:solidFill>
@@ -9379,7 +9008,7 @@
               <a:t> in order A</a:t>
             </a:r>
             <a:r>
-              <a:rPr lang="en-CA" baseline="-25000" dirty="0" smtClean="0">
+              <a:rPr lang="en-CA" baseline="-25000" dirty="0">
                 <a:solidFill>
                   <a:srgbClr val="000000"/>
                 </a:solidFill>
@@ -9388,7 +9017,7 @@
               <a:t>1</a:t>
             </a:r>
             <a:r>
-              <a:rPr lang="en-CA" dirty="0" smtClean="0">
+              <a:rPr lang="en-CA" dirty="0">
                 <a:solidFill>
                   <a:srgbClr val="000000"/>
                 </a:solidFill>
@@ -9397,7 +9026,7 @@
               <a:t>, A</a:t>
             </a:r>
             <a:r>
-              <a:rPr lang="en-CA" baseline="-25000" dirty="0" smtClean="0">
+              <a:rPr lang="en-CA" baseline="-25000" dirty="0">
                 <a:solidFill>
                   <a:srgbClr val="000000"/>
                 </a:solidFill>
@@ -9406,7 +9035,7 @@
               <a:t>2</a:t>
             </a:r>
             <a:r>
-              <a:rPr lang="en-CA" dirty="0" smtClean="0">
+              <a:rPr lang="en-CA" dirty="0">
                 <a:solidFill>
                   <a:srgbClr val="000000"/>
                 </a:solidFill>
@@ -9415,7 +9044,7 @@
               <a:t>, A</a:t>
             </a:r>
             <a:r>
-              <a:rPr lang="en-CA" baseline="-25000" dirty="0" smtClean="0">
+              <a:rPr lang="en-CA" baseline="-25000" dirty="0">
                 <a:solidFill>
                   <a:srgbClr val="000000"/>
                 </a:solidFill>
@@ -9424,7 +9053,7 @@
               <a:t>3</a:t>
             </a:r>
             <a:r>
-              <a:rPr lang="en-CA" dirty="0" smtClean="0">
+              <a:rPr lang="en-CA" dirty="0">
                 <a:solidFill>
                   <a:srgbClr val="000000"/>
                 </a:solidFill>
@@ -9433,7 +9062,7 @@
               <a:t>, </a:t>
             </a:r>
             <a:r>
-              <a:rPr lang="is-IS" dirty="0" smtClean="0">
+              <a:rPr lang="is-IS" dirty="0">
                 <a:solidFill>
                   <a:srgbClr val="000000"/>
                 </a:solidFill>
@@ -9442,7 +9071,7 @@
               <a:t>…, A</a:t>
             </a:r>
             <a:r>
-              <a:rPr lang="is-IS" baseline="-25000" dirty="0" smtClean="0">
+              <a:rPr lang="is-IS" baseline="-25000" dirty="0">
                 <a:solidFill>
                   <a:srgbClr val="000000"/>
                 </a:solidFill>
@@ -9450,7 +9079,7 @@
               </a:rPr>
               <a:t>n</a:t>
             </a:r>
-            <a:endParaRPr lang="en-US" dirty="0" smtClean="0">
+            <a:endParaRPr lang="en-US" dirty="0">
               <a:solidFill>
                 <a:srgbClr val="000000"/>
               </a:solidFill>
@@ -9462,7 +9091,7 @@
                 <a:spcPct val="80000"/>
               </a:lnSpc>
             </a:pPr>
-            <a:endParaRPr lang="en-US" dirty="0" smtClean="0">
+            <a:endParaRPr lang="en-US" dirty="0">
               <a:solidFill>
                 <a:srgbClr val="000000"/>
               </a:solidFill>
@@ -9470,7 +9099,7 @@
           </a:p>
           <a:p>
             <a:r>
-              <a:rPr lang="en-US" dirty="0" smtClean="0">
+              <a:rPr lang="en-US" dirty="0">
                 <a:solidFill>
                   <a:srgbClr val="000000"/>
                 </a:solidFill>
@@ -9478,7 +9107,7 @@
               <a:t>for </a:t>
             </a:r>
             <a:r>
-              <a:rPr lang="en-US" dirty="0" err="1" smtClean="0">
+              <a:rPr lang="en-US" dirty="0" err="1">
                 <a:solidFill>
                   <a:srgbClr val="000000"/>
                 </a:solidFill>
@@ -9486,7 +9115,7 @@
               <a:t>i</a:t>
             </a:r>
             <a:r>
-              <a:rPr lang="en-US" dirty="0" smtClean="0">
+              <a:rPr lang="en-US" dirty="0">
                 <a:solidFill>
                   <a:srgbClr val="000000"/>
                 </a:solidFill>
@@ -9501,338 +9130,280 @@
                   <a:srgbClr val="000000"/>
                 </a:solidFill>
               </a:rPr>
+              <a:t>   for j = 1 to i-1 {</a:t>
+            </a:r>
+          </a:p>
+          <a:p>
+            <a:r>
+              <a:rPr lang="en-US" dirty="0">
+                <a:solidFill>
+                  <a:srgbClr val="000000"/>
+                </a:solidFill>
+              </a:rPr>
+              <a:t>       replace each rule </a:t>
+            </a:r>
+            <a:r>
+              <a:rPr lang="en-US" dirty="0">
+                <a:solidFill>
+                  <a:srgbClr val="FF0000"/>
+                </a:solidFill>
+              </a:rPr>
+              <a:t>A</a:t>
+            </a:r>
+            <a:r>
+              <a:rPr lang="en-US" baseline="-25000" dirty="0">
+                <a:solidFill>
+                  <a:srgbClr val="FF0000"/>
+                </a:solidFill>
+              </a:rPr>
+              <a:t>i</a:t>
+            </a:r>
+            <a:r>
+              <a:rPr lang="en-US" dirty="0">
+                <a:solidFill>
+                  <a:srgbClr val="FF0000"/>
+                </a:solidFill>
+              </a:rPr>
+              <a:t> -&gt; </a:t>
+            </a:r>
+            <a:r>
+              <a:rPr lang="en-US" dirty="0" err="1">
+                <a:solidFill>
+                  <a:srgbClr val="FF0000"/>
+                </a:solidFill>
+              </a:rPr>
+              <a:t>A</a:t>
+            </a:r>
+            <a:r>
+              <a:rPr lang="en-US" baseline="-25000" dirty="0" err="1">
+                <a:solidFill>
+                  <a:srgbClr val="FF0000"/>
+                </a:solidFill>
+              </a:rPr>
+              <a:t>j</a:t>
+            </a:r>
+            <a:r>
+              <a:rPr lang="en-US" dirty="0">
+                <a:solidFill>
+                  <a:srgbClr val="FF0000"/>
+                </a:solidFill>
+              </a:rPr>
               <a:t> </a:t>
             </a:r>
             <a:r>
-              <a:rPr lang="en-US" dirty="0" smtClean="0">
+              <a:rPr lang="en-US" dirty="0">
+                <a:solidFill>
+                  <a:srgbClr val="FF0000"/>
+                </a:solidFill>
+                <a:sym typeface="Symbol" charset="2"/>
+              </a:rPr>
+              <a:t> </a:t>
+            </a:r>
+            <a:r>
+              <a:rPr lang="en-US" dirty="0">
                 <a:solidFill>
                   <a:srgbClr val="000000"/>
                 </a:solidFill>
-              </a:rPr>
-              <a:t>  for j = 1 to i-1 {</a:t>
-            </a:r>
-          </a:p>
-          <a:p>
+                <a:sym typeface="Symbol" charset="2"/>
+              </a:rPr>
+              <a:t>where </a:t>
+            </a:r>
+            <a:r>
+              <a:rPr lang="en-US" dirty="0" err="1">
+                <a:solidFill>
+                  <a:srgbClr val="FF0000"/>
+                </a:solidFill>
+                <a:sym typeface="Symbol" charset="2"/>
+              </a:rPr>
+              <a:t>A</a:t>
+            </a:r>
+            <a:r>
+              <a:rPr lang="en-US" baseline="-25000" dirty="0" err="1">
+                <a:solidFill>
+                  <a:srgbClr val="FF0000"/>
+                </a:solidFill>
+                <a:sym typeface="Symbol" charset="2"/>
+              </a:rPr>
+              <a:t>j</a:t>
+            </a:r>
             <a:r>
               <a:rPr lang="en-US" dirty="0">
                 <a:solidFill>
+                  <a:srgbClr val="FF0000"/>
+                </a:solidFill>
+                <a:sym typeface="Symbol" charset="2"/>
+              </a:rPr>
+              <a:t> -&gt; </a:t>
+            </a:r>
+            <a:r>
+              <a:rPr lang="en-CA" baseline="-25000" dirty="0">
+                <a:solidFill>
+                  <a:srgbClr val="FF0000"/>
+                </a:solidFill>
+              </a:rPr>
+              <a:t>1</a:t>
+            </a:r>
+            <a:r>
+              <a:rPr lang="en-CA" dirty="0">
+                <a:solidFill>
+                  <a:srgbClr val="FF0000"/>
+                </a:solidFill>
+              </a:rPr>
+              <a:t> | … </a:t>
+            </a:r>
+            <a:r>
+              <a:rPr lang="en-US" dirty="0">
+                <a:solidFill>
+                  <a:srgbClr val="FF0000"/>
+                </a:solidFill>
+                <a:sym typeface="Symbol" charset="2"/>
+              </a:rPr>
+              <a:t>| </a:t>
+            </a:r>
+            <a:r>
+              <a:rPr lang="en-CA" baseline="-25000" dirty="0">
+                <a:solidFill>
+                  <a:srgbClr val="FF0000"/>
+                </a:solidFill>
+              </a:rPr>
+              <a:t>m</a:t>
+            </a:r>
+            <a:r>
+              <a:rPr lang="en-CA" dirty="0">
+                <a:solidFill>
+                  <a:srgbClr val="FF0000"/>
+                </a:solidFill>
+              </a:rPr>
+              <a:t> </a:t>
+            </a:r>
+            <a:r>
+              <a:rPr lang="en-CA" dirty="0">
+                <a:solidFill>
                   <a:srgbClr val="000000"/>
                 </a:solidFill>
               </a:rPr>
+              <a:t>with</a:t>
+            </a:r>
+          </a:p>
+          <a:p>
+            <a:r>
+              <a:rPr lang="en-CA" dirty="0">
+                <a:solidFill>
+                  <a:srgbClr val="000000"/>
+                </a:solidFill>
+              </a:rPr>
+              <a:t>       the rules </a:t>
+            </a:r>
+            <a:r>
+              <a:rPr lang="en-CA" dirty="0">
+                <a:solidFill>
+                  <a:srgbClr val="FF0000"/>
+                </a:solidFill>
+              </a:rPr>
+              <a:t>A</a:t>
+            </a:r>
+            <a:r>
+              <a:rPr lang="en-CA" baseline="-25000" dirty="0">
+                <a:solidFill>
+                  <a:srgbClr val="FF0000"/>
+                </a:solidFill>
+              </a:rPr>
+              <a:t>i</a:t>
+            </a:r>
+            <a:r>
+              <a:rPr lang="en-CA" dirty="0">
+                <a:solidFill>
+                  <a:srgbClr val="FF0000"/>
+                </a:solidFill>
+              </a:rPr>
+              <a:t> -&gt; </a:t>
+            </a:r>
+            <a:r>
+              <a:rPr lang="en-US" dirty="0">
+                <a:solidFill>
+                  <a:srgbClr val="FF0000"/>
+                </a:solidFill>
+                <a:sym typeface="Symbol" charset="2"/>
+              </a:rPr>
+              <a:t></a:t>
+            </a:r>
+            <a:r>
+              <a:rPr lang="en-CA" baseline="-25000" dirty="0">
+                <a:solidFill>
+                  <a:srgbClr val="FF0000"/>
+                </a:solidFill>
+              </a:rPr>
+              <a:t>1</a:t>
+            </a:r>
+            <a:r>
+              <a:rPr lang="en-CA" dirty="0">
+                <a:solidFill>
+                  <a:srgbClr val="FF0000"/>
+                </a:solidFill>
+              </a:rPr>
               <a:t> </a:t>
             </a:r>
             <a:r>
-              <a:rPr lang="en-US" dirty="0" smtClean="0">
+              <a:rPr lang="en-US" dirty="0">
+                <a:solidFill>
+                  <a:srgbClr val="FF0000"/>
+                </a:solidFill>
+                <a:sym typeface="Symbol" charset="2"/>
+              </a:rPr>
+              <a:t> </a:t>
+            </a:r>
+            <a:r>
+              <a:rPr lang="en-CA" dirty="0">
+                <a:solidFill>
+                  <a:srgbClr val="FF0000"/>
+                </a:solidFill>
+              </a:rPr>
+              <a:t>| … </a:t>
+            </a:r>
+            <a:r>
+              <a:rPr lang="en-US" dirty="0">
+                <a:solidFill>
+                  <a:srgbClr val="FF0000"/>
+                </a:solidFill>
+                <a:sym typeface="Symbol" charset="2"/>
+              </a:rPr>
+              <a:t>| </a:t>
+            </a:r>
+            <a:r>
+              <a:rPr lang="en-CA" baseline="-25000" dirty="0">
+                <a:solidFill>
+                  <a:srgbClr val="FF0000"/>
+                </a:solidFill>
+              </a:rPr>
+              <a:t>m</a:t>
+            </a:r>
+            <a:r>
+              <a:rPr lang="en-CA" dirty="0">
+                <a:solidFill>
+                  <a:srgbClr val="FF0000"/>
+                </a:solidFill>
+              </a:rPr>
+              <a:t> </a:t>
+            </a:r>
+            <a:r>
+              <a:rPr lang="en-US" dirty="0">
+                <a:solidFill>
+                  <a:srgbClr val="FF0000"/>
+                </a:solidFill>
+                <a:sym typeface="Symbol" charset="2"/>
+              </a:rPr>
+              <a:t></a:t>
+            </a:r>
+          </a:p>
+          <a:p>
+            <a:r>
+              <a:rPr lang="en-US" dirty="0">
                 <a:solidFill>
                   <a:srgbClr val="000000"/>
                 </a:solidFill>
-              </a:rPr>
-              <a:t>      replace each rule </a:t>
-            </a:r>
-            <a:r>
-              <a:rPr lang="en-US" dirty="0" smtClean="0">
-                <a:solidFill>
-                  <a:srgbClr val="FF0000"/>
-                </a:solidFill>
-              </a:rPr>
-              <a:t>A</a:t>
-            </a:r>
-            <a:r>
-              <a:rPr lang="en-US" baseline="-25000" dirty="0" smtClean="0">
-                <a:solidFill>
-                  <a:srgbClr val="FF0000"/>
-                </a:solidFill>
-              </a:rPr>
-              <a:t>i</a:t>
-            </a:r>
-            <a:r>
-              <a:rPr lang="en-US" dirty="0" smtClean="0">
-                <a:solidFill>
-                  <a:srgbClr val="FF0000"/>
-                </a:solidFill>
-              </a:rPr>
-              <a:t> -&gt; </a:t>
-            </a:r>
-            <a:r>
-              <a:rPr lang="en-US" dirty="0" err="1" smtClean="0">
-                <a:solidFill>
-                  <a:srgbClr val="FF0000"/>
-                </a:solidFill>
-              </a:rPr>
-              <a:t>A</a:t>
-            </a:r>
-            <a:r>
-              <a:rPr lang="en-US" baseline="-25000" dirty="0" err="1" smtClean="0">
-                <a:solidFill>
-                  <a:srgbClr val="FF0000"/>
-                </a:solidFill>
-              </a:rPr>
-              <a:t>j</a:t>
-            </a:r>
-            <a:r>
-              <a:rPr lang="en-US" dirty="0" smtClean="0">
-                <a:solidFill>
-                  <a:srgbClr val="FF0000"/>
-                </a:solidFill>
-              </a:rPr>
-              <a:t> </a:t>
-            </a:r>
-            <a:r>
-              <a:rPr lang="en-US" dirty="0" smtClean="0">
-                <a:solidFill>
-                  <a:srgbClr val="FF0000"/>
-                </a:solidFill>
-                <a:sym typeface="Symbol" charset="2"/>
-              </a:rPr>
-              <a:t> </a:t>
-            </a:r>
-            <a:r>
-              <a:rPr lang="en-US" dirty="0" smtClean="0">
-                <a:solidFill>
-                  <a:srgbClr val="000000"/>
-                </a:solidFill>
-                <a:sym typeface="Symbol" charset="2"/>
-              </a:rPr>
-              <a:t>where </a:t>
-            </a:r>
-            <a:r>
-              <a:rPr lang="en-US" dirty="0" err="1" smtClean="0">
-                <a:solidFill>
-                  <a:srgbClr val="FF0000"/>
-                </a:solidFill>
-                <a:sym typeface="Symbol" charset="2"/>
-              </a:rPr>
-              <a:t>A</a:t>
-            </a:r>
-            <a:r>
-              <a:rPr lang="en-US" baseline="-25000" dirty="0" err="1" smtClean="0">
-                <a:solidFill>
-                  <a:srgbClr val="FF0000"/>
-                </a:solidFill>
-                <a:sym typeface="Symbol" charset="2"/>
-              </a:rPr>
-              <a:t>j</a:t>
-            </a:r>
-            <a:r>
-              <a:rPr lang="en-US" dirty="0" smtClean="0">
-                <a:solidFill>
-                  <a:srgbClr val="FF0000"/>
-                </a:solidFill>
-                <a:sym typeface="Symbol" charset="2"/>
-              </a:rPr>
-              <a:t> -&gt; </a:t>
-            </a:r>
-            <a:r>
-              <a:rPr lang="en-US" dirty="0">
-                <a:solidFill>
-                  <a:srgbClr val="FF0000"/>
-                </a:solidFill>
-                <a:sym typeface="Symbol" charset="2"/>
-              </a:rPr>
-              <a:t></a:t>
-            </a:r>
-            <a:r>
-              <a:rPr lang="en-CA" baseline="-25000" dirty="0" smtClean="0">
-                <a:solidFill>
-                  <a:srgbClr val="FF0000"/>
-                </a:solidFill>
-              </a:rPr>
-              <a:t>1</a:t>
-            </a:r>
-            <a:r>
-              <a:rPr lang="en-CA" dirty="0" smtClean="0">
-                <a:solidFill>
-                  <a:srgbClr val="FF0000"/>
-                </a:solidFill>
-              </a:rPr>
-              <a:t> | …</a:t>
-            </a:r>
-            <a:r>
-              <a:rPr lang="en-CA" dirty="0">
-                <a:solidFill>
-                  <a:srgbClr val="FF0000"/>
-                </a:solidFill>
-              </a:rPr>
-              <a:t> </a:t>
-            </a:r>
-            <a:r>
-              <a:rPr lang="en-US" dirty="0" smtClean="0">
-                <a:solidFill>
-                  <a:srgbClr val="FF0000"/>
-                </a:solidFill>
-                <a:sym typeface="Symbol" charset="2"/>
-              </a:rPr>
-              <a:t>| </a:t>
-            </a:r>
-            <a:r>
-              <a:rPr lang="en-CA" baseline="-25000" dirty="0">
-                <a:solidFill>
-                  <a:srgbClr val="FF0000"/>
-                </a:solidFill>
-              </a:rPr>
-              <a:t>m</a:t>
-            </a:r>
-            <a:r>
-              <a:rPr lang="en-CA" dirty="0">
-                <a:solidFill>
-                  <a:srgbClr val="FF0000"/>
-                </a:solidFill>
-              </a:rPr>
-              <a:t> </a:t>
-            </a:r>
-            <a:r>
-              <a:rPr lang="en-CA" dirty="0" smtClean="0">
-                <a:solidFill>
-                  <a:srgbClr val="000000"/>
-                </a:solidFill>
-              </a:rPr>
-              <a:t>with</a:t>
-            </a:r>
-          </a:p>
-          <a:p>
-            <a:r>
-              <a:rPr lang="en-CA" dirty="0">
-                <a:solidFill>
-                  <a:srgbClr val="000000"/>
-                </a:solidFill>
-              </a:rPr>
-              <a:t> </a:t>
-            </a:r>
-            <a:r>
-              <a:rPr lang="en-CA" dirty="0" smtClean="0">
-                <a:solidFill>
-                  <a:srgbClr val="000000"/>
-                </a:solidFill>
-              </a:rPr>
-              <a:t>      the rules </a:t>
-            </a:r>
-            <a:r>
-              <a:rPr lang="en-CA" dirty="0" smtClean="0">
-                <a:solidFill>
-                  <a:srgbClr val="FF0000"/>
-                </a:solidFill>
-              </a:rPr>
-              <a:t>A</a:t>
-            </a:r>
-            <a:r>
-              <a:rPr lang="en-CA" baseline="-25000" dirty="0" smtClean="0">
-                <a:solidFill>
-                  <a:srgbClr val="FF0000"/>
-                </a:solidFill>
-              </a:rPr>
-              <a:t>i</a:t>
-            </a:r>
-            <a:r>
-              <a:rPr lang="en-CA" dirty="0" smtClean="0">
-                <a:solidFill>
-                  <a:srgbClr val="FF0000"/>
-                </a:solidFill>
-              </a:rPr>
-              <a:t> -&gt; </a:t>
-            </a:r>
-            <a:r>
-              <a:rPr lang="en-US" dirty="0">
-                <a:solidFill>
-                  <a:srgbClr val="FF0000"/>
-                </a:solidFill>
-                <a:sym typeface="Symbol" charset="2"/>
-              </a:rPr>
-              <a:t></a:t>
-            </a:r>
-            <a:r>
-              <a:rPr lang="en-CA" baseline="-25000" dirty="0">
-                <a:solidFill>
-                  <a:srgbClr val="FF0000"/>
-                </a:solidFill>
-              </a:rPr>
-              <a:t>1</a:t>
-            </a:r>
-            <a:r>
-              <a:rPr lang="en-CA" dirty="0">
-                <a:solidFill>
-                  <a:srgbClr val="FF0000"/>
-                </a:solidFill>
-              </a:rPr>
-              <a:t> </a:t>
-            </a:r>
-            <a:r>
-              <a:rPr lang="en-US" dirty="0" smtClean="0">
-                <a:solidFill>
-                  <a:srgbClr val="FF0000"/>
-                </a:solidFill>
-                <a:sym typeface="Symbol" charset="2"/>
-              </a:rPr>
-              <a:t> </a:t>
-            </a:r>
-            <a:r>
-              <a:rPr lang="en-CA" dirty="0" smtClean="0">
-                <a:solidFill>
-                  <a:srgbClr val="FF0000"/>
-                </a:solidFill>
-              </a:rPr>
-              <a:t>| </a:t>
-            </a:r>
-            <a:r>
-              <a:rPr lang="en-CA" dirty="0">
-                <a:solidFill>
-                  <a:srgbClr val="FF0000"/>
-                </a:solidFill>
-              </a:rPr>
-              <a:t>… </a:t>
-            </a:r>
-            <a:r>
-              <a:rPr lang="en-US" dirty="0">
-                <a:solidFill>
-                  <a:srgbClr val="FF0000"/>
-                </a:solidFill>
-                <a:sym typeface="Symbol" charset="2"/>
-              </a:rPr>
-              <a:t>| </a:t>
-            </a:r>
-            <a:r>
-              <a:rPr lang="en-CA" baseline="-25000" dirty="0">
-                <a:solidFill>
-                  <a:srgbClr val="FF0000"/>
-                </a:solidFill>
-              </a:rPr>
-              <a:t>m</a:t>
-            </a:r>
-            <a:r>
-              <a:rPr lang="en-CA" dirty="0">
-                <a:solidFill>
-                  <a:srgbClr val="FF0000"/>
-                </a:solidFill>
-              </a:rPr>
-              <a:t> </a:t>
-            </a:r>
-            <a:r>
-              <a:rPr lang="en-US" dirty="0" smtClean="0">
-                <a:solidFill>
-                  <a:srgbClr val="FF0000"/>
-                </a:solidFill>
-                <a:sym typeface="Symbol" charset="2"/>
-              </a:rPr>
-              <a:t></a:t>
-            </a:r>
-          </a:p>
-          <a:p>
-            <a:r>
-              <a:rPr lang="en-US" dirty="0">
-                <a:solidFill>
-                  <a:srgbClr val="000000"/>
-                </a:solidFill>
-                <a:sym typeface="Symbol" charset="2"/>
-              </a:rPr>
-              <a:t> </a:t>
-            </a:r>
-            <a:r>
-              <a:rPr lang="en-US" dirty="0" smtClean="0">
-                <a:solidFill>
-                  <a:srgbClr val="000000"/>
-                </a:solidFill>
-                <a:sym typeface="Symbol" charset="2"/>
-              </a:rPr>
-              <a:t>  }</a:t>
+                <a:sym typeface="Symbol" charset="2"/>
+              </a:rPr>
+              <a:t>   }</a:t>
             </a:r>
           </a:p>
           <a:p>
@@ -9848,28 +9419,19 @@
                 </a:solidFill>
                 <a:sym typeface="Symbol" charset="2"/>
               </a:rPr>
-              <a:t> </a:t>
-            </a:r>
-            <a:r>
-              <a:rPr lang="en-US" dirty="0" smtClean="0">
+              <a:t>   remove immediate left recursion among A</a:t>
+            </a:r>
+            <a:r>
+              <a:rPr lang="en-US" baseline="-25000" dirty="0">
                 <a:solidFill>
                   <a:srgbClr val="000000"/>
                 </a:solidFill>
                 <a:sym typeface="Symbol" charset="2"/>
               </a:rPr>
-              <a:t>  remove immediate left recursion among A</a:t>
-            </a:r>
-            <a:r>
-              <a:rPr lang="en-US" baseline="-25000" dirty="0" smtClean="0">
-                <a:solidFill>
-                  <a:srgbClr val="000000"/>
-                </a:solidFill>
-                <a:sym typeface="Symbol" charset="2"/>
-              </a:rPr>
               <a:t>i</a:t>
             </a:r>
             <a:r>
-              <a:rPr lang="en-US" dirty="0" smtClean="0">
+              <a:rPr lang="en-US" dirty="0">
                 <a:solidFill>
                   <a:srgbClr val="000000"/>
                 </a:solidFill>
@@ -9911,13 +9473,6 @@
   <p:clrMapOvr>
     <a:masterClrMapping/>
   </p:clrMapOvr>
-  <p:timing>
-    <p:tnLst>
-      <p:par>
-        <p:cTn xmlns:p14="http://schemas.microsoft.com/office/powerpoint/2010/main" id="1" dur="indefinite" restart="never" nodeType="tmRoot"/>
-      </p:par>
-    </p:tnLst>
-  </p:timing>
 </p:sld>
 </file>
 
@@ -9954,12 +9509,8 @@
           <a:lstStyle/>
           <a:p>
             <a:r>
-              <a:rPr lang="en-CA" dirty="0" smtClean="0"/>
-              <a:t>Remove General Left </a:t>
-            </a:r>
-            <a:r>
               <a:rPr lang="en-CA" dirty="0"/>
-              <a:t>Recursion</a:t>
+              <a:t>Remove General Left Recursion</a:t>
             </a:r>
           </a:p>
         </p:txBody>
@@ -9971,7 +9522,7 @@
             <a:spLocks noGrp="1"/>
           </p:cNvSpPr>
           <p:nvPr>
-            <p:ph type="sldNum" sz="quarter" idx="12"/>
+            <p:ph type="sldNum" sz="quarter" idx="11"/>
           </p:nvPr>
         </p:nvSpPr>
         <p:spPr/>
@@ -10022,123 +9573,60 @@
             </a:r>
             <a:r>
               <a:rPr lang="it-IT" sz="3200" dirty="0"/>
-              <a:t> </a:t>
-            </a:r>
-            <a:r>
-              <a:rPr lang="it-IT" sz="3200" dirty="0" smtClean="0"/>
-              <a:t>: </a:t>
-            </a:r>
+              <a:t> : A a</a:t>
+            </a:r>
+          </a:p>
+          <a:p>
+            <a:r>
+              <a:rPr lang="de-DE" sz="3200" dirty="0"/>
+              <a:t>    | b</a:t>
+            </a:r>
+          </a:p>
+          <a:p>
+            <a:r>
+              <a:rPr lang="hu-HU" sz="3200" dirty="0"/>
+              <a:t>A : A c</a:t>
+            </a:r>
+          </a:p>
+          <a:p>
+            <a:r>
+              <a:rPr lang="hu-HU" sz="3200" dirty="0"/>
+              <a:t>    | S d</a:t>
+            </a:r>
+          </a:p>
+          <a:p>
+            <a:r>
+              <a:rPr lang="hu-HU" sz="3200" dirty="0"/>
+              <a:t>    | B</a:t>
+            </a:r>
+          </a:p>
+          <a:p>
             <a:r>
               <a:rPr lang="it-IT" sz="3200" dirty="0"/>
-              <a:t>A </a:t>
-            </a:r>
-            <a:r>
-              <a:rPr lang="it-IT" sz="3200" dirty="0" smtClean="0"/>
-              <a:t>a</a:t>
-            </a:r>
-            <a:endParaRPr lang="it-IT" sz="3200" dirty="0"/>
+              <a:t>B : B e</a:t>
+            </a:r>
           </a:p>
           <a:p>
             <a:r>
               <a:rPr lang="de-DE" sz="3200" dirty="0"/>
-              <a:t>    </a:t>
-            </a:r>
-            <a:r>
-              <a:rPr lang="de-DE" sz="3200" dirty="0" smtClean="0"/>
-              <a:t>| b</a:t>
+              <a:t>    | A f</a:t>
+            </a:r>
+          </a:p>
+          <a:p>
+            <a:r>
+              <a:rPr lang="de-DE" sz="3200" dirty="0"/>
+              <a:t>    | S </a:t>
+            </a:r>
+            <a:r>
+              <a:rPr lang="de-DE" sz="3200" dirty="0" err="1"/>
+              <a:t>g</a:t>
             </a:r>
             <a:endParaRPr lang="de-DE" sz="3200" dirty="0"/>
           </a:p>
           <a:p>
             <a:r>
-              <a:rPr lang="hu-HU" sz="3200" dirty="0" smtClean="0"/>
-              <a:t>A : </a:t>
-            </a:r>
-            <a:r>
-              <a:rPr lang="hu-HU" sz="3200" dirty="0"/>
-              <a:t>A </a:t>
-            </a:r>
-            <a:r>
-              <a:rPr lang="hu-HU" sz="3200" dirty="0" smtClean="0"/>
-              <a:t>c</a:t>
-            </a:r>
-            <a:endParaRPr lang="hu-HU" sz="3200" dirty="0"/>
-          </a:p>
-          <a:p>
-            <a:r>
-              <a:rPr lang="hu-HU" sz="3200" dirty="0"/>
-              <a:t>    </a:t>
-            </a:r>
-            <a:r>
-              <a:rPr lang="hu-HU" sz="3200" dirty="0" smtClean="0"/>
-              <a:t>| S d</a:t>
-            </a:r>
-            <a:endParaRPr lang="hu-HU" sz="3200" dirty="0"/>
-          </a:p>
-          <a:p>
-            <a:r>
-              <a:rPr lang="hu-HU" sz="3200" dirty="0"/>
-              <a:t>    </a:t>
-            </a:r>
-            <a:r>
-              <a:rPr lang="hu-HU" sz="3200" dirty="0" smtClean="0"/>
-              <a:t>| B</a:t>
-            </a:r>
-            <a:endParaRPr lang="hu-HU" sz="3200" dirty="0"/>
-          </a:p>
-          <a:p>
-            <a:r>
-              <a:rPr lang="it-IT" sz="3200" dirty="0" smtClean="0"/>
-              <a:t>B : </a:t>
-            </a:r>
-            <a:r>
               <a:rPr lang="it-IT" sz="3200" dirty="0"/>
-              <a:t>B </a:t>
-            </a:r>
-            <a:r>
-              <a:rPr lang="it-IT" sz="3200" dirty="0" smtClean="0"/>
-              <a:t>e</a:t>
-            </a:r>
-            <a:endParaRPr lang="it-IT" sz="3200" dirty="0"/>
-          </a:p>
-          <a:p>
-            <a:r>
-              <a:rPr lang="de-DE" sz="3200" dirty="0"/>
-              <a:t>   </a:t>
-            </a:r>
-            <a:r>
-              <a:rPr lang="de-DE" sz="3200" dirty="0" smtClean="0"/>
-              <a:t> | A f</a:t>
-            </a:r>
-            <a:endParaRPr lang="de-DE" sz="3200" dirty="0"/>
-          </a:p>
-          <a:p>
-            <a:r>
-              <a:rPr lang="de-DE" sz="3200" dirty="0"/>
-              <a:t>    </a:t>
-            </a:r>
-            <a:r>
-              <a:rPr lang="de-DE" sz="3200" dirty="0" smtClean="0"/>
-              <a:t>| </a:t>
-            </a:r>
-            <a:r>
-              <a:rPr lang="de-DE" sz="3200" dirty="0"/>
-              <a:t>S </a:t>
-            </a:r>
-            <a:r>
-              <a:rPr lang="de-DE" sz="3200" dirty="0" err="1" smtClean="0"/>
-              <a:t>g</a:t>
-            </a:r>
-            <a:endParaRPr lang="de-DE" sz="3200" dirty="0"/>
-          </a:p>
-          <a:p>
-            <a:r>
-              <a:rPr lang="it-IT" sz="3200" dirty="0"/>
-              <a:t>    </a:t>
-            </a:r>
-            <a:r>
-              <a:rPr lang="it-IT" sz="3200" dirty="0" smtClean="0"/>
-              <a:t>| h</a:t>
+              <a:t>    | h</a:t>
             </a:r>
             <a:endParaRPr lang="en-US" sz="3200" dirty="0">
               <a:solidFill>
@@ -10182,83 +9670,46 @@
             </a:r>
             <a:r>
               <a:rPr lang="it-IT" dirty="0"/>
-              <a:t> -&gt; A a</a:t>
+              <a:t> : A a</a:t>
             </a:r>
           </a:p>
           <a:p>
             <a:r>
               <a:rPr lang="de-DE" dirty="0"/>
-              <a:t>   </a:t>
-            </a:r>
-            <a:r>
-              <a:rPr lang="de-DE" dirty="0" smtClean="0"/>
-              <a:t>| b</a:t>
-            </a:r>
-            <a:endParaRPr lang="de-DE" dirty="0"/>
-          </a:p>
-          <a:p>
-            <a:r>
-              <a:rPr lang="en-US" dirty="0" smtClean="0"/>
-              <a:t>A </a:t>
-            </a:r>
+              <a:t>   | b</a:t>
+            </a:r>
+          </a:p>
+          <a:p>
             <a:r>
               <a:rPr lang="en-US" dirty="0"/>
-              <a:t>-&gt; </a:t>
-            </a:r>
-            <a:r>
-              <a:rPr lang="en-US" dirty="0" smtClean="0"/>
-              <a:t>b d A'</a:t>
-            </a:r>
-            <a:endParaRPr lang="en-US" dirty="0"/>
+              <a:t>A : b d A'</a:t>
+            </a:r>
           </a:p>
           <a:p>
             <a:r>
               <a:rPr lang="hu-HU" dirty="0"/>
-              <a:t>    </a:t>
-            </a:r>
-            <a:r>
-              <a:rPr lang="hu-HU" dirty="0" smtClean="0"/>
-              <a:t>| B A'</a:t>
-            </a:r>
-            <a:endParaRPr lang="hu-HU" dirty="0"/>
-          </a:p>
-          <a:p>
-            <a:r>
-              <a:rPr lang="tr-TR" dirty="0" smtClean="0"/>
-              <a:t>A' </a:t>
-            </a:r>
+              <a:t>    | B A'</a:t>
+            </a:r>
+          </a:p>
+          <a:p>
             <a:r>
               <a:rPr lang="tr-TR" dirty="0"/>
-              <a:t>-&gt; </a:t>
-            </a:r>
-            <a:r>
-              <a:rPr lang="tr-TR" dirty="0" smtClean="0"/>
-              <a:t>a d A'</a:t>
-            </a:r>
-            <a:endParaRPr lang="tr-TR" dirty="0"/>
+              <a:t>A’ : a d A'</a:t>
+            </a:r>
           </a:p>
           <a:p>
             <a:r>
               <a:rPr lang="en-US" dirty="0"/>
-              <a:t>    </a:t>
-            </a:r>
-            <a:r>
-              <a:rPr lang="en-US" dirty="0" smtClean="0"/>
-              <a:t>|  c A'</a:t>
-            </a:r>
-            <a:endParaRPr lang="en-US" dirty="0"/>
+              <a:t>    |  c A'</a:t>
+            </a:r>
           </a:p>
           <a:p>
             <a:r>
               <a:rPr lang="de-DE" dirty="0"/>
-              <a:t>    </a:t>
-            </a:r>
-            <a:r>
-              <a:rPr lang="de-DE" dirty="0" smtClean="0"/>
-              <a:t>| </a:t>
-            </a:r>
-            <a:r>
-              <a:rPr lang="el-GR" dirty="0" smtClean="0">
+              <a:t>    | </a:t>
+            </a:r>
+            <a:r>
+              <a:rPr lang="el-GR" dirty="0">
                 <a:sym typeface="Symbol" charset="2"/>
               </a:rPr>
               <a:t>ε</a:t>
@@ -10292,96 +9743,50 @@
           <a:lstStyle/>
           <a:p>
             <a:r>
-              <a:rPr lang="nl-NL" dirty="0" smtClean="0"/>
-              <a:t>B </a:t>
-            </a:r>
-            <a:r>
               <a:rPr lang="nl-NL" dirty="0"/>
-              <a:t>-&gt; </a:t>
-            </a:r>
-            <a:r>
-              <a:rPr lang="nl-NL" dirty="0" smtClean="0"/>
-              <a:t>b d A' a g B'</a:t>
-            </a:r>
-            <a:endParaRPr lang="nl-NL" dirty="0"/>
+              <a:t>B : b d A' a g B'</a:t>
+            </a:r>
           </a:p>
           <a:p>
             <a:r>
               <a:rPr lang="en-US" dirty="0"/>
-              <a:t>    </a:t>
-            </a:r>
-            <a:r>
-              <a:rPr lang="en-US" dirty="0" smtClean="0"/>
-              <a:t>| b d A' f B'</a:t>
-            </a:r>
-            <a:endParaRPr lang="en-US" dirty="0"/>
+              <a:t>    | b d A' f B'</a:t>
+            </a:r>
           </a:p>
           <a:p>
             <a:r>
               <a:rPr lang="en-US" dirty="0"/>
-              <a:t>    </a:t>
-            </a:r>
-            <a:r>
-              <a:rPr lang="en-US" dirty="0" smtClean="0"/>
-              <a:t>| b g B'</a:t>
-            </a:r>
-            <a:endParaRPr lang="en-US" dirty="0"/>
+              <a:t>    | b g B'</a:t>
+            </a:r>
           </a:p>
           <a:p>
             <a:r>
               <a:rPr lang="en-US" dirty="0"/>
-              <a:t>    </a:t>
-            </a:r>
-            <a:r>
-              <a:rPr lang="en-US" dirty="0" smtClean="0"/>
-              <a:t>| h B'</a:t>
-            </a:r>
-          </a:p>
-          <a:p>
-            <a:r>
-              <a:rPr lang="en-US" dirty="0" smtClean="0"/>
-              <a:t>B' </a:t>
-            </a:r>
+              <a:t>    | h B'</a:t>
+            </a:r>
+          </a:p>
+          <a:p>
             <a:r>
               <a:rPr lang="en-US" dirty="0"/>
-              <a:t>-&gt; </a:t>
-            </a:r>
-            <a:r>
-              <a:rPr lang="en-US" dirty="0" smtClean="0"/>
-              <a:t>A' a g B'</a:t>
-            </a:r>
-            <a:endParaRPr lang="en-US" dirty="0"/>
+              <a:t>B’ : A' a g B'</a:t>
+            </a:r>
           </a:p>
           <a:p>
             <a:r>
               <a:rPr lang="en-US" dirty="0"/>
-              <a:t>    </a:t>
-            </a:r>
-            <a:r>
-              <a:rPr lang="en-US" dirty="0" smtClean="0"/>
-              <a:t>| A' f B'</a:t>
-            </a:r>
-            <a:endParaRPr lang="en-US" dirty="0"/>
+              <a:t>    | A' f B'</a:t>
+            </a:r>
           </a:p>
           <a:p>
             <a:r>
               <a:rPr lang="en-US" dirty="0"/>
-              <a:t>    </a:t>
-            </a:r>
-            <a:r>
-              <a:rPr lang="en-US" dirty="0" smtClean="0"/>
-              <a:t>| e B'</a:t>
-            </a:r>
-            <a:endParaRPr lang="en-US" dirty="0"/>
+              <a:t>    | e B'</a:t>
+            </a:r>
           </a:p>
           <a:p>
             <a:r>
               <a:rPr lang="de-DE" dirty="0"/>
-              <a:t>    </a:t>
-            </a:r>
-            <a:r>
-              <a:rPr lang="de-DE" dirty="0" smtClean="0"/>
-              <a:t>| </a:t>
+              <a:t>    | </a:t>
             </a:r>
             <a:r>
               <a:rPr lang="el-GR" dirty="0">
@@ -10475,7 +9880,7 @@
   <p:timing>
     <p:tnLst>
       <p:par>
-        <p:cTn xmlns:p14="http://schemas.microsoft.com/office/powerpoint/2010/main" id="1" dur="indefinite" restart="never" nodeType="tmRoot">
+        <p:cTn id="1" dur="indefinite" restart="never" nodeType="tmRoot">
           <p:childTnLst>
             <p:seq concurrent="1" nextAc="seek">
               <p:cTn id="2" dur="indefinite" nodeType="mainSeq">
@@ -10506,7 +9911,7 @@
                                           </p:stCondLst>
                                         </p:cTn>
                                         <p:tgtEl>
-                                          <p:spTgt spid="9"/>
+                                          <p:spTgt spid="8"/>
                                         </p:tgtEl>
                                         <p:attrNameLst>
                                           <p:attrName>style.visibility</p:attrName>
@@ -10546,51 +9951,6 @@
                                     <p:set>
                                       <p:cBhvr>
                                         <p:cTn id="10" dur="1" fill="hold">
-                                          <p:stCondLst>
-                                            <p:cond delay="0"/>
-                                          </p:stCondLst>
-                                        </p:cTn>
-                                        <p:tgtEl>
-                                          <p:spTgt spid="8"/>
-                                        </p:tgtEl>
-                                        <p:attrNameLst>
-                                          <p:attrName>style.visibility</p:attrName>
-                                        </p:attrNameLst>
-                                      </p:cBhvr>
-                                      <p:to>
-                                        <p:strVal val="visible"/>
-                                      </p:to>
-                                    </p:set>
-                                  </p:childTnLst>
-                                </p:cTn>
-                              </p:par>
-                            </p:childTnLst>
-                          </p:cTn>
-                        </p:par>
-                      </p:childTnLst>
-                    </p:cTn>
-                  </p:par>
-                  <p:par>
-                    <p:cTn id="11" fill="hold">
-                      <p:stCondLst>
-                        <p:cond delay="indefinite"/>
-                      </p:stCondLst>
-                      <p:childTnLst>
-                        <p:par>
-                          <p:cTn id="12" fill="hold">
-                            <p:stCondLst>
-                              <p:cond delay="0"/>
-                            </p:stCondLst>
-                            <p:childTnLst>
-                              <p:par>
-                                <p:cTn id="13" presetID="1" presetClass="entr" presetSubtype="0" fill="hold" grpId="0" nodeType="clickEffect">
-                                  <p:stCondLst>
-                                    <p:cond delay="0"/>
-                                  </p:stCondLst>
-                                  <p:childTnLst>
-                                    <p:set>
-                                      <p:cBhvr>
-                                        <p:cTn id="14" dur="1" fill="hold">
                                           <p:stCondLst>
                                             <p:cond delay="0"/>
                                           </p:stCondLst>
@@ -10637,7 +9997,6 @@
       </p:par>
     </p:tnLst>
     <p:bldLst>
-      <p:bldP spid="9" grpId="0" animBg="1"/>
       <p:bldP spid="8" grpId="0" animBg="1"/>
       <p:bldP spid="7" grpId="0" animBg="1"/>
     </p:bldLst>
@@ -10678,10 +10037,9 @@
           <a:lstStyle/>
           <a:p>
             <a:r>
-              <a:rPr lang="en-CA" dirty="0" smtClean="0"/>
+              <a:rPr lang="en-CA" dirty="0"/>
               <a:t>Summary of Recursive Descent</a:t>
             </a:r>
-            <a:endParaRPr lang="en-CA" dirty="0"/>
           </a:p>
         </p:txBody>
       </p:sp>
@@ -10706,50 +10064,50 @@
           <a:lstStyle/>
           <a:p>
             <a:r>
-              <a:rPr lang="en-CA" dirty="0" smtClean="0"/>
+              <a:rPr lang="en-CA" dirty="0"/>
               <a:t>Simple and general parsing strategy</a:t>
             </a:r>
           </a:p>
           <a:p>
             <a:pPr lvl="1"/>
             <a:r>
-              <a:rPr lang="en-CA" dirty="0" smtClean="0"/>
+              <a:rPr lang="en-CA" dirty="0"/>
               <a:t>Left-recursion must be eliminated first</a:t>
             </a:r>
           </a:p>
           <a:p>
             <a:pPr lvl="2"/>
             <a:r>
-              <a:rPr lang="en-CA" dirty="0" smtClean="0"/>
+              <a:rPr lang="en-CA" dirty="0"/>
               <a:t>Most of the time manually (but it can be done automatically)</a:t>
             </a:r>
           </a:p>
           <a:p>
             <a:pPr lvl="1"/>
             <a:r>
-              <a:rPr lang="en-CA" dirty="0" smtClean="0"/>
+              <a:rPr lang="en-CA" dirty="0"/>
               <a:t>Backtracking is inefficient</a:t>
             </a:r>
           </a:p>
           <a:p>
             <a:pPr lvl="1"/>
             <a:r>
-              <a:rPr lang="en-CA" dirty="0" smtClean="0"/>
+              <a:rPr lang="en-CA" dirty="0"/>
               <a:t>In practice, backtracking is eliminated by restricting the grammar</a:t>
             </a:r>
           </a:p>
           <a:p>
             <a:pPr lvl="1"/>
             <a:r>
-              <a:rPr lang="en-CA" dirty="0" smtClean="0"/>
+              <a:rPr lang="en-CA" dirty="0"/>
               <a:t>Used in production compilers (e.g. </a:t>
             </a:r>
             <a:r>
-              <a:rPr lang="en-CA" dirty="0" err="1" smtClean="0"/>
+              <a:rPr lang="en-CA" dirty="0" err="1"/>
               <a:t>gcc</a:t>
             </a:r>
             <a:r>
-              <a:rPr lang="en-CA" dirty="0" smtClean="0"/>
+              <a:rPr lang="en-CA" dirty="0"/>
               <a:t> front-end)</a:t>
             </a:r>
           </a:p>
@@ -10789,13 +10147,6 @@
   <p:clrMapOvr>
     <a:masterClrMapping/>
   </p:clrMapOvr>
-  <p:timing>
-    <p:tnLst>
-      <p:par>
-        <p:cTn xmlns:p14="http://schemas.microsoft.com/office/powerpoint/2010/main" id="1" dur="indefinite" restart="never" nodeType="tmRoot"/>
-      </p:par>
-    </p:tnLst>
-  </p:timing>
 </p:sld>
 </file>
 
@@ -10832,10 +10183,9 @@
           <a:lstStyle/>
           <a:p>
             <a:r>
-              <a:rPr lang="en-CA" dirty="0" smtClean="0"/>
+              <a:rPr lang="en-CA" dirty="0"/>
               <a:t>Intro t0 Top-Down Parsing</a:t>
             </a:r>
-            <a:endParaRPr lang="en-CA" dirty="0"/>
           </a:p>
         </p:txBody>
       </p:sp>
@@ -10855,14 +10205,14 @@
           <a:lstStyle/>
           <a:p>
             <a:r>
-              <a:rPr lang="en-CA" dirty="0" smtClean="0"/>
+              <a:rPr lang="en-CA" dirty="0"/>
               <a:t>The parse tree is constructed </a:t>
             </a:r>
           </a:p>
           <a:p>
             <a:pPr lvl="1"/>
             <a:r>
-              <a:rPr lang="en-CA" dirty="0" smtClean="0">
+              <a:rPr lang="en-CA" dirty="0">
                 <a:solidFill>
                   <a:schemeClr val="accent2"/>
                 </a:solidFill>
@@ -10873,7 +10223,7 @@
           <a:p>
             <a:pPr lvl="1"/>
             <a:r>
-              <a:rPr lang="en-CA" dirty="0" smtClean="0">
+              <a:rPr lang="en-CA" dirty="0">
                 <a:solidFill>
                   <a:schemeClr val="accent2"/>
                 </a:solidFill>
@@ -10889,7 +10239,7 @@
           </a:p>
           <a:p>
             <a:r>
-              <a:rPr lang="en-CA" dirty="0" smtClean="0"/>
+              <a:rPr lang="en-CA" dirty="0"/>
               <a:t>Terminals are seen in the order of appearance in the token stream</a:t>
             </a:r>
           </a:p>
@@ -10899,50 +10249,42 @@
             </a:pPr>
             <a:r>
               <a:rPr lang="en-CA" dirty="0"/>
-              <a:t> </a:t>
-            </a:r>
-            <a:r>
-              <a:rPr lang="en-CA" dirty="0" smtClean="0"/>
-              <a:t>   t</a:t>
-            </a:r>
-            <a:r>
-              <a:rPr lang="en-CA" baseline="-25000" dirty="0" smtClean="0"/>
+              <a:t>    t</a:t>
+            </a:r>
+            <a:r>
+              <a:rPr lang="en-CA" baseline="-25000" dirty="0"/>
               <a:t>2</a:t>
             </a:r>
             <a:r>
               <a:rPr lang="en-CA" dirty="0"/>
-              <a:t> </a:t>
-            </a:r>
-            <a:r>
-              <a:rPr lang="en-CA" dirty="0" smtClean="0"/>
-              <a:t>t</a:t>
-            </a:r>
-            <a:r>
-              <a:rPr lang="en-CA" baseline="-25000" dirty="0" smtClean="0"/>
+              <a:t> t</a:t>
+            </a:r>
+            <a:r>
+              <a:rPr lang="en-CA" baseline="-25000" dirty="0"/>
               <a:t>5</a:t>
             </a:r>
             <a:r>
-              <a:rPr lang="en-CA" dirty="0" smtClean="0"/>
+              <a:rPr lang="en-CA" dirty="0"/>
               <a:t> t</a:t>
             </a:r>
             <a:r>
-              <a:rPr lang="en-CA" baseline="-25000" dirty="0" smtClean="0"/>
+              <a:rPr lang="en-CA" baseline="-25000" dirty="0"/>
               <a:t>6</a:t>
             </a:r>
             <a:r>
-              <a:rPr lang="en-CA" dirty="0" smtClean="0"/>
+              <a:rPr lang="en-CA" dirty="0"/>
               <a:t> t</a:t>
             </a:r>
             <a:r>
-              <a:rPr lang="en-CA" baseline="-25000" dirty="0" smtClean="0"/>
+              <a:rPr lang="en-CA" baseline="-25000" dirty="0"/>
               <a:t>8</a:t>
             </a:r>
             <a:r>
-              <a:rPr lang="en-CA" dirty="0" smtClean="0"/>
+              <a:rPr lang="en-CA" dirty="0"/>
               <a:t> t</a:t>
             </a:r>
             <a:r>
-              <a:rPr lang="en-CA" baseline="-25000" dirty="0" smtClean="0"/>
+              <a:rPr lang="en-CA" baseline="-25000" dirty="0"/>
               <a:t>9</a:t>
             </a:r>
             <a:endParaRPr lang="en-CA" dirty="0"/>
@@ -11024,10 +10366,9 @@
             <a:lstStyle/>
             <a:p>
               <a:r>
-                <a:rPr lang="en-US" dirty="0" smtClean="0"/>
+                <a:rPr lang="en-US" dirty="0"/>
                 <a:t>1</a:t>
               </a:r>
-              <a:endParaRPr lang="en-US" dirty="0"/>
             </a:p>
           </p:txBody>
         </p:sp>
@@ -11066,7 +10407,7 @@
             <a:lstStyle/>
             <a:p>
               <a:r>
-                <a:rPr lang="en-US" dirty="0" smtClean="0"/>
+                <a:rPr lang="en-US" dirty="0"/>
                 <a:t>t</a:t>
               </a:r>
               <a:r>
@@ -11112,10 +10453,9 @@
             <a:lstStyle/>
             <a:p>
               <a:r>
-                <a:rPr lang="en-US" dirty="0" smtClean="0"/>
+                <a:rPr lang="en-US" dirty="0"/>
                 <a:t>3</a:t>
               </a:r>
-              <a:endParaRPr lang="en-US" dirty="0"/>
             </a:p>
           </p:txBody>
         </p:sp>
@@ -11154,11 +10494,11 @@
             <a:lstStyle/>
             <a:p>
               <a:r>
-                <a:rPr lang="en-US" dirty="0" smtClean="0"/>
+                <a:rPr lang="en-US" dirty="0"/>
                 <a:t>t</a:t>
               </a:r>
               <a:r>
-                <a:rPr lang="en-US" baseline="-25000" dirty="0" smtClean="0"/>
+                <a:rPr lang="en-US" baseline="-25000" dirty="0"/>
                 <a:t>9</a:t>
               </a:r>
               <a:endParaRPr lang="en-US" dirty="0"/>
@@ -11200,10 +10540,9 @@
             <a:lstStyle/>
             <a:p>
               <a:r>
-                <a:rPr lang="en-US" dirty="0" smtClean="0"/>
+                <a:rPr lang="en-US" dirty="0"/>
                 <a:t>4</a:t>
               </a:r>
-              <a:endParaRPr lang="en-US" dirty="0"/>
             </a:p>
           </p:txBody>
         </p:sp>
@@ -11242,10 +10581,9 @@
             <a:lstStyle/>
             <a:p>
               <a:r>
-                <a:rPr lang="en-US" dirty="0" smtClean="0"/>
+                <a:rPr lang="en-US" dirty="0"/>
                 <a:t>7</a:t>
               </a:r>
-              <a:endParaRPr lang="en-US" dirty="0"/>
             </a:p>
           </p:txBody>
         </p:sp>
@@ -11284,11 +10622,11 @@
             <a:lstStyle/>
             <a:p>
               <a:r>
-                <a:rPr lang="en-US" dirty="0" smtClean="0"/>
+                <a:rPr lang="en-US" dirty="0"/>
                 <a:t>t</a:t>
               </a:r>
               <a:r>
-                <a:rPr lang="en-US" baseline="-25000" dirty="0" smtClean="0"/>
+                <a:rPr lang="en-US" baseline="-25000" dirty="0"/>
                 <a:t>6</a:t>
               </a:r>
               <a:endParaRPr lang="en-US" dirty="0"/>
@@ -11330,11 +10668,11 @@
             <a:lstStyle/>
             <a:p>
               <a:r>
-                <a:rPr lang="en-US" dirty="0" smtClean="0"/>
+                <a:rPr lang="en-US" dirty="0"/>
                 <a:t>t</a:t>
               </a:r>
               <a:r>
-                <a:rPr lang="en-US" baseline="-25000" dirty="0" smtClean="0"/>
+                <a:rPr lang="en-US" baseline="-25000" dirty="0"/>
                 <a:t>5</a:t>
               </a:r>
               <a:endParaRPr lang="en-US" dirty="0"/>
@@ -11376,11 +10714,11 @@
             <a:lstStyle/>
             <a:p>
               <a:r>
-                <a:rPr lang="en-US" dirty="0" smtClean="0"/>
+                <a:rPr lang="en-US" dirty="0"/>
                 <a:t>t</a:t>
               </a:r>
               <a:r>
-                <a:rPr lang="en-US" baseline="-25000" dirty="0" smtClean="0"/>
+                <a:rPr lang="en-US" baseline="-25000" dirty="0"/>
                 <a:t>8</a:t>
               </a:r>
               <a:endParaRPr lang="en-US" dirty="0"/>
@@ -11638,13 +10976,6 @@
   <p:clrMapOvr>
     <a:masterClrMapping/>
   </p:clrMapOvr>
-  <p:timing>
-    <p:tnLst>
-      <p:par>
-        <p:cTn xmlns:p14="http://schemas.microsoft.com/office/powerpoint/2010/main" id="1" dur="indefinite" restart="never" nodeType="tmRoot"/>
-      </p:par>
-    </p:tnLst>
-  </p:timing>
 </p:sld>
 </file>
 
@@ -11681,47 +11012,47 @@
           <a:lstStyle/>
           <a:p>
             <a:r>
-              <a:rPr lang="en-US" dirty="0" smtClean="0"/>
+              <a:rPr lang="en-US" dirty="0"/>
               <a:t>How to compute: Does </a:t>
             </a:r>
             <a:r>
-              <a:rPr lang="en-US" dirty="0" smtClean="0">
+              <a:rPr lang="en-US" dirty="0">
                 <a:sym typeface="Symbol" charset="2"/>
               </a:rPr>
               <a:t>X</a:t>
             </a:r>
             <a:r>
-              <a:rPr lang="en-US" baseline="-25000" dirty="0" smtClean="0">
+              <a:rPr lang="en-US" baseline="-25000" dirty="0">
                 <a:sym typeface="Symbol" charset="2"/>
               </a:rPr>
               <a:t> </a:t>
             </a:r>
             <a:r>
-              <a:rPr lang="en-US" dirty="0" err="1" smtClean="0">
+              <a:rPr lang="en-US" dirty="0" err="1">
                 <a:sym typeface="Symbol" charset="2"/>
               </a:rPr>
               <a:t></a:t>
             </a:r>
             <a:r>
-              <a:rPr lang="en-US" dirty="0" smtClean="0">
+              <a:rPr lang="en-US" dirty="0">
                 <a:sym typeface="Symbol" charset="2"/>
               </a:rPr>
               <a:t>* </a:t>
             </a:r>
             <a:r>
-              <a:rPr lang="en-US" b="1" dirty="0" err="1" smtClean="0">
+              <a:rPr lang="en-US" b="1" dirty="0" err="1">
                 <a:sym typeface="Symbol" charset="2"/>
               </a:rPr>
               <a:t></a:t>
             </a:r>
             <a:r>
-              <a:rPr lang="en-US" b="1" dirty="0" smtClean="0">
+              <a:rPr lang="en-US" b="1" dirty="0">
                 <a:sym typeface="Symbol" charset="2"/>
               </a:rPr>
               <a:t> </a:t>
             </a:r>
             <a:r>
-              <a:rPr lang="en-US" dirty="0" smtClean="0">
+              <a:rPr lang="en-US" dirty="0">
                 <a:sym typeface="Symbol" charset="2"/>
               </a:rPr>
               <a:t>?</a:t>
@@ -11751,87 +11082,63 @@
           <a:lstStyle/>
           <a:p>
             <a:r>
-              <a:rPr lang="en-US" sz="2800" dirty="0" smtClean="0"/>
+              <a:rPr lang="en-US" sz="2800" dirty="0"/>
               <a:t>The question `Does </a:t>
             </a:r>
             <a:r>
-              <a:rPr lang="en-US" sz="2800" dirty="0" smtClean="0">
+              <a:rPr lang="en-US" sz="2800" dirty="0">
                 <a:sym typeface="Symbol" charset="2"/>
               </a:rPr>
               <a:t>X</a:t>
             </a:r>
             <a:r>
-              <a:rPr lang="en-US" sz="2800" baseline="-25000" dirty="0" smtClean="0">
+              <a:rPr lang="en-US" sz="2800" baseline="-25000" dirty="0">
                 <a:sym typeface="Symbol" charset="2"/>
               </a:rPr>
               <a:t> </a:t>
             </a:r>
             <a:r>
-              <a:rPr lang="en-US" sz="2800" dirty="0" err="1" smtClean="0">
+              <a:rPr lang="en-US" sz="2800" dirty="0" err="1">
                 <a:sym typeface="Symbol" charset="2"/>
               </a:rPr>
               <a:t></a:t>
             </a:r>
             <a:r>
-              <a:rPr lang="en-US" sz="2800" dirty="0" smtClean="0">
+              <a:rPr lang="en-US" sz="2800" dirty="0">
                 <a:sym typeface="Symbol" charset="2"/>
               </a:rPr>
               <a:t>* </a:t>
             </a:r>
             <a:r>
-              <a:rPr lang="en-US" sz="2800" b="1" dirty="0" err="1" smtClean="0">
+              <a:rPr lang="en-US" sz="2800" b="1" dirty="0" err="1">
                 <a:sym typeface="Symbol" charset="2"/>
               </a:rPr>
               <a:t></a:t>
             </a:r>
             <a:r>
-              <a:rPr lang="en-US" sz="2800" b="1" dirty="0" smtClean="0">
+              <a:rPr lang="en-US" sz="2800" b="1" dirty="0">
                 <a:sym typeface="Symbol" charset="2"/>
               </a:rPr>
               <a:t> </a:t>
             </a:r>
             <a:r>
-              <a:rPr lang="en-US" sz="2800" dirty="0" smtClean="0">
+              <a:rPr lang="en-US" sz="2800" dirty="0">
                 <a:sym typeface="Symbol" charset="2"/>
               </a:rPr>
               <a:t>?’ can be written as the predicate: </a:t>
             </a:r>
             <a:r>
-              <a:rPr lang="en-US" sz="2800" dirty="0" err="1" smtClean="0">
+              <a:rPr lang="en-US" sz="2800" dirty="0" err="1">
                 <a:sym typeface="Symbol" charset="2"/>
               </a:rPr>
               <a:t>nullable(X</a:t>
             </a:r>
             <a:r>
-              <a:rPr lang="en-US" sz="2800" dirty="0" smtClean="0">
+              <a:rPr lang="en-US" sz="2800" dirty="0">
                 <a:sym typeface="Symbol" charset="2"/>
               </a:rPr>
               <a:t>)</a:t>
             </a:r>
-          </a:p>
-        </p:txBody>
-      </p:sp>
-      <p:sp>
-        <p:nvSpPr>
-          <p:cNvPr id="5" name="Date Placeholder 4"/>
-          <p:cNvSpPr>
-            <a:spLocks noGrp="1"/>
-          </p:cNvSpPr>
-          <p:nvPr>
-            <p:ph type="dt" sz="half" idx="10"/>
-          </p:nvPr>
-        </p:nvSpPr>
-        <p:spPr/>
-        <p:txBody>
-          <a:bodyPr/>
-          <a:lstStyle/>
-          <a:p>
-            <a:fld id="{4370C3FB-D61C-3948-9BCA-D0117B8DDCC5}" type="datetime1">
-              <a:rPr lang="en-US" smtClean="0"/>
-              <a:pPr/>
-              <a:t>16-06-22</a:t>
-            </a:fld>
-            <a:endParaRPr lang="en-US" dirty="0"/>
           </a:p>
         </p:txBody>
       </p:sp>
@@ -11867,8 +11174,8 @@
         </p:nvSpPr>
         <p:spPr>
           <a:xfrm>
-            <a:off x="1066800" y="2895600"/>
-            <a:ext cx="7486352" cy="3170099"/>
+            <a:off x="609600" y="2895600"/>
+            <a:ext cx="8066856" cy="2862322"/>
           </a:xfrm>
           <a:prstGeom prst="rect">
             <a:avLst/>
@@ -11878,95 +11185,95 @@
           </a:solidFill>
         </p:spPr>
         <p:txBody>
-          <a:bodyPr wrap="none" rtlCol="0">
+          <a:bodyPr wrap="square" rtlCol="0">
             <a:spAutoFit/>
           </a:bodyPr>
           <a:lstStyle/>
           <a:p>
             <a:r>
-              <a:rPr lang="en-US" sz="2000" dirty="0" err="1" smtClean="0"/>
+              <a:rPr lang="en-US" sz="2000" dirty="0" err="1"/>
               <a:t>Nullable</a:t>
             </a:r>
             <a:r>
-              <a:rPr lang="en-US" sz="2000" dirty="0" smtClean="0"/>
+              <a:rPr lang="en-US" sz="2000" dirty="0"/>
               <a:t> = {} (set containing </a:t>
             </a:r>
             <a:r>
-              <a:rPr lang="en-US" sz="2000" dirty="0" err="1" smtClean="0"/>
+              <a:rPr lang="en-US" sz="2000" dirty="0" err="1"/>
               <a:t>nullable</a:t>
             </a:r>
             <a:r>
-              <a:rPr lang="en-US" sz="2000" dirty="0" smtClean="0"/>
+              <a:rPr lang="en-US" sz="2000" dirty="0"/>
               <a:t> non-terminals)</a:t>
             </a:r>
           </a:p>
           <a:p>
             <a:r>
-              <a:rPr lang="en-US" sz="2000" dirty="0" smtClean="0"/>
+              <a:rPr lang="en-US" sz="2000" dirty="0"/>
               <a:t>Changed = True</a:t>
             </a:r>
           </a:p>
           <a:p>
             <a:r>
-              <a:rPr lang="en-US" sz="2000" dirty="0" smtClean="0"/>
+              <a:rPr lang="en-US" sz="2000" dirty="0"/>
               <a:t>While (changed):</a:t>
             </a:r>
           </a:p>
           <a:p>
             <a:r>
-              <a:rPr lang="en-US" sz="2000" dirty="0" smtClean="0"/>
+              <a:rPr lang="en-US" sz="2000" dirty="0"/>
               <a:t>    changed = False</a:t>
             </a:r>
           </a:p>
           <a:p>
             <a:r>
-              <a:rPr lang="en-US" sz="2000" dirty="0" smtClean="0"/>
+              <a:rPr lang="en-US" sz="2000" dirty="0"/>
               <a:t>    if X is not in </a:t>
             </a:r>
             <a:r>
-              <a:rPr lang="en-US" sz="2000" dirty="0" err="1" smtClean="0"/>
+              <a:rPr lang="en-US" sz="2000" dirty="0" err="1"/>
               <a:t>Nullable</a:t>
             </a:r>
             <a:r>
-              <a:rPr lang="en-US" sz="2000" dirty="0" smtClean="0"/>
+              <a:rPr lang="en-US" sz="2000" dirty="0"/>
               <a:t>:</a:t>
             </a:r>
           </a:p>
           <a:p>
             <a:r>
-              <a:rPr lang="en-US" sz="2000" dirty="0" smtClean="0"/>
+              <a:rPr lang="en-US" sz="2000" dirty="0"/>
               <a:t>         if </a:t>
             </a:r>
           </a:p>
           <a:p>
             <a:r>
-              <a:rPr lang="en-US" sz="2000" dirty="0" smtClean="0"/>
+              <a:rPr lang="en-US" sz="2000" dirty="0"/>
               <a:t>            1. X </a:t>
             </a:r>
             <a:r>
-              <a:rPr lang="en-US" sz="2000" b="1" dirty="0" err="1" smtClean="0">
+              <a:rPr lang="en-US" sz="2000" b="1" dirty="0" err="1">
                 <a:sym typeface="Symbol" charset="2"/>
               </a:rPr>
               <a:t></a:t>
             </a:r>
             <a:r>
-              <a:rPr lang="en-US" sz="2000" dirty="0" smtClean="0"/>
+              <a:rPr lang="en-US" sz="2000" dirty="0"/>
               <a:t> </a:t>
             </a:r>
             <a:r>
-              <a:rPr lang="en-US" sz="2000" b="1" dirty="0" err="1" smtClean="0">
+              <a:rPr lang="en-US" sz="2000" b="1" dirty="0" err="1">
                 <a:sym typeface="Symbol" charset="2"/>
               </a:rPr>
               <a:t></a:t>
             </a:r>
             <a:r>
-              <a:rPr lang="en-US" sz="2000" b="1" dirty="0" smtClean="0">
+              <a:rPr lang="en-US" sz="2000" b="1" dirty="0">
                 <a:sym typeface="Symbol" charset="2"/>
               </a:rPr>
               <a:t> </a:t>
             </a:r>
             <a:r>
-              <a:rPr lang="en-US" sz="2000" dirty="0" smtClean="0">
+              <a:rPr lang="en-US" sz="2000" dirty="0">
                 <a:sym typeface="Symbol" charset="2"/>
               </a:rPr>
               <a:t>is in the grammar, or</a:t>
@@ -11974,114 +11281,85 @@
           </a:p>
           <a:p>
             <a:r>
-              <a:rPr lang="en-US" sz="2000" dirty="0" smtClean="0">
+              <a:rPr lang="en-US" sz="2000" dirty="0">
                 <a:sym typeface="Symbol" charset="2"/>
               </a:rPr>
               <a:t>            2. X </a:t>
             </a:r>
             <a:r>
-              <a:rPr lang="en-US" sz="2000" b="1" dirty="0" err="1" smtClean="0">
+              <a:rPr lang="en-US" sz="2000" b="1" dirty="0">
                 <a:sym typeface="Symbol" charset="2"/>
               </a:rPr>
               <a:t></a:t>
             </a:r>
             <a:r>
-              <a:rPr lang="en-US" sz="2000" dirty="0" smtClean="0"/>
+              <a:rPr lang="en-US" sz="2000" dirty="0"/>
               <a:t> </a:t>
             </a:r>
             <a:r>
-              <a:rPr lang="en-US" sz="2000" dirty="0" smtClean="0">
+              <a:rPr lang="en-US" sz="2000" dirty="0">
                 <a:sym typeface="Symbol" charset="2"/>
               </a:rPr>
               <a:t>Y</a:t>
             </a:r>
             <a:r>
-              <a:rPr lang="en-US" sz="2000" baseline="-25000" dirty="0" smtClean="0">
+              <a:rPr lang="en-US" sz="2000" baseline="-25000" dirty="0">
                 <a:sym typeface="Symbol" charset="2"/>
               </a:rPr>
               <a:t>1</a:t>
             </a:r>
             <a:r>
-              <a:rPr lang="en-US" sz="2000" dirty="0" smtClean="0">
+              <a:rPr lang="en-US" sz="2000" dirty="0">
                 <a:sym typeface="Symbol" charset="2"/>
               </a:rPr>
               <a:t> … </a:t>
             </a:r>
             <a:r>
-              <a:rPr lang="en-US" sz="2000" dirty="0" err="1" smtClean="0">
+              <a:rPr lang="en-US" sz="2000" dirty="0" err="1">
                 <a:sym typeface="Symbol" charset="2"/>
               </a:rPr>
               <a:t>Y</a:t>
             </a:r>
             <a:r>
-              <a:rPr lang="en-US" sz="2000" baseline="-25000" dirty="0" err="1" smtClean="0">
+              <a:rPr lang="en-US" sz="2000" baseline="-25000" dirty="0" err="1">
                 <a:sym typeface="Symbol" charset="2"/>
               </a:rPr>
               <a:t>n</a:t>
             </a:r>
             <a:r>
-              <a:rPr lang="en-US" sz="2000" dirty="0" smtClean="0">
+              <a:rPr lang="en-US" sz="2000" dirty="0">
                 <a:sym typeface="Symbol" charset="2"/>
               </a:rPr>
               <a:t> is in the grammar and Y</a:t>
             </a:r>
             <a:r>
-              <a:rPr lang="en-US" sz="2000" baseline="-25000" dirty="0" smtClean="0">
+              <a:rPr lang="en-US" sz="2000" baseline="-25000" dirty="0">
                 <a:sym typeface="Symbol" charset="2"/>
               </a:rPr>
               <a:t>i</a:t>
             </a:r>
             <a:r>
-              <a:rPr lang="en-US" sz="2000" dirty="0" smtClean="0">
-                <a:sym typeface="Symbol" charset="2"/>
-              </a:rPr>
-              <a:t> is in </a:t>
-            </a:r>
-            <a:r>
-              <a:rPr lang="en-US" sz="2000" dirty="0" err="1" smtClean="0">
+              <a:rPr lang="en-US" sz="2000" dirty="0">
+                <a:sym typeface="Symbol" charset="2"/>
+              </a:rPr>
+              <a:t> is in Nullable for all i then </a:t>
+            </a:r>
+          </a:p>
+          <a:p>
+            <a:r>
+              <a:rPr lang="en-US" sz="2000" dirty="0">
+                <a:sym typeface="Symbol" charset="2"/>
+              </a:rPr>
+              <a:t>            add X to </a:t>
+            </a:r>
+            <a:r>
+              <a:rPr lang="en-US" sz="2000" dirty="0" err="1">
                 <a:sym typeface="Symbol" charset="2"/>
               </a:rPr>
               <a:t>Nullable</a:t>
             </a:r>
             <a:r>
-              <a:rPr lang="en-US" sz="2000" dirty="0" smtClean="0">
-                <a:sym typeface="Symbol" charset="2"/>
-              </a:rPr>
-              <a:t> for all </a:t>
-            </a:r>
-            <a:r>
-              <a:rPr lang="en-US" sz="2000" dirty="0" err="1" smtClean="0">
-                <a:sym typeface="Symbol" charset="2"/>
-              </a:rPr>
-              <a:t>i</a:t>
-            </a:r>
-            <a:endParaRPr lang="en-US" sz="2000" dirty="0" smtClean="0">
-              <a:sym typeface="Symbol" charset="2"/>
-            </a:endParaRPr>
-          </a:p>
-          <a:p>
-            <a:r>
-              <a:rPr lang="en-US" sz="2000" dirty="0" smtClean="0">
-                <a:sym typeface="Symbol" charset="2"/>
-              </a:rPr>
-              <a:t>         then </a:t>
-            </a:r>
-          </a:p>
-          <a:p>
-            <a:r>
-              <a:rPr lang="en-US" sz="2000" dirty="0" smtClean="0">
-                <a:sym typeface="Symbol" charset="2"/>
-              </a:rPr>
-              <a:t>            add X to </a:t>
-            </a:r>
-            <a:r>
-              <a:rPr lang="en-US" sz="2000" dirty="0" err="1" smtClean="0">
-                <a:sym typeface="Symbol" charset="2"/>
-              </a:rPr>
-              <a:t>Nullable</a:t>
-            </a:r>
-            <a:r>
-              <a:rPr lang="en-US" sz="2000" dirty="0" smtClean="0">
+              <a:rPr lang="en-US" sz="2000" dirty="0">
                 <a:sym typeface="Symbol" charset="2"/>
               </a:rPr>
               <a:t>; changed = True</a:t>
@@ -12100,13 +11378,6 @@
   <p:clrMapOvr>
     <a:masterClrMapping/>
   </p:clrMapOvr>
-  <p:timing>
-    <p:tnLst>
-      <p:par>
-        <p:cTn xmlns:p14="http://schemas.microsoft.com/office/powerpoint/2010/main" id="1" dur="indefinite" restart="never" nodeType="tmRoot"/>
-      </p:par>
-    </p:tnLst>
-  </p:timing>
 </p:sld>
 </file>
 
@@ -12143,10 +11414,9 @@
           <a:lstStyle/>
           <a:p>
             <a:r>
-              <a:rPr lang="en-CA" dirty="0" smtClean="0"/>
+              <a:rPr lang="en-CA" dirty="0"/>
               <a:t>Recursive Descent Parsing</a:t>
             </a:r>
-            <a:endParaRPr lang="en-CA" dirty="0"/>
           </a:p>
         </p:txBody>
       </p:sp>
@@ -12166,7 +11436,7 @@
           <a:lstStyle/>
           <a:p>
             <a:r>
-              <a:rPr lang="en-CA" dirty="0" smtClean="0"/>
+              <a:rPr lang="en-CA" dirty="0"/>
               <a:t>Consider the grammar</a:t>
             </a:r>
           </a:p>
@@ -12191,34 +11461,7 @@
                 </a:solidFill>
                 <a:sym typeface="Symbol" charset="2"/>
               </a:rPr>
-              <a:t> </a:t>
-            </a:r>
-            <a:r>
-              <a:rPr lang="en-US" dirty="0" smtClean="0">
-                <a:solidFill>
-                  <a:schemeClr val="accent2"/>
-                </a:solidFill>
-                <a:sym typeface="Symbol" charset="2"/>
-              </a:rPr>
-              <a:t>T + </a:t>
-            </a:r>
-            <a:r>
-              <a:rPr lang="en-US" dirty="0">
-                <a:solidFill>
-                  <a:schemeClr val="accent2"/>
-                </a:solidFill>
-                <a:sym typeface="Symbol" charset="2"/>
-              </a:rPr>
-              <a:t>E </a:t>
-            </a:r>
-            <a:r>
-              <a:rPr lang="en-US" dirty="0" smtClean="0">
-                <a:solidFill>
-                  <a:schemeClr val="accent2"/>
-                </a:solidFill>
-                <a:sym typeface="Symbol" charset="2"/>
-              </a:rPr>
-              <a:t>| T </a:t>
+              <a:t> T + E | T </a:t>
             </a:r>
           </a:p>
           <a:p>
@@ -12228,13 +11471,22 @@
               </a:lnSpc>
             </a:pPr>
             <a:r>
-              <a:rPr lang="en-US" dirty="0" smtClean="0">
+              <a:rPr lang="en-US" dirty="0">
                 <a:solidFill>
                   <a:schemeClr val="accent2"/>
                 </a:solidFill>
                 <a:sym typeface="Symbol" charset="2"/>
               </a:rPr>
-              <a:t>T </a:t>
+              <a:t>T  </a:t>
+            </a:r>
+            <a:r>
+              <a:rPr lang="en-US" dirty="0" err="1">
+                <a:solidFill>
+                  <a:schemeClr val="accent2"/>
+                </a:solidFill>
+                <a:sym typeface="Symbol" charset="2"/>
+              </a:rPr>
+              <a:t>int</a:t>
             </a:r>
             <a:r>
               <a:rPr lang="en-US" dirty="0">
@@ -12243,10 +11495,10 @@
                 </a:solidFill>
                 <a:sym typeface="Symbol" charset="2"/>
               </a:rPr>
-              <a:t> </a:t>
-            </a:r>
-            <a:r>
-              <a:rPr lang="en-US" dirty="0" err="1" smtClean="0">
+              <a:t> | </a:t>
+            </a:r>
+            <a:r>
+              <a:rPr lang="en-US" dirty="0" err="1">
                 <a:solidFill>
                   <a:schemeClr val="accent2"/>
                 </a:solidFill>
@@ -12255,25 +11507,7 @@
               <a:t>int</a:t>
             </a:r>
             <a:r>
-              <a:rPr lang="en-US" dirty="0" smtClean="0">
-                <a:solidFill>
-                  <a:schemeClr val="accent2"/>
-                </a:solidFill>
-                <a:sym typeface="Symbol" charset="2"/>
-              </a:rPr>
-              <a:t> | </a:t>
-            </a:r>
-            <a:r>
-              <a:rPr lang="en-US" dirty="0" err="1" smtClean="0">
-                <a:solidFill>
-                  <a:schemeClr val="accent2"/>
-                </a:solidFill>
-                <a:sym typeface="Symbol" charset="2"/>
-              </a:rPr>
-              <a:t>int</a:t>
-            </a:r>
-            <a:r>
-              <a:rPr lang="en-US" dirty="0" smtClean="0">
+              <a:rPr lang="en-US" dirty="0">
                 <a:solidFill>
                   <a:schemeClr val="accent2"/>
                 </a:solidFill>
@@ -12288,7 +11522,7 @@
                 <a:spcPct val="90000"/>
               </a:lnSpc>
             </a:pPr>
-            <a:endParaRPr lang="en-US" dirty="0" smtClean="0">
+            <a:endParaRPr lang="en-US" dirty="0">
               <a:sym typeface="Symbol" charset="2"/>
             </a:endParaRPr>
           </a:p>
@@ -12299,13 +11533,13 @@
               </a:lnSpc>
             </a:pPr>
             <a:r>
-              <a:rPr lang="en-US" dirty="0" smtClean="0">
+              <a:rPr lang="en-US" dirty="0">
                 <a:sym typeface="Symbol" charset="2"/>
               </a:rPr>
               <a:t>Token stream is </a:t>
             </a:r>
             <a:r>
-              <a:rPr lang="en-US" dirty="0" smtClean="0">
+              <a:rPr lang="en-US" dirty="0">
                 <a:solidFill>
                   <a:schemeClr val="accent2"/>
                 </a:solidFill>
@@ -12314,7 +11548,7 @@
               <a:t>int</a:t>
             </a:r>
             <a:r>
-              <a:rPr lang="en-US" baseline="-25000" dirty="0" smtClean="0">
+              <a:rPr lang="en-US" baseline="-25000" dirty="0">
                 <a:solidFill>
                   <a:schemeClr val="accent2"/>
                 </a:solidFill>
@@ -12323,7 +11557,7 @@
               <a:t>5</a:t>
             </a:r>
             <a:r>
-              <a:rPr lang="en-US" dirty="0" smtClean="0">
+              <a:rPr lang="en-US" dirty="0">
                 <a:solidFill>
                   <a:schemeClr val="accent2"/>
                 </a:solidFill>
@@ -12332,7 +11566,7 @@
               <a:t> * int</a:t>
             </a:r>
             <a:r>
-              <a:rPr lang="en-US" baseline="-25000" dirty="0" smtClean="0">
+              <a:rPr lang="en-US" baseline="-25000" dirty="0">
                 <a:solidFill>
                   <a:schemeClr val="accent2"/>
                 </a:solidFill>
@@ -12348,13 +11582,13 @@
               </a:lnSpc>
             </a:pPr>
             <a:r>
-              <a:rPr lang="en-US" dirty="0" smtClean="0">
+              <a:rPr lang="en-US" dirty="0">
                 <a:sym typeface="Symbol" charset="2"/>
               </a:rPr>
               <a:t>Start from top-level non-terminal </a:t>
             </a:r>
             <a:r>
-              <a:rPr lang="en-US" dirty="0" smtClean="0">
+              <a:rPr lang="en-US" dirty="0">
                 <a:solidFill>
                   <a:schemeClr val="accent2"/>
                 </a:solidFill>
@@ -12370,13 +11604,13 @@
               </a:lnSpc>
             </a:pPr>
             <a:r>
-              <a:rPr lang="en-US" dirty="0" smtClean="0">
+              <a:rPr lang="en-US" dirty="0">
                 <a:sym typeface="Symbol" charset="2"/>
               </a:rPr>
               <a:t>Try the rules for </a:t>
             </a:r>
             <a:r>
-              <a:rPr lang="en-US" dirty="0" smtClean="0">
+              <a:rPr lang="en-US" dirty="0">
                 <a:solidFill>
                   <a:schemeClr val="accent2"/>
                 </a:solidFill>
@@ -12385,7 +11619,7 @@
               <a:t>E</a:t>
             </a:r>
             <a:r>
-              <a:rPr lang="en-US" dirty="0" smtClean="0">
+              <a:rPr lang="en-US" dirty="0">
                 <a:sym typeface="Symbol" charset="2"/>
               </a:rPr>
               <a:t> in order </a:t>
@@ -12428,13 +11662,6 @@
   <p:clrMapOvr>
     <a:masterClrMapping/>
   </p:clrMapOvr>
-  <p:timing>
-    <p:tnLst>
-      <p:par>
-        <p:cTn xmlns:p14="http://schemas.microsoft.com/office/powerpoint/2010/main" id="1" dur="indefinite" restart="never" nodeType="tmRoot"/>
-      </p:par>
-    </p:tnLst>
-  </p:timing>
 </p:sld>
 </file>
 
@@ -12482,11 +11709,11 @@
               </a:spcBef>
             </a:pPr>
             <a:r>
-              <a:rPr lang="en-US" sz="2000" dirty="0" smtClean="0"/>
+              <a:rPr lang="en-US" sz="2000" dirty="0"/>
               <a:t>Try </a:t>
             </a:r>
             <a:r>
-              <a:rPr lang="en-US" sz="2000" dirty="0" smtClean="0">
+              <a:rPr lang="en-US" sz="2000" dirty="0">
                 <a:solidFill>
                   <a:schemeClr val="accent2"/>
                 </a:solidFill>
@@ -12494,7 +11721,7 @@
               <a:t>E</a:t>
             </a:r>
             <a:r>
-              <a:rPr lang="en-US" sz="2000" baseline="-25000" dirty="0" smtClean="0">
+              <a:rPr lang="en-US" sz="2000" baseline="-25000" dirty="0">
                 <a:solidFill>
                   <a:schemeClr val="accent2"/>
                 </a:solidFill>
@@ -12502,7 +11729,7 @@
               <a:t>0</a:t>
             </a:r>
             <a:r>
-              <a:rPr lang="en-US" sz="2000" dirty="0" smtClean="0">
+              <a:rPr lang="en-US" sz="2000" dirty="0">
                 <a:solidFill>
                   <a:schemeClr val="accent2"/>
                 </a:solidFill>
@@ -12519,7 +11746,7 @@
               <a:t> </a:t>
             </a:r>
             <a:r>
-              <a:rPr lang="en-US" sz="2000" dirty="0" smtClean="0">
+              <a:rPr lang="en-US" sz="2000" dirty="0">
                 <a:solidFill>
                   <a:schemeClr val="accent2"/>
                 </a:solidFill>
@@ -12528,7 +11755,7 @@
               <a:t>T</a:t>
             </a:r>
             <a:r>
-              <a:rPr lang="en-US" sz="2000" baseline="-25000" dirty="0" smtClean="0">
+              <a:rPr lang="en-US" sz="2000" baseline="-25000" dirty="0">
                 <a:solidFill>
                   <a:schemeClr val="accent2"/>
                 </a:solidFill>
@@ -12537,49 +11764,31 @@
               <a:t>1</a:t>
             </a:r>
             <a:r>
-              <a:rPr lang="en-US" sz="2000" dirty="0" smtClean="0">
+              <a:rPr lang="en-US" sz="2000" dirty="0">
                 <a:solidFill>
                   <a:schemeClr val="accent2"/>
                 </a:solidFill>
                 <a:sym typeface="Symbol" charset="2"/>
               </a:rPr>
+              <a:t> + E</a:t>
+            </a:r>
+            <a:r>
+              <a:rPr lang="en-US" sz="2000" baseline="-25000" dirty="0">
+                <a:solidFill>
+                  <a:schemeClr val="accent2"/>
+                </a:solidFill>
+                <a:sym typeface="Symbol" charset="2"/>
+              </a:rPr>
+              <a:t>2</a:t>
+            </a:r>
+            <a:r>
+              <a:rPr lang="en-US" sz="2000" baseline="-25000" dirty="0">
+                <a:sym typeface="Symbol" charset="2"/>
+              </a:rPr>
               <a:t> </a:t>
             </a:r>
             <a:r>
               <a:rPr lang="en-US" sz="2000" dirty="0">
-                <a:solidFill>
-                  <a:schemeClr val="accent2"/>
-                </a:solidFill>
-                <a:sym typeface="Symbol" charset="2"/>
-              </a:rPr>
-              <a:t>+ </a:t>
-            </a:r>
-            <a:r>
-              <a:rPr lang="en-US" sz="2000" dirty="0" smtClean="0">
-                <a:solidFill>
-                  <a:schemeClr val="accent2"/>
-                </a:solidFill>
-                <a:sym typeface="Symbol" charset="2"/>
-              </a:rPr>
-              <a:t>E</a:t>
-            </a:r>
-            <a:r>
-              <a:rPr lang="en-US" sz="2000" baseline="-25000" dirty="0" smtClean="0">
-                <a:solidFill>
-                  <a:schemeClr val="accent2"/>
-                </a:solidFill>
-                <a:sym typeface="Symbol" charset="2"/>
-              </a:rPr>
-              <a:t>2</a:t>
-            </a:r>
-            <a:r>
-              <a:rPr lang="en-US" sz="2000" baseline="-25000" dirty="0" smtClean="0">
-                <a:sym typeface="Symbol" charset="2"/>
-              </a:rPr>
-              <a:t> </a:t>
-            </a:r>
-            <a:r>
-              <a:rPr lang="en-US" sz="2000" dirty="0" smtClean="0">
                 <a:sym typeface="Symbol" charset="2"/>
               </a:rPr>
               <a:t> </a:t>
@@ -12592,13 +11801,13 @@
               </a:spcBef>
             </a:pPr>
             <a:r>
-              <a:rPr lang="en-US" sz="2000" dirty="0" smtClean="0">
+              <a:rPr lang="en-US" sz="2000" dirty="0">
                 <a:sym typeface="Symbol" charset="2"/>
               </a:rPr>
               <a:t>     Try </a:t>
             </a:r>
             <a:r>
-              <a:rPr lang="en-US" sz="2000" dirty="0" smtClean="0">
+              <a:rPr lang="en-US" sz="2000" dirty="0">
                 <a:solidFill>
                   <a:schemeClr val="accent2"/>
                 </a:solidFill>
@@ -12607,7 +11816,7 @@
               <a:t>T</a:t>
             </a:r>
             <a:r>
-              <a:rPr lang="en-US" sz="2000" baseline="-25000" dirty="0" smtClean="0">
+              <a:rPr lang="en-US" sz="2000" baseline="-25000" dirty="0">
                 <a:solidFill>
                   <a:schemeClr val="accent2"/>
                 </a:solidFill>
@@ -12634,7 +11843,7 @@
               <a:t> </a:t>
             </a:r>
             <a:r>
-              <a:rPr lang="en-US" sz="2000" dirty="0" err="1" smtClean="0">
+              <a:rPr lang="en-US" sz="2000" dirty="0" err="1">
                 <a:solidFill>
                   <a:schemeClr val="accent2"/>
                 </a:solidFill>
@@ -12642,7 +11851,7 @@
               </a:rPr>
               <a:t>int</a:t>
             </a:r>
-            <a:endParaRPr lang="en-US" sz="2000" dirty="0" smtClean="0">
+            <a:endParaRPr lang="en-US" sz="2000" dirty="0">
               <a:solidFill>
                 <a:schemeClr val="accent2"/>
               </a:solidFill>
@@ -12659,16 +11868,10 @@
               <a:rPr lang="en-US" sz="2000" dirty="0">
                 <a:sym typeface="Symbol" charset="2"/>
               </a:rPr>
-              <a:t> </a:t>
-            </a:r>
-            <a:r>
-              <a:rPr lang="en-US" sz="2000" dirty="0" smtClean="0">
-                <a:sym typeface="Symbol" charset="2"/>
-              </a:rPr>
-              <a:t>        Token </a:t>
-            </a:r>
-            <a:r>
-              <a:rPr lang="en-US" sz="2000" dirty="0" err="1" smtClean="0">
+              <a:t>         Token </a:t>
+            </a:r>
+            <a:r>
+              <a:rPr lang="en-US" sz="2000" dirty="0" err="1">
                 <a:solidFill>
                   <a:schemeClr val="accent2"/>
                 </a:solidFill>
@@ -12677,7 +11880,7 @@
               <a:t>int</a:t>
             </a:r>
             <a:r>
-              <a:rPr lang="en-US" sz="2000" dirty="0" smtClean="0">
+              <a:rPr lang="en-US" sz="2000" dirty="0">
                 <a:sym typeface="Symbol" charset="2"/>
               </a:rPr>
               <a:t> matches!</a:t>
@@ -12693,16 +11896,10 @@
               <a:rPr lang="en-US" sz="2000" dirty="0">
                 <a:sym typeface="Symbol" charset="2"/>
               </a:rPr>
-              <a:t> </a:t>
-            </a:r>
-            <a:r>
-              <a:rPr lang="en-US" sz="2000" dirty="0" smtClean="0">
-                <a:sym typeface="Symbol" charset="2"/>
-              </a:rPr>
-              <a:t>        but </a:t>
-            </a:r>
-            <a:r>
-              <a:rPr lang="en-US" sz="2000" dirty="0" smtClean="0">
+              <a:t>         but </a:t>
+            </a:r>
+            <a:r>
+              <a:rPr lang="en-US" sz="2000" dirty="0">
                 <a:solidFill>
                   <a:schemeClr val="accent2"/>
                 </a:solidFill>
@@ -12711,7 +11908,7 @@
               <a:t>+</a:t>
             </a:r>
             <a:r>
-              <a:rPr lang="en-US" sz="2000" dirty="0" smtClean="0">
+              <a:rPr lang="en-US" sz="2000" dirty="0">
                 <a:sym typeface="Symbol" charset="2"/>
               </a:rPr>
               <a:t> does not match to input</a:t>
@@ -12727,13 +11924,52 @@
               <a:rPr lang="en-US" sz="2000" dirty="0">
                 <a:sym typeface="Symbol" charset="2"/>
               </a:rPr>
+              <a:t>     Try </a:t>
+            </a:r>
+            <a:r>
+              <a:rPr lang="en-US" sz="2000" dirty="0">
+                <a:solidFill>
+                  <a:schemeClr val="accent2"/>
+                </a:solidFill>
+                <a:sym typeface="Symbol" charset="2"/>
+              </a:rPr>
+              <a:t>T</a:t>
+            </a:r>
+            <a:r>
+              <a:rPr lang="en-US" sz="2000" baseline="-25000" dirty="0">
+                <a:solidFill>
+                  <a:schemeClr val="accent2"/>
+                </a:solidFill>
+                <a:sym typeface="Symbol" charset="2"/>
+              </a:rPr>
+              <a:t>1</a:t>
+            </a:r>
+            <a:r>
+              <a:rPr lang="en-US" sz="2000" b="1" dirty="0">
+                <a:solidFill>
+                  <a:schemeClr val="accent2"/>
+                </a:solidFill>
+                <a:sym typeface="Symbol" charset="2"/>
+              </a:rPr>
+              <a:t> </a:t>
+            </a:r>
+            <a:r>
+              <a:rPr lang="en-US" sz="2000" dirty="0">
+                <a:solidFill>
+                  <a:schemeClr val="accent2"/>
+                </a:solidFill>
+                <a:sym typeface="Symbol" charset="2"/>
+              </a:rPr>
               <a:t> </a:t>
             </a:r>
             <a:r>
-              <a:rPr lang="en-US" sz="2000" dirty="0" smtClean="0">
-                <a:sym typeface="Symbol" charset="2"/>
-              </a:rPr>
-              <a:t>    Try </a:t>
+              <a:rPr lang="en-US" sz="2000" dirty="0" err="1">
+                <a:solidFill>
+                  <a:schemeClr val="accent2"/>
+                </a:solidFill>
+                <a:sym typeface="Symbol" charset="2"/>
+              </a:rPr>
+              <a:t>int</a:t>
             </a:r>
             <a:r>
               <a:rPr lang="en-US" sz="2000" dirty="0">
@@ -12742,55 +11978,10 @@
                 </a:solidFill>
                 <a:sym typeface="Symbol" charset="2"/>
               </a:rPr>
-              <a:t>T</a:t>
+              <a:t> * T</a:t>
             </a:r>
             <a:r>
               <a:rPr lang="en-US" sz="2000" baseline="-25000" dirty="0">
-                <a:solidFill>
-                  <a:schemeClr val="accent2"/>
-                </a:solidFill>
-                <a:sym typeface="Symbol" charset="2"/>
-              </a:rPr>
-              <a:t>1</a:t>
-            </a:r>
-            <a:r>
-              <a:rPr lang="en-US" sz="2000" b="1" dirty="0">
-                <a:solidFill>
-                  <a:schemeClr val="accent2"/>
-                </a:solidFill>
-                <a:sym typeface="Symbol" charset="2"/>
-              </a:rPr>
-              <a:t> </a:t>
-            </a:r>
-            <a:r>
-              <a:rPr lang="en-US" sz="2000" dirty="0">
-                <a:solidFill>
-                  <a:schemeClr val="accent2"/>
-                </a:solidFill>
-                <a:sym typeface="Symbol" charset="2"/>
-              </a:rPr>
-              <a:t> </a:t>
-            </a:r>
-            <a:r>
-              <a:rPr lang="en-US" sz="2000" dirty="0" err="1" smtClean="0">
-                <a:solidFill>
-                  <a:schemeClr val="accent2"/>
-                </a:solidFill>
-                <a:sym typeface="Symbol" charset="2"/>
-              </a:rPr>
-              <a:t>int</a:t>
-            </a:r>
-            <a:r>
-              <a:rPr lang="en-US" sz="2000" dirty="0" smtClean="0">
-                <a:solidFill>
-                  <a:schemeClr val="accent2"/>
-                </a:solidFill>
-                <a:sym typeface="Symbol" charset="2"/>
-              </a:rPr>
-              <a:t> * T</a:t>
-            </a:r>
-            <a:r>
-              <a:rPr lang="en-US" sz="2000" baseline="-25000" dirty="0" smtClean="0">
                 <a:solidFill>
                   <a:schemeClr val="accent2"/>
                 </a:solidFill>
@@ -12809,22 +12000,16 @@
               <a:rPr lang="en-US" sz="2000" baseline="-25000" dirty="0">
                 <a:sym typeface="Symbol" charset="2"/>
               </a:rPr>
-              <a:t> </a:t>
-            </a:r>
-            <a:r>
-              <a:rPr lang="en-US" sz="2000" baseline="-25000" dirty="0" smtClean="0">
-                <a:sym typeface="Symbol" charset="2"/>
-              </a:rPr>
-              <a:t>              </a:t>
-            </a:r>
-            <a:r>
-              <a:rPr lang="en-US" sz="2000" dirty="0" smtClean="0">
+              <a:t>               </a:t>
+            </a:r>
+            <a:r>
+              <a:rPr lang="en-US" sz="2000" dirty="0">
                 <a:sym typeface="Symbol" charset="2"/>
               </a:rPr>
               <a:t>Tokens </a:t>
             </a:r>
             <a:r>
-              <a:rPr lang="en-US" sz="2000" dirty="0" err="1" smtClean="0">
+              <a:rPr lang="en-US" sz="2000" dirty="0" err="1">
                 <a:solidFill>
                   <a:schemeClr val="accent2"/>
                 </a:solidFill>
@@ -12833,13 +12018,13 @@
               <a:t>int</a:t>
             </a:r>
             <a:r>
-              <a:rPr lang="en-US" sz="2000" dirty="0" smtClean="0">
+              <a:rPr lang="en-US" sz="2000" dirty="0">
                 <a:sym typeface="Symbol" charset="2"/>
               </a:rPr>
               <a:t> and </a:t>
             </a:r>
             <a:r>
-              <a:rPr lang="en-US" sz="2000" dirty="0" smtClean="0">
+              <a:rPr lang="en-US" sz="2000" dirty="0">
                 <a:solidFill>
                   <a:schemeClr val="accent2"/>
                 </a:solidFill>
@@ -12848,7 +12033,7 @@
               <a:t>*</a:t>
             </a:r>
             <a:r>
-              <a:rPr lang="en-US" sz="2000" dirty="0" smtClean="0">
+              <a:rPr lang="en-US" sz="2000" dirty="0">
                 <a:sym typeface="Symbol" charset="2"/>
               </a:rPr>
               <a:t> match</a:t>
@@ -12864,69 +12049,54 @@
               <a:rPr lang="en-US" sz="2000" dirty="0">
                 <a:sym typeface="Symbol" charset="2"/>
               </a:rPr>
+              <a:t>               Try </a:t>
+            </a:r>
+            <a:r>
+              <a:rPr lang="en-US" sz="2000" dirty="0">
+                <a:solidFill>
+                  <a:schemeClr val="accent2"/>
+                </a:solidFill>
+                <a:sym typeface="Symbol" charset="2"/>
+              </a:rPr>
+              <a:t>T</a:t>
+            </a:r>
+            <a:r>
+              <a:rPr lang="en-US" sz="2000" baseline="-25000" dirty="0">
+                <a:solidFill>
+                  <a:schemeClr val="accent2"/>
+                </a:solidFill>
+                <a:sym typeface="Symbol" charset="2"/>
+              </a:rPr>
+              <a:t>3</a:t>
+            </a:r>
+            <a:r>
+              <a:rPr lang="en-US" sz="2000" b="1" dirty="0">
+                <a:solidFill>
+                  <a:schemeClr val="accent2"/>
+                </a:solidFill>
+                <a:sym typeface="Symbol" charset="2"/>
+              </a:rPr>
+              <a:t> </a:t>
+            </a:r>
+            <a:r>
+              <a:rPr lang="en-US" sz="2000" dirty="0">
+                <a:solidFill>
+                  <a:schemeClr val="accent2"/>
+                </a:solidFill>
+                <a:sym typeface="Symbol" charset="2"/>
+              </a:rPr>
               <a:t> </a:t>
             </a:r>
             <a:r>
-              <a:rPr lang="en-US" sz="2000" dirty="0" smtClean="0">
-                <a:sym typeface="Symbol" charset="2"/>
-              </a:rPr>
-              <a:t>              Try </a:t>
-            </a:r>
-            <a:r>
-              <a:rPr lang="en-US" sz="2000" dirty="0" smtClean="0">
+              <a:rPr lang="en-US" sz="2000" dirty="0" err="1">
                 <a:solidFill>
                   <a:schemeClr val="accent2"/>
                 </a:solidFill>
                 <a:sym typeface="Symbol" charset="2"/>
               </a:rPr>
-              <a:t>T</a:t>
-            </a:r>
-            <a:r>
-              <a:rPr lang="en-US" sz="2000" baseline="-25000" dirty="0" smtClean="0">
-                <a:solidFill>
-                  <a:schemeClr val="accent2"/>
-                </a:solidFill>
-                <a:sym typeface="Symbol" charset="2"/>
-              </a:rPr>
-              <a:t>3</a:t>
-            </a:r>
-            <a:r>
-              <a:rPr lang="en-US" sz="2000" b="1" dirty="0" smtClean="0">
-                <a:solidFill>
-                  <a:schemeClr val="accent2"/>
-                </a:solidFill>
-                <a:sym typeface="Symbol" charset="2"/>
-              </a:rPr>
-              <a:t> </a:t>
-            </a:r>
-            <a:r>
-              <a:rPr lang="en-US" sz="2000" b="1" dirty="0">
-                <a:solidFill>
-                  <a:schemeClr val="accent2"/>
-                </a:solidFill>
-                <a:sym typeface="Symbol" charset="2"/>
-              </a:rPr>
-              <a:t></a:t>
-            </a:r>
-            <a:r>
-              <a:rPr lang="en-US" sz="2000" dirty="0">
-                <a:solidFill>
-                  <a:schemeClr val="accent2"/>
-                </a:solidFill>
-                <a:sym typeface="Symbol" charset="2"/>
-              </a:rPr>
-              <a:t> </a:t>
-            </a:r>
-            <a:r>
-              <a:rPr lang="en-US" sz="2000" dirty="0" err="1" smtClean="0">
-                <a:solidFill>
-                  <a:schemeClr val="accent2"/>
-                </a:solidFill>
-                <a:sym typeface="Symbol" charset="2"/>
-              </a:rPr>
               <a:t>int</a:t>
             </a:r>
-            <a:endParaRPr lang="en-US" sz="2000" dirty="0" smtClean="0">
+            <a:endParaRPr lang="en-US" sz="2000" dirty="0">
               <a:solidFill>
                 <a:schemeClr val="accent2"/>
               </a:solidFill>
@@ -12940,7 +12110,7 @@
               </a:spcBef>
             </a:pPr>
             <a:r>
-              <a:rPr lang="en-US" sz="2000" dirty="0" smtClean="0">
+              <a:rPr lang="en-US" sz="2000" dirty="0">
                 <a:solidFill>
                   <a:schemeClr val="accent2"/>
                 </a:solidFill>
@@ -12949,7 +12119,7 @@
               <a:t>                   </a:t>
             </a:r>
             <a:r>
-              <a:rPr lang="en-US" sz="2000" dirty="0" smtClean="0">
+              <a:rPr lang="en-US" sz="2000" dirty="0">
                 <a:sym typeface="Symbol" charset="2"/>
               </a:rPr>
               <a:t>Token </a:t>
@@ -12967,13 +12137,7 @@
               <a:rPr lang="en-US" sz="2000" dirty="0">
                 <a:sym typeface="Symbol" charset="2"/>
               </a:rPr>
-              <a:t> </a:t>
-            </a:r>
-            <a:r>
-              <a:rPr lang="en-US" sz="2000" dirty="0" smtClean="0">
-                <a:sym typeface="Symbol" charset="2"/>
-              </a:rPr>
-              <a:t>matches</a:t>
+              <a:t> matches</a:t>
             </a:r>
           </a:p>
           <a:p>
@@ -12986,16 +12150,10 @@
               <a:rPr lang="en-US" sz="2000" dirty="0">
                 <a:sym typeface="Symbol" charset="2"/>
               </a:rPr>
-              <a:t> </a:t>
-            </a:r>
-            <a:r>
-              <a:rPr lang="en-US" sz="2000" dirty="0" smtClean="0">
-                <a:sym typeface="Symbol" charset="2"/>
-              </a:rPr>
-              <a:t>                  input is matched but tree should match </a:t>
-            </a:r>
-            <a:r>
-              <a:rPr lang="en-US" sz="2000" dirty="0" smtClean="0">
+              <a:t>                   input is matched but tree should match </a:t>
+            </a:r>
+            <a:r>
+              <a:rPr lang="en-US" sz="2000" dirty="0">
                 <a:solidFill>
                   <a:schemeClr val="accent2"/>
                 </a:solidFill>
@@ -13004,7 +12162,7 @@
               <a:t>+ E</a:t>
             </a:r>
             <a:r>
-              <a:rPr lang="en-US" sz="2000" baseline="-25000" dirty="0" smtClean="0">
+              <a:rPr lang="en-US" sz="2000" baseline="-25000" dirty="0">
                 <a:solidFill>
                   <a:schemeClr val="accent2"/>
                 </a:solidFill>
@@ -13012,7 +12170,7 @@
               </a:rPr>
               <a:t>2</a:t>
             </a:r>
-            <a:endParaRPr lang="en-US" sz="2000" dirty="0" smtClean="0">
+            <a:endParaRPr lang="en-US" sz="2000" dirty="0">
               <a:sym typeface="Symbol" charset="2"/>
             </a:endParaRPr>
           </a:p>
@@ -13023,7 +12181,7 @@
               </a:spcBef>
             </a:pPr>
             <a:r>
-              <a:rPr lang="en-US" sz="2000" dirty="0" smtClean="0">
+              <a:rPr lang="en-US" sz="2000" dirty="0">
                 <a:sym typeface="Symbol" charset="2"/>
               </a:rPr>
               <a:t>     Try </a:t>
@@ -13062,28 +12220,19 @@
                 </a:solidFill>
                 <a:sym typeface="Symbol" charset="2"/>
               </a:rPr>
-              <a:t> </a:t>
-            </a:r>
-            <a:r>
-              <a:rPr lang="en-US" sz="2000" dirty="0" smtClean="0">
+              <a:t> ( E</a:t>
+            </a:r>
+            <a:r>
+              <a:rPr lang="en-US" sz="2000" baseline="-25000" dirty="0">
                 <a:solidFill>
                   <a:schemeClr val="accent2"/>
                 </a:solidFill>
                 <a:sym typeface="Symbol" charset="2"/>
               </a:rPr>
-              <a:t>( E</a:t>
-            </a:r>
-            <a:r>
-              <a:rPr lang="en-US" sz="2000" baseline="-25000" dirty="0" smtClean="0">
-                <a:solidFill>
-                  <a:schemeClr val="accent2"/>
-                </a:solidFill>
-                <a:sym typeface="Symbol" charset="2"/>
-              </a:rPr>
               <a:t>3</a:t>
             </a:r>
             <a:r>
-              <a:rPr lang="en-US" sz="2000" dirty="0" smtClean="0">
+              <a:rPr lang="en-US" sz="2000" dirty="0">
                 <a:solidFill>
                   <a:schemeClr val="accent2"/>
                 </a:solidFill>
@@ -13099,7 +12248,7 @@
               </a:spcBef>
             </a:pPr>
             <a:r>
-              <a:rPr lang="en-US" sz="2000" dirty="0" smtClean="0">
+              <a:rPr lang="en-US" sz="2000" dirty="0">
                 <a:sym typeface="Symbol" charset="2"/>
               </a:rPr>
               <a:t>           Token </a:t>
@@ -13114,7 +12263,7 @@
               <a:t>(</a:t>
             </a:r>
             <a:r>
-              <a:rPr lang="en-US" sz="2000" dirty="0" smtClean="0">
+              <a:rPr lang="en-US" sz="2000" dirty="0">
                 <a:sym typeface="Symbol" charset="2"/>
               </a:rPr>
               <a:t> does not match</a:t>
@@ -13133,31 +12282,22 @@
                 </a:solidFill>
                 <a:sym typeface="Symbol" charset="2"/>
               </a:rPr>
-              <a:t> </a:t>
-            </a:r>
-            <a:r>
-              <a:rPr lang="en-US" sz="2000" dirty="0" smtClean="0">
-                <a:solidFill>
-                  <a:srgbClr val="FF0000"/>
-                </a:solidFill>
-                <a:sym typeface="Symbol" charset="2"/>
-              </a:rPr>
-              <a:t> </a:t>
-            </a:r>
-            <a:r>
-              <a:rPr lang="en-US" sz="2000" b="1" dirty="0" smtClean="0">
+              <a:t>  </a:t>
+            </a:r>
+            <a:r>
+              <a:rPr lang="en-US" sz="2000" b="1" dirty="0">
                 <a:sym typeface="Symbol" charset="2"/>
               </a:rPr>
               <a:t>has exhausted the choices for T</a:t>
             </a:r>
             <a:r>
-              <a:rPr lang="en-US" sz="2000" b="1" baseline="-25000" dirty="0" smtClean="0">
+              <a:rPr lang="en-US" sz="2000" b="1" baseline="-25000" dirty="0">
                 <a:sym typeface="Symbol" charset="2"/>
               </a:rPr>
               <a:t>1</a:t>
             </a:r>
             <a:r>
-              <a:rPr lang="en-US" sz="2000" b="1" dirty="0" smtClean="0">
+              <a:rPr lang="en-US" sz="2000" b="1" dirty="0">
                 <a:sym typeface="Symbol" charset="2"/>
               </a:rPr>
               <a:t>  </a:t>
@@ -13170,13 +12310,13 @@
               </a:spcBef>
             </a:pPr>
             <a:r>
-              <a:rPr lang="en-US" sz="2000" b="1" dirty="0" smtClean="0">
+              <a:rPr lang="en-US" sz="2000" b="1" dirty="0">
                 <a:sym typeface="Symbol" charset="2"/>
               </a:rPr>
               <a:t>  backtrack to choices for E</a:t>
             </a:r>
             <a:r>
-              <a:rPr lang="en-US" sz="2000" b="1" baseline="-25000" dirty="0" smtClean="0">
+              <a:rPr lang="en-US" sz="2000" b="1" baseline="-25000" dirty="0">
                 <a:sym typeface="Symbol" charset="2"/>
               </a:rPr>
               <a:t>0</a:t>
@@ -13434,19 +12574,7 @@
               <a:rPr lang="en-US" dirty="0">
                 <a:sym typeface="Symbol" charset="2"/>
               </a:rPr>
-              <a:t>T</a:t>
-            </a:r>
-            <a:r>
-              <a:rPr lang="en-US" dirty="0" smtClean="0">
-                <a:sym typeface="Symbol" charset="2"/>
-              </a:rPr>
-              <a:t> + </a:t>
-            </a:r>
-            <a:r>
-              <a:rPr lang="en-US" dirty="0">
-                <a:sym typeface="Symbol" charset="2"/>
-              </a:rPr>
-              <a:t>E</a:t>
+              <a:t>T + E</a:t>
             </a:r>
           </a:p>
           <a:p>
@@ -13468,13 +12596,13 @@
               <a:t> </a:t>
             </a:r>
             <a:r>
-              <a:rPr lang="en-US" dirty="0" smtClean="0">
+              <a:rPr lang="en-US" dirty="0">
                 <a:sym typeface="Symbol" charset="2"/>
               </a:rPr>
               <a:t>T</a:t>
             </a:r>
             <a:br>
-              <a:rPr lang="en-US" dirty="0" smtClean="0">
+              <a:rPr lang="en-US" dirty="0">
                 <a:sym typeface="Symbol" charset="2"/>
               </a:rPr>
             </a:br>
@@ -13503,12 +12631,12 @@
               <a:t> </a:t>
             </a:r>
             <a:r>
-              <a:rPr lang="en-US" dirty="0" err="1" smtClean="0">
+              <a:rPr lang="en-US" dirty="0" err="1">
                 <a:sym typeface="Symbol" charset="2"/>
               </a:rPr>
               <a:t>int</a:t>
             </a:r>
-            <a:endParaRPr lang="en-US" dirty="0" smtClean="0">
+            <a:endParaRPr lang="en-US" dirty="0">
               <a:sym typeface="Symbol" charset="2"/>
             </a:endParaRPr>
           </a:p>
@@ -13537,20 +12665,17 @@
               <a:t> </a:t>
             </a:r>
             <a:r>
-              <a:rPr lang="en-US" dirty="0" err="1" smtClean="0">
+              <a:rPr lang="en-US" dirty="0" err="1">
                 <a:sym typeface="Symbol" charset="2"/>
               </a:rPr>
               <a:t>int</a:t>
             </a:r>
             <a:r>
-              <a:rPr lang="en-US" dirty="0" smtClean="0">
+              <a:rPr lang="en-US" dirty="0">
                 <a:sym typeface="Symbol" charset="2"/>
               </a:rPr>
               <a:t> * T</a:t>
             </a:r>
-            <a:endParaRPr lang="en-US" dirty="0">
-              <a:sym typeface="Symbol" charset="2"/>
-            </a:endParaRPr>
           </a:p>
           <a:p>
             <a:pPr eaLnBrk="1" hangingPunct="1">
@@ -13562,13 +12687,7 @@
               <a:rPr lang="en-US" dirty="0">
                 <a:sym typeface="Symbol" charset="2"/>
               </a:rPr>
-              <a:t>T</a:t>
-            </a:r>
-            <a:r>
-              <a:rPr lang="en-US" dirty="0" smtClean="0">
-                <a:sym typeface="Symbol" charset="2"/>
-              </a:rPr>
-              <a:t> </a:t>
+              <a:t>T </a:t>
             </a:r>
             <a:r>
               <a:rPr lang="en-US" b="1" dirty="0">
@@ -13580,17 +12699,8 @@
               <a:rPr lang="en-US" dirty="0">
                 <a:sym typeface="Symbol" charset="2"/>
               </a:rPr>
-              <a:t>( E </a:t>
-            </a:r>
-            <a:r>
-              <a:rPr lang="en-US" dirty="0" smtClean="0">
-                <a:sym typeface="Symbol" charset="2"/>
-              </a:rPr>
-              <a:t>)</a:t>
-            </a:r>
-            <a:endParaRPr lang="en-US" dirty="0">
-              <a:sym typeface="Symbol" charset="2"/>
-            </a:endParaRPr>
+              <a:t>( E )</a:t>
+            </a:r>
           </a:p>
         </p:txBody>
       </p:sp>
@@ -13629,11 +12739,11 @@
           <a:lstStyle/>
           <a:p>
             <a:r>
-              <a:rPr lang="en-US" dirty="0" smtClean="0"/>
+              <a:rPr lang="en-US" dirty="0"/>
               <a:t>E</a:t>
             </a:r>
             <a:r>
-              <a:rPr lang="en-US" baseline="-25000" dirty="0" smtClean="0"/>
+              <a:rPr lang="en-US" baseline="-25000" dirty="0"/>
               <a:t>0</a:t>
             </a:r>
             <a:endParaRPr lang="en-US" dirty="0"/>
@@ -13675,11 +12785,11 @@
           <a:lstStyle/>
           <a:p>
             <a:r>
-              <a:rPr lang="en-US" dirty="0" smtClean="0"/>
+              <a:rPr lang="en-US" dirty="0"/>
               <a:t>T</a:t>
             </a:r>
             <a:r>
-              <a:rPr lang="en-US" baseline="-25000" dirty="0" smtClean="0"/>
+              <a:rPr lang="en-US" baseline="-25000" dirty="0"/>
               <a:t>1</a:t>
             </a:r>
             <a:endParaRPr lang="en-US" dirty="0"/>
@@ -13762,7 +12872,7 @@
           <a:lstStyle/>
           <a:p>
             <a:r>
-              <a:rPr lang="en-US" dirty="0" smtClean="0"/>
+              <a:rPr lang="en-US" dirty="0"/>
               <a:t>E</a:t>
             </a:r>
             <a:r>
@@ -13890,7 +13000,7 @@
               </a:spcBef>
             </a:pPr>
             <a:r>
-              <a:rPr lang="en-US" sz="2800" b="1" dirty="0" smtClean="0">
+              <a:rPr lang="en-US" sz="2800" b="1" dirty="0">
                 <a:solidFill>
                   <a:schemeClr val="accent2"/>
                 </a:solidFill>
@@ -13905,7 +13015,7 @@
               </a:spcBef>
             </a:pPr>
             <a:r>
-              <a:rPr lang="en-US" sz="2800" b="1" dirty="0" smtClean="0">
+              <a:rPr lang="en-US" sz="2800" b="1" dirty="0">
                 <a:solidFill>
                   <a:schemeClr val="accent2"/>
                 </a:solidFill>
@@ -13914,7 +13024,7 @@
               <a:t>int</a:t>
             </a:r>
             <a:r>
-              <a:rPr lang="en-US" sz="2800" b="1" baseline="-25000" dirty="0" smtClean="0">
+              <a:rPr lang="en-US" sz="2800" b="1" baseline="-25000" dirty="0">
                 <a:solidFill>
                   <a:schemeClr val="accent2"/>
                 </a:solidFill>
@@ -13923,7 +13033,7 @@
               <a:t>5</a:t>
             </a:r>
             <a:r>
-              <a:rPr lang="en-US" sz="2800" b="1" dirty="0" smtClean="0">
+              <a:rPr lang="en-US" sz="2800" b="1" dirty="0">
                 <a:solidFill>
                   <a:schemeClr val="accent2"/>
                 </a:solidFill>
@@ -13932,7 +13042,7 @@
               <a:t> * int</a:t>
             </a:r>
             <a:r>
-              <a:rPr lang="en-US" sz="2800" b="1" baseline="-25000" dirty="0" smtClean="0">
+              <a:rPr lang="en-US" sz="2800" b="1" baseline="-25000" dirty="0">
                 <a:solidFill>
                   <a:schemeClr val="accent2"/>
                 </a:solidFill>
@@ -14057,11 +13167,11 @@
           <a:lstStyle/>
           <a:p>
             <a:r>
-              <a:rPr lang="en-US" dirty="0" smtClean="0"/>
+              <a:rPr lang="en-US" dirty="0"/>
               <a:t>int</a:t>
             </a:r>
             <a:r>
-              <a:rPr lang="en-US" baseline="-25000" dirty="0" smtClean="0"/>
+              <a:rPr lang="en-US" baseline="-25000" dirty="0"/>
               <a:t>5</a:t>
             </a:r>
             <a:endParaRPr lang="en-US" dirty="0"/>
@@ -14103,10 +13213,9 @@
           <a:lstStyle/>
           <a:p>
             <a:r>
-              <a:rPr lang="en-US" dirty="0" smtClean="0"/>
+              <a:rPr lang="en-US" dirty="0"/>
               <a:t>*</a:t>
             </a:r>
-            <a:endParaRPr lang="en-US" dirty="0"/>
           </a:p>
         </p:txBody>
       </p:sp>
@@ -14145,7 +13254,7 @@
           <a:lstStyle/>
           <a:p>
             <a:r>
-              <a:rPr lang="en-US" dirty="0" smtClean="0"/>
+              <a:rPr lang="en-US" dirty="0"/>
               <a:t>T</a:t>
             </a:r>
             <a:r>
@@ -14329,7 +13438,7 @@
   <p:timing>
     <p:tnLst>
       <p:par>
-        <p:cTn xmlns:p14="http://schemas.microsoft.com/office/powerpoint/2010/main" id="1" dur="indefinite" restart="never" nodeType="tmRoot">
+        <p:cTn id="1" dur="indefinite" restart="never" nodeType="tmRoot">
           <p:childTnLst>
             <p:seq concurrent="1" nextAc="seek">
               <p:cTn id="2" dur="indefinite" nodeType="mainSeq">
@@ -15798,19 +14907,7 @@
               <a:rPr lang="en-US" dirty="0">
                 <a:sym typeface="Symbol" charset="2"/>
               </a:rPr>
-              <a:t>T</a:t>
-            </a:r>
-            <a:r>
-              <a:rPr lang="en-US" dirty="0" smtClean="0">
-                <a:sym typeface="Symbol" charset="2"/>
-              </a:rPr>
-              <a:t> + </a:t>
-            </a:r>
-            <a:r>
-              <a:rPr lang="en-US" dirty="0">
-                <a:sym typeface="Symbol" charset="2"/>
-              </a:rPr>
-              <a:t>E</a:t>
+              <a:t>T + E</a:t>
             </a:r>
           </a:p>
           <a:p>
@@ -15832,13 +14929,13 @@
               <a:t> </a:t>
             </a:r>
             <a:r>
-              <a:rPr lang="en-US" dirty="0" smtClean="0">
+              <a:rPr lang="en-US" dirty="0">
                 <a:sym typeface="Symbol" charset="2"/>
               </a:rPr>
               <a:t>T</a:t>
             </a:r>
             <a:br>
-              <a:rPr lang="en-US" dirty="0" smtClean="0">
+              <a:rPr lang="en-US" dirty="0">
                 <a:sym typeface="Symbol" charset="2"/>
               </a:rPr>
             </a:br>
@@ -15867,12 +14964,12 @@
               <a:t> </a:t>
             </a:r>
             <a:r>
-              <a:rPr lang="en-US" dirty="0" err="1" smtClean="0">
+              <a:rPr lang="en-US" dirty="0" err="1">
                 <a:sym typeface="Symbol" charset="2"/>
               </a:rPr>
               <a:t>int</a:t>
             </a:r>
-            <a:endParaRPr lang="en-US" dirty="0" smtClean="0">
+            <a:endParaRPr lang="en-US" dirty="0">
               <a:sym typeface="Symbol" charset="2"/>
             </a:endParaRPr>
           </a:p>
@@ -15901,20 +14998,17 @@
               <a:t> </a:t>
             </a:r>
             <a:r>
-              <a:rPr lang="en-US" dirty="0" err="1" smtClean="0">
+              <a:rPr lang="en-US" dirty="0" err="1">
                 <a:sym typeface="Symbol" charset="2"/>
               </a:rPr>
               <a:t>int</a:t>
             </a:r>
             <a:r>
-              <a:rPr lang="en-US" dirty="0" smtClean="0">
+              <a:rPr lang="en-US" dirty="0">
                 <a:sym typeface="Symbol" charset="2"/>
               </a:rPr>
               <a:t> * T</a:t>
             </a:r>
-            <a:endParaRPr lang="en-US" dirty="0">
-              <a:sym typeface="Symbol" charset="2"/>
-            </a:endParaRPr>
           </a:p>
           <a:p>
             <a:pPr eaLnBrk="1" hangingPunct="1">
@@ -15926,13 +15020,7 @@
               <a:rPr lang="en-US" dirty="0">
                 <a:sym typeface="Symbol" charset="2"/>
               </a:rPr>
-              <a:t>T</a:t>
-            </a:r>
-            <a:r>
-              <a:rPr lang="en-US" dirty="0" smtClean="0">
-                <a:sym typeface="Symbol" charset="2"/>
-              </a:rPr>
-              <a:t> </a:t>
+              <a:t>T </a:t>
             </a:r>
             <a:r>
               <a:rPr lang="en-US" b="1" dirty="0">
@@ -15944,17 +15032,8 @@
               <a:rPr lang="en-US" dirty="0">
                 <a:sym typeface="Symbol" charset="2"/>
               </a:rPr>
-              <a:t>( E </a:t>
-            </a:r>
-            <a:r>
-              <a:rPr lang="en-US" dirty="0" smtClean="0">
-                <a:sym typeface="Symbol" charset="2"/>
-              </a:rPr>
-              <a:t>)</a:t>
-            </a:r>
-            <a:endParaRPr lang="en-US" dirty="0">
-              <a:sym typeface="Symbol" charset="2"/>
-            </a:endParaRPr>
+              <a:t>( E )</a:t>
+            </a:r>
           </a:p>
         </p:txBody>
       </p:sp>
@@ -15993,11 +15072,11 @@
           <a:lstStyle/>
           <a:p>
             <a:r>
-              <a:rPr lang="en-US" dirty="0" smtClean="0"/>
+              <a:rPr lang="en-US" dirty="0"/>
               <a:t>E</a:t>
             </a:r>
             <a:r>
-              <a:rPr lang="en-US" baseline="-25000" dirty="0" smtClean="0"/>
+              <a:rPr lang="en-US" baseline="-25000" dirty="0"/>
               <a:t>0</a:t>
             </a:r>
             <a:endParaRPr lang="en-US" dirty="0"/>
@@ -16039,11 +15118,11 @@
           <a:lstStyle/>
           <a:p>
             <a:r>
-              <a:rPr lang="en-US" dirty="0" smtClean="0"/>
+              <a:rPr lang="en-US" dirty="0"/>
               <a:t>T</a:t>
             </a:r>
             <a:r>
-              <a:rPr lang="en-US" baseline="-25000" dirty="0" smtClean="0"/>
+              <a:rPr lang="en-US" baseline="-25000" dirty="0"/>
               <a:t>1</a:t>
             </a:r>
             <a:endParaRPr lang="en-US" dirty="0"/>
@@ -16107,7 +15186,7 @@
               </a:spcBef>
             </a:pPr>
             <a:r>
-              <a:rPr lang="en-US" dirty="0" smtClean="0"/>
+              <a:rPr lang="en-US" dirty="0"/>
               <a:t>Try:</a:t>
             </a:r>
             <a:r>
@@ -16115,7 +15194,7 @@
               <a:t> </a:t>
             </a:r>
             <a:r>
-              <a:rPr lang="en-US" sz="2200" dirty="0" smtClean="0">
+              <a:rPr lang="en-US" sz="2200" dirty="0">
                 <a:solidFill>
                   <a:schemeClr val="accent2"/>
                 </a:solidFill>
@@ -16123,7 +15202,7 @@
               <a:t>E</a:t>
             </a:r>
             <a:r>
-              <a:rPr lang="en-US" sz="2200" baseline="-25000" dirty="0" smtClean="0">
+              <a:rPr lang="en-US" sz="2200" baseline="-25000" dirty="0">
                 <a:solidFill>
                   <a:schemeClr val="accent2"/>
                 </a:solidFill>
@@ -16131,7 +15210,7 @@
               <a:t>0</a:t>
             </a:r>
             <a:r>
-              <a:rPr lang="en-US" sz="2200" dirty="0" smtClean="0">
+              <a:rPr lang="en-US" sz="2200" dirty="0">
                 <a:solidFill>
                   <a:schemeClr val="accent2"/>
                 </a:solidFill>
@@ -16148,7 +15227,7 @@
               <a:t> </a:t>
             </a:r>
             <a:r>
-              <a:rPr lang="en-US" sz="2200" dirty="0" smtClean="0">
+              <a:rPr lang="en-US" sz="2200" dirty="0">
                 <a:solidFill>
                   <a:schemeClr val="accent2"/>
                 </a:solidFill>
@@ -16157,7 +15236,7 @@
               <a:t>T</a:t>
             </a:r>
             <a:r>
-              <a:rPr lang="en-US" sz="2200" baseline="-25000" dirty="0" smtClean="0">
+              <a:rPr lang="en-US" sz="2200" baseline="-25000" dirty="0">
                 <a:solidFill>
                   <a:schemeClr val="accent2"/>
                 </a:solidFill>
@@ -16166,13 +15245,13 @@
               <a:t>1</a:t>
             </a:r>
             <a:r>
-              <a:rPr lang="en-US" sz="2200" baseline="-25000" dirty="0" smtClean="0">
+              <a:rPr lang="en-US" sz="2200" baseline="-25000" dirty="0">
                 <a:sym typeface="Symbol" charset="2"/>
               </a:rPr>
               <a:t> </a:t>
             </a:r>
             <a:r>
-              <a:rPr lang="en-US" sz="2200" dirty="0" smtClean="0">
+              <a:rPr lang="en-US" sz="2200" dirty="0">
                 <a:sym typeface="Symbol" charset="2"/>
               </a:rPr>
               <a:t> </a:t>
@@ -16185,13 +15264,13 @@
               </a:spcBef>
             </a:pPr>
             <a:r>
-              <a:rPr lang="en-US" sz="2200" dirty="0" smtClean="0">
+              <a:rPr lang="en-US" sz="2200" dirty="0">
                 <a:sym typeface="Symbol" charset="2"/>
               </a:rPr>
               <a:t>     Try </a:t>
             </a:r>
             <a:r>
-              <a:rPr lang="en-US" sz="2200" dirty="0" smtClean="0">
+              <a:rPr lang="en-US" sz="2200" dirty="0">
                 <a:solidFill>
                   <a:schemeClr val="accent2"/>
                 </a:solidFill>
@@ -16200,7 +15279,7 @@
               <a:t>T</a:t>
             </a:r>
             <a:r>
-              <a:rPr lang="en-US" sz="2200" baseline="-25000" dirty="0" smtClean="0">
+              <a:rPr lang="en-US" sz="2200" baseline="-25000" dirty="0">
                 <a:solidFill>
                   <a:schemeClr val="accent2"/>
                 </a:solidFill>
@@ -16227,7 +15306,7 @@
               <a:t> </a:t>
             </a:r>
             <a:r>
-              <a:rPr lang="en-US" sz="2200" dirty="0" err="1" smtClean="0">
+              <a:rPr lang="en-US" sz="2200" dirty="0" err="1">
                 <a:solidFill>
                   <a:schemeClr val="accent2"/>
                 </a:solidFill>
@@ -16235,7 +15314,7 @@
               </a:rPr>
               <a:t>int</a:t>
             </a:r>
-            <a:endParaRPr lang="en-US" sz="2200" dirty="0" smtClean="0">
+            <a:endParaRPr lang="en-US" sz="2200" dirty="0">
               <a:solidFill>
                 <a:schemeClr val="accent2"/>
               </a:solidFill>
@@ -16252,16 +15331,10 @@
               <a:rPr lang="en-US" sz="2200" dirty="0">
                 <a:sym typeface="Symbol" charset="2"/>
               </a:rPr>
-              <a:t> </a:t>
-            </a:r>
-            <a:r>
-              <a:rPr lang="en-US" sz="2200" dirty="0" smtClean="0">
-                <a:sym typeface="Symbol" charset="2"/>
-              </a:rPr>
-              <a:t>        Token </a:t>
-            </a:r>
-            <a:r>
-              <a:rPr lang="en-US" sz="2200" dirty="0" err="1" smtClean="0">
+              <a:t>         Token </a:t>
+            </a:r>
+            <a:r>
+              <a:rPr lang="en-US" sz="2200" dirty="0" err="1">
                 <a:solidFill>
                   <a:schemeClr val="accent2"/>
                 </a:solidFill>
@@ -16270,7 +15343,7 @@
               <a:t>int</a:t>
             </a:r>
             <a:r>
-              <a:rPr lang="en-US" sz="2200" dirty="0" smtClean="0">
+              <a:rPr lang="en-US" sz="2200" dirty="0">
                 <a:sym typeface="Symbol" charset="2"/>
               </a:rPr>
               <a:t> matches!</a:t>
@@ -16286,13 +15359,7 @@
               <a:rPr lang="en-US" sz="2200" dirty="0">
                 <a:sym typeface="Symbol" charset="2"/>
               </a:rPr>
-              <a:t> </a:t>
-            </a:r>
-            <a:r>
-              <a:rPr lang="en-US" sz="2200" dirty="0" smtClean="0">
-                <a:sym typeface="Symbol" charset="2"/>
-              </a:rPr>
-              <a:t>        but no non-terminals left and </a:t>
+              <a:t>         but no non-terminals left and </a:t>
             </a:r>
           </a:p>
           <a:p>
@@ -16305,13 +15372,7 @@
               <a:rPr lang="en-US" sz="2200" dirty="0">
                 <a:sym typeface="Symbol" charset="2"/>
               </a:rPr>
-              <a:t> </a:t>
-            </a:r>
-            <a:r>
-              <a:rPr lang="en-US" sz="2200" dirty="0" smtClean="0">
-                <a:sym typeface="Symbol" charset="2"/>
-              </a:rPr>
-              <a:t>        the input is not matched completely</a:t>
+              <a:t>         the input is not matched completely</a:t>
             </a:r>
           </a:p>
           <a:p>
@@ -16324,13 +15385,7 @@
               <a:rPr lang="en-US" sz="2200" dirty="0">
                 <a:sym typeface="Symbol" charset="2"/>
               </a:rPr>
-              <a:t> </a:t>
-            </a:r>
-            <a:r>
-              <a:rPr lang="en-US" sz="2200" dirty="0" smtClean="0">
-                <a:sym typeface="Symbol" charset="2"/>
-              </a:rPr>
-              <a:t>    </a:t>
+              <a:t>     </a:t>
             </a:r>
             <a:r>
               <a:rPr lang="en-US" dirty="0">
@@ -16568,17 +15623,8 @@
               <a:rPr lang="en-US" b="1" dirty="0">
                 <a:sym typeface="Symbol" charset="2"/>
               </a:rPr>
-              <a:t>  Succeed! No non-terminal left in the </a:t>
-            </a:r>
-            <a:r>
-              <a:rPr lang="en-US" b="1" dirty="0" smtClean="0">
-                <a:sym typeface="Symbol" charset="2"/>
-              </a:rPr>
-              <a:t>tree,</a:t>
-            </a:r>
-            <a:endParaRPr lang="en-US" b="1" dirty="0">
-              <a:sym typeface="Symbol" charset="2"/>
-            </a:endParaRPr>
+              <a:t>  Succeed! No non-terminal left in the tree,</a:t>
+            </a:r>
           </a:p>
           <a:p>
             <a:pPr eaLnBrk="1" hangingPunct="1">
@@ -16632,7 +15678,7 @@
               </a:spcBef>
             </a:pPr>
             <a:r>
-              <a:rPr lang="en-US" sz="2800" b="1" dirty="0" smtClean="0">
+              <a:rPr lang="en-US" sz="2800" b="1" dirty="0">
                 <a:solidFill>
                   <a:schemeClr val="accent2"/>
                 </a:solidFill>
@@ -16647,7 +15693,7 @@
               </a:spcBef>
             </a:pPr>
             <a:r>
-              <a:rPr lang="en-US" sz="2800" b="1" dirty="0" smtClean="0">
+              <a:rPr lang="en-US" sz="2800" b="1" dirty="0">
                 <a:solidFill>
                   <a:schemeClr val="accent2"/>
                 </a:solidFill>
@@ -16656,7 +15702,7 @@
               <a:t>int</a:t>
             </a:r>
             <a:r>
-              <a:rPr lang="en-US" sz="2800" b="1" baseline="-25000" dirty="0" smtClean="0">
+              <a:rPr lang="en-US" sz="2800" b="1" baseline="-25000" dirty="0">
                 <a:solidFill>
                   <a:schemeClr val="accent2"/>
                 </a:solidFill>
@@ -16665,7 +15711,7 @@
               <a:t>5</a:t>
             </a:r>
             <a:r>
-              <a:rPr lang="en-US" sz="2800" b="1" dirty="0" smtClean="0">
+              <a:rPr lang="en-US" sz="2800" b="1" dirty="0">
                 <a:solidFill>
                   <a:schemeClr val="accent2"/>
                 </a:solidFill>
@@ -16674,7 +15720,7 @@
               <a:t> * int</a:t>
             </a:r>
             <a:r>
-              <a:rPr lang="en-US" sz="2800" b="1" baseline="-25000" dirty="0" smtClean="0">
+              <a:rPr lang="en-US" sz="2800" b="1" baseline="-25000" dirty="0">
                 <a:solidFill>
                   <a:schemeClr val="accent2"/>
                 </a:solidFill>
@@ -16726,11 +15772,11 @@
           <a:lstStyle/>
           <a:p>
             <a:r>
-              <a:rPr lang="en-US" dirty="0" smtClean="0"/>
+              <a:rPr lang="en-US" dirty="0"/>
               <a:t>int</a:t>
             </a:r>
             <a:r>
-              <a:rPr lang="en-US" baseline="-25000" dirty="0" smtClean="0"/>
+              <a:rPr lang="en-US" baseline="-25000" dirty="0"/>
               <a:t>5</a:t>
             </a:r>
             <a:endParaRPr lang="en-US" dirty="0"/>
@@ -16772,10 +15818,9 @@
           <a:lstStyle/>
           <a:p>
             <a:r>
-              <a:rPr lang="en-US" dirty="0" smtClean="0"/>
+              <a:rPr lang="en-US" dirty="0"/>
               <a:t>*</a:t>
             </a:r>
-            <a:endParaRPr lang="en-US" dirty="0"/>
           </a:p>
         </p:txBody>
       </p:sp>
@@ -16818,7 +15863,7 @@
               <a:t>T</a:t>
             </a:r>
             <a:r>
-              <a:rPr lang="en-US" baseline="-25000" dirty="0" smtClean="0"/>
+              <a:rPr lang="en-US" baseline="-25000" dirty="0"/>
               <a:t>2</a:t>
             </a:r>
             <a:endParaRPr lang="en-US" dirty="0"/>
@@ -16950,11 +15995,11 @@
           <a:lstStyle/>
           <a:p>
             <a:r>
-              <a:rPr lang="en-US" dirty="0" smtClean="0"/>
+              <a:rPr lang="en-US" dirty="0"/>
               <a:t>int</a:t>
             </a:r>
             <a:r>
-              <a:rPr lang="en-US" baseline="-25000" dirty="0" smtClean="0"/>
+              <a:rPr lang="en-US" baseline="-25000" dirty="0"/>
               <a:t>2</a:t>
             </a:r>
             <a:endParaRPr lang="en-US" dirty="0"/>
@@ -17004,7 +16049,7 @@
   <p:timing>
     <p:tnLst>
       <p:par>
-        <p:cTn xmlns:p14="http://schemas.microsoft.com/office/powerpoint/2010/main" id="1" dur="indefinite" restart="never" nodeType="tmRoot">
+        <p:cTn id="1" dur="indefinite" restart="never" nodeType="tmRoot">
           <p:childTnLst>
             <p:seq concurrent="1" nextAc="seek">
               <p:cTn id="2" dur="indefinite" nodeType="mainSeq">
@@ -17862,10 +16907,9 @@
           <a:lstStyle/>
           <a:p>
             <a:r>
-              <a:rPr lang="en-CA" dirty="0" smtClean="0"/>
+              <a:rPr lang="en-CA" dirty="0"/>
               <a:t>Preliminaries </a:t>
             </a:r>
-            <a:endParaRPr lang="en-CA" dirty="0"/>
           </a:p>
         </p:txBody>
       </p:sp>
@@ -17885,7 +16929,7 @@
           <a:lstStyle/>
           <a:p>
             <a:r>
-              <a:rPr lang="en-CA" dirty="0" smtClean="0">
+              <a:rPr lang="en-CA" dirty="0">
                 <a:solidFill>
                   <a:schemeClr val="accent2"/>
                 </a:solidFill>
@@ -17893,14 +16937,14 @@
               <a:t>TOKEN</a:t>
             </a:r>
             <a:r>
-              <a:rPr lang="en-CA" dirty="0" smtClean="0"/>
+              <a:rPr lang="en-CA" dirty="0"/>
               <a:t>:  the type of all tokens</a:t>
             </a:r>
           </a:p>
           <a:p>
             <a:pPr lvl="1"/>
             <a:r>
-              <a:rPr lang="en-CA" dirty="0" smtClean="0"/>
+              <a:rPr lang="en-CA" dirty="0"/>
               <a:t>Special tokens INT, OPEN, CLOSE, PLUS, TIMES</a:t>
             </a:r>
           </a:p>
@@ -17910,11 +16954,11 @@
           </a:p>
           <a:p>
             <a:r>
-              <a:rPr lang="en-CA" dirty="0" smtClean="0"/>
+              <a:rPr lang="en-CA" dirty="0"/>
               <a:t>The global </a:t>
             </a:r>
             <a:r>
-              <a:rPr lang="en-CA" dirty="0" smtClean="0">
+              <a:rPr lang="en-CA" dirty="0">
                 <a:solidFill>
                   <a:schemeClr val="accent2"/>
                 </a:solidFill>
@@ -17922,10 +16966,9 @@
               <a:t>next</a:t>
             </a:r>
             <a:r>
-              <a:rPr lang="en-CA" dirty="0" smtClean="0"/>
+              <a:rPr lang="en-CA" dirty="0"/>
               <a:t> points to the next token in the input</a:t>
             </a:r>
-            <a:endParaRPr lang="en-CA" dirty="0"/>
           </a:p>
         </p:txBody>
       </p:sp>
@@ -17963,13 +17006,6 @@
   <p:clrMapOvr>
     <a:masterClrMapping/>
   </p:clrMapOvr>
-  <p:timing>
-    <p:tnLst>
-      <p:par>
-        <p:cTn xmlns:p14="http://schemas.microsoft.com/office/powerpoint/2010/main" id="1" dur="indefinite" restart="never" nodeType="tmRoot"/>
-      </p:par>
-    </p:tnLst>
-  </p:timing>
 </p:sld>
 </file>
 
@@ -18006,10 +17042,9 @@
           <a:lstStyle/>
           <a:p>
             <a:r>
-              <a:rPr lang="en-CA" dirty="0" smtClean="0"/>
+              <a:rPr lang="en-CA" dirty="0"/>
               <a:t>Implementing Productions</a:t>
             </a:r>
-            <a:endParaRPr lang="en-CA" dirty="0"/>
           </a:p>
         </p:txBody>
       </p:sp>
@@ -18034,22 +17069,22 @@
           <a:lstStyle/>
           <a:p>
             <a:r>
-              <a:rPr lang="en-CA" dirty="0" smtClean="0"/>
+              <a:rPr lang="en-CA" dirty="0"/>
               <a:t>Define </a:t>
             </a:r>
             <a:r>
-              <a:rPr lang="en-CA" dirty="0" err="1" smtClean="0"/>
+              <a:rPr lang="en-CA" dirty="0" err="1"/>
               <a:t>boolean</a:t>
             </a:r>
             <a:r>
-              <a:rPr lang="en-CA" dirty="0" smtClean="0"/>
+              <a:rPr lang="en-CA" dirty="0"/>
               <a:t> functions that check the token string for match of</a:t>
             </a:r>
           </a:p>
           <a:p>
             <a:pPr lvl="1"/>
             <a:r>
-              <a:rPr lang="en-CA" dirty="0" smtClean="0"/>
+              <a:rPr lang="en-CA" dirty="0"/>
               <a:t>A given token terminal</a:t>
             </a:r>
           </a:p>
@@ -18063,69 +17098,61 @@
                   <a:schemeClr val="accent2"/>
                 </a:solidFill>
               </a:rPr>
-              <a:t>b</a:t>
-            </a:r>
-            <a:r>
-              <a:rPr lang="en-CA" dirty="0" err="1" smtClean="0">
+              <a:t>bool</a:t>
+            </a:r>
+            <a:r>
+              <a:rPr lang="en-CA" dirty="0">
                 <a:solidFill>
                   <a:schemeClr val="accent2"/>
                 </a:solidFill>
               </a:rPr>
-              <a:t>ool</a:t>
-            </a:r>
-            <a:r>
-              <a:rPr lang="en-CA" dirty="0" smtClean="0">
+              <a:t> term(TOKEN </a:t>
+            </a:r>
+            <a:r>
+              <a:rPr lang="en-CA" dirty="0" err="1">
                 <a:solidFill>
                   <a:schemeClr val="accent2"/>
                 </a:solidFill>
               </a:rPr>
-              <a:t> term(TOKEN </a:t>
-            </a:r>
-            <a:r>
-              <a:rPr lang="en-CA" dirty="0" err="1" smtClean="0">
+              <a:t>tok</a:t>
+            </a:r>
+            <a:r>
+              <a:rPr lang="en-CA" dirty="0">
                 <a:solidFill>
                   <a:schemeClr val="accent2"/>
                 </a:solidFill>
               </a:rPr>
+              <a:t>) { return *next++ == </a:t>
+            </a:r>
+            <a:r>
+              <a:rPr lang="en-CA" dirty="0" err="1">
+                <a:solidFill>
+                  <a:schemeClr val="accent2"/>
+                </a:solidFill>
+              </a:rPr>
               <a:t>tok</a:t>
             </a:r>
             <a:r>
-              <a:rPr lang="en-CA" dirty="0" smtClean="0">
+              <a:rPr lang="en-CA" dirty="0">
                 <a:solidFill>
                   <a:schemeClr val="accent2"/>
                 </a:solidFill>
               </a:rPr>
-              <a:t>) { return *next++ == </a:t>
-            </a:r>
-            <a:r>
-              <a:rPr lang="en-CA" dirty="0" err="1" smtClean="0">
-                <a:solidFill>
-                  <a:schemeClr val="accent2"/>
-                </a:solidFill>
-              </a:rPr>
-              <a:t>tok</a:t>
-            </a:r>
-            <a:r>
-              <a:rPr lang="en-CA" dirty="0" smtClean="0">
-                <a:solidFill>
-                  <a:schemeClr val="accent2"/>
-                </a:solidFill>
-              </a:rPr>
               <a:t>; }</a:t>
             </a:r>
           </a:p>
           <a:p>
             <a:pPr lvl="1"/>
             <a:r>
-              <a:rPr lang="en-CA" dirty="0" smtClean="0"/>
+              <a:rPr lang="en-CA" dirty="0"/>
               <a:t>A given production of S (the n-</a:t>
             </a:r>
             <a:r>
-              <a:rPr lang="en-CA" dirty="0" err="1" smtClean="0"/>
+              <a:rPr lang="en-CA" dirty="0" err="1"/>
               <a:t>th</a:t>
             </a:r>
             <a:r>
-              <a:rPr lang="en-CA" dirty="0" smtClean="0"/>
+              <a:rPr lang="en-CA" dirty="0"/>
               <a:t>)</a:t>
             </a:r>
           </a:p>
@@ -18134,7 +17161,7 @@
               <a:buNone/>
             </a:pPr>
             <a:r>
-              <a:rPr lang="en-CA" dirty="0" err="1" smtClean="0">
+              <a:rPr lang="en-CA" dirty="0" err="1">
                 <a:solidFill>
                   <a:schemeClr val="accent2"/>
                 </a:solidFill>
@@ -18142,7 +17169,7 @@
               <a:t>bool</a:t>
             </a:r>
             <a:r>
-              <a:rPr lang="en-CA" dirty="0" smtClean="0">
+              <a:rPr lang="en-CA" dirty="0">
                 <a:solidFill>
                   <a:schemeClr val="accent2"/>
                 </a:solidFill>
@@ -18150,7 +17177,7 @@
               <a:t> </a:t>
             </a:r>
             <a:r>
-              <a:rPr lang="en-CA" dirty="0" err="1" smtClean="0">
+              <a:rPr lang="en-CA" dirty="0" err="1">
                 <a:solidFill>
                   <a:schemeClr val="accent2"/>
                 </a:solidFill>
@@ -18158,7 +17185,7 @@
               <a:t>S</a:t>
             </a:r>
             <a:r>
-              <a:rPr lang="en-CA" baseline="-25000" dirty="0" err="1" smtClean="0">
+              <a:rPr lang="en-CA" baseline="-25000" dirty="0" err="1">
                 <a:solidFill>
                   <a:schemeClr val="accent2"/>
                 </a:solidFill>
@@ -18166,7 +17193,7 @@
               <a:t>n</a:t>
             </a:r>
             <a:r>
-              <a:rPr lang="en-CA" dirty="0" smtClean="0">
+              <a:rPr lang="en-CA" dirty="0">
                 <a:solidFill>
                   <a:schemeClr val="accent2"/>
                 </a:solidFill>
@@ -18177,7 +17204,7 @@
           <a:p>
             <a:pPr lvl="1"/>
             <a:r>
-              <a:rPr lang="en-CA" dirty="0" smtClean="0"/>
+              <a:rPr lang="en-CA" dirty="0"/>
               <a:t>Any production of S</a:t>
             </a:r>
           </a:p>
@@ -18186,7 +17213,7 @@
               <a:buNone/>
             </a:pPr>
             <a:r>
-              <a:rPr lang="en-CA" dirty="0" err="1" smtClean="0">
+              <a:rPr lang="en-CA" dirty="0" err="1">
                 <a:solidFill>
                   <a:schemeClr val="accent2"/>
                 </a:solidFill>
@@ -18194,7 +17221,7 @@
               <a:t>bool</a:t>
             </a:r>
             <a:r>
-              <a:rPr lang="en-CA" dirty="0" smtClean="0">
+              <a:rPr lang="en-CA" dirty="0">
                 <a:solidFill>
                   <a:schemeClr val="accent2"/>
                 </a:solidFill>
@@ -18204,22 +17231,17 @@
           </a:p>
           <a:p>
             <a:r>
-              <a:rPr lang="en-CA" dirty="0" smtClean="0"/>
+              <a:rPr lang="en-CA" dirty="0"/>
               <a:t>These functions advance </a:t>
             </a:r>
             <a:r>
-              <a:rPr lang="en-CA" dirty="0" smtClean="0">
+              <a:rPr lang="en-CA" dirty="0">
                 <a:solidFill>
                   <a:schemeClr val="accent2"/>
                 </a:solidFill>
               </a:rPr>
               <a:t>next</a:t>
             </a:r>
-            <a:endParaRPr lang="en-CA" dirty="0">
-              <a:solidFill>
-                <a:schemeClr val="accent2"/>
-              </a:solidFill>
-            </a:endParaRPr>
           </a:p>
         </p:txBody>
       </p:sp>
@@ -18260,7 +17282,7 @@
   <p:timing>
     <p:tnLst>
       <p:par>
-        <p:cTn xmlns:p14="http://schemas.microsoft.com/office/powerpoint/2010/main" id="1" dur="indefinite" restart="never" nodeType="tmRoot">
+        <p:cTn id="1" dur="indefinite" restart="never" nodeType="tmRoot">
           <p:childTnLst>
             <p:seq concurrent="1" nextAc="seek">
               <p:cTn id="2" dur="indefinite" nodeType="mainSeq">
@@ -18639,11 +17661,11 @@
           <a:lstStyle/>
           <a:p>
             <a:r>
-              <a:rPr lang="en-CA" dirty="0" smtClean="0"/>
+              <a:rPr lang="en-CA" dirty="0"/>
               <a:t>For production </a:t>
             </a:r>
             <a:r>
-              <a:rPr lang="en-CA" dirty="0" smtClean="0">
+              <a:rPr lang="en-CA" dirty="0">
                 <a:solidFill>
                   <a:schemeClr val="accent2"/>
                 </a:solidFill>
@@ -18657,16 +17679,7 @@
                 </a:solidFill>
                 <a:sym typeface="Symbol" charset="2"/>
               </a:rPr>
-              <a:t> </a:t>
-            </a:r>
-            <a:r>
-              <a:rPr lang="en-US" dirty="0" smtClean="0">
-                <a:solidFill>
-                  <a:schemeClr val="accent2"/>
-                </a:solidFill>
-                <a:sym typeface="Symbol" charset="2"/>
-              </a:rPr>
-              <a:t> T</a:t>
+              <a:t>  T</a:t>
             </a:r>
           </a:p>
           <a:p>
@@ -18674,7 +17687,7 @@
               <a:buNone/>
             </a:pPr>
             <a:r>
-              <a:rPr lang="en-US" dirty="0" err="1" smtClean="0">
+              <a:rPr lang="en-US" dirty="0" err="1">
                 <a:solidFill>
                   <a:schemeClr val="accent2"/>
                 </a:solidFill>
@@ -18683,7 +17696,7 @@
               <a:t>bool</a:t>
             </a:r>
             <a:r>
-              <a:rPr lang="en-US" dirty="0" smtClean="0">
+              <a:rPr lang="en-US" dirty="0">
                 <a:solidFill>
                   <a:schemeClr val="accent2"/>
                 </a:solidFill>
@@ -18692,7 +17705,7 @@
               <a:t> E</a:t>
             </a:r>
             <a:r>
-              <a:rPr lang="en-US" baseline="-25000" dirty="0" smtClean="0">
+              <a:rPr lang="en-US" baseline="-25000" dirty="0">
                 <a:solidFill>
                   <a:schemeClr val="accent2"/>
                 </a:solidFill>
@@ -18701,7 +17714,7 @@
               <a:t>1</a:t>
             </a:r>
             <a:r>
-              <a:rPr lang="en-US" dirty="0" smtClean="0">
+              <a:rPr lang="en-US" dirty="0">
                 <a:solidFill>
                   <a:schemeClr val="accent2"/>
                 </a:solidFill>
@@ -18712,13 +17725,13 @@
           </a:p>
           <a:p>
             <a:r>
-              <a:rPr lang="en-US" dirty="0" smtClean="0">
+              <a:rPr lang="en-US" dirty="0">
                 <a:sym typeface="Symbol" charset="2"/>
               </a:rPr>
               <a:t>For production</a:t>
             </a:r>
             <a:r>
-              <a:rPr lang="en-US" dirty="0" smtClean="0">
+              <a:rPr lang="en-US" dirty="0">
                 <a:solidFill>
                   <a:schemeClr val="accent2"/>
                 </a:solidFill>
@@ -18732,7 +17745,7 @@
               <a:buNone/>
             </a:pPr>
             <a:r>
-              <a:rPr lang="en-US" dirty="0" err="1" smtClean="0">
+              <a:rPr lang="en-US" dirty="0" err="1">
                 <a:solidFill>
                   <a:schemeClr val="accent2"/>
                 </a:solidFill>
@@ -18741,13 +17754,22 @@
               <a:t>bool</a:t>
             </a:r>
             <a:r>
-              <a:rPr lang="en-US" dirty="0" smtClean="0">
+              <a:rPr lang="en-US" dirty="0">
                 <a:solidFill>
                   <a:schemeClr val="accent2"/>
                 </a:solidFill>
                 <a:sym typeface="Symbol" charset="2"/>
               </a:rPr>
-              <a:t> </a:t>
+              <a:t> E</a:t>
+            </a:r>
+            <a:r>
+              <a:rPr lang="en-US" baseline="-25000" dirty="0">
+                <a:solidFill>
+                  <a:schemeClr val="accent2"/>
+                </a:solidFill>
+                <a:sym typeface="Symbol" charset="2"/>
+              </a:rPr>
+              <a:t>2</a:t>
             </a:r>
             <a:r>
               <a:rPr lang="en-US" dirty="0">
@@ -18756,39 +17778,12 @@
                 </a:solidFill>
                 <a:sym typeface="Symbol" charset="2"/>
               </a:rPr>
-              <a:t>E</a:t>
-            </a:r>
-            <a:r>
-              <a:rPr lang="en-US" baseline="-25000" dirty="0">
-                <a:solidFill>
-                  <a:schemeClr val="accent2"/>
-                </a:solidFill>
-                <a:sym typeface="Symbol" charset="2"/>
-              </a:rPr>
-              <a:t>2</a:t>
-            </a:r>
+              <a:t>() { return T() &amp;&amp; term(PLUS) &amp;&amp; E(); }</a:t>
+            </a:r>
+          </a:p>
+          <a:p>
             <a:r>
               <a:rPr lang="en-US" dirty="0">
-                <a:solidFill>
-                  <a:schemeClr val="accent2"/>
-                </a:solidFill>
-                <a:sym typeface="Symbol" charset="2"/>
-              </a:rPr>
-              <a:t>() { return T() &amp;&amp; term(PLUS) &amp;&amp; E(); </a:t>
-            </a:r>
-            <a:r>
-              <a:rPr lang="en-US" dirty="0" smtClean="0">
-                <a:solidFill>
-                  <a:schemeClr val="accent2"/>
-                </a:solidFill>
-                <a:sym typeface="Symbol" charset="2"/>
-              </a:rPr>
-              <a:t>}</a:t>
-            </a:r>
-          </a:p>
-          <a:p>
-            <a:r>
-              <a:rPr lang="en-US" dirty="0" smtClean="0">
                 <a:sym typeface="Symbol" charset="2"/>
               </a:rPr>
               <a:t>For all productions of E (with backtracking)</a:t>
@@ -18805,19 +17800,10 @@
                 </a:solidFill>
                 <a:sym typeface="Symbol" charset="2"/>
               </a:rPr>
-              <a:t>b</a:t>
-            </a:r>
-            <a:r>
-              <a:rPr lang="en-US" dirty="0" err="1" smtClean="0">
-                <a:solidFill>
-                  <a:schemeClr val="accent2"/>
-                </a:solidFill>
-                <a:sym typeface="Symbol" charset="2"/>
-              </a:rPr>
-              <a:t>ool</a:t>
-            </a:r>
-            <a:r>
-              <a:rPr lang="en-US" dirty="0" smtClean="0">
+              <a:t>bool</a:t>
+            </a:r>
+            <a:r>
+              <a:rPr lang="en-US" dirty="0">
                 <a:solidFill>
                   <a:schemeClr val="accent2"/>
                 </a:solidFill>
@@ -18837,16 +17823,7 @@
                 </a:solidFill>
                 <a:sym typeface="Symbol" charset="2"/>
               </a:rPr>
-              <a:t>	</a:t>
-            </a:r>
-            <a:r>
-              <a:rPr lang="en-US" dirty="0" smtClean="0">
-                <a:solidFill>
-                  <a:schemeClr val="accent2"/>
-                </a:solidFill>
-                <a:sym typeface="Symbol" charset="2"/>
-              </a:rPr>
-              <a:t>TOKEN *save = next;</a:t>
+              <a:t>	TOKEN *save = next;</a:t>
             </a:r>
           </a:p>
           <a:p>
@@ -18860,64 +17837,37 @@
                 </a:solidFill>
                 <a:sym typeface="Symbol" charset="2"/>
               </a:rPr>
-              <a:t> </a:t>
-            </a:r>
-            <a:r>
-              <a:rPr lang="en-US" dirty="0" smtClean="0">
+              <a:t>       return  (next= save, E</a:t>
+            </a:r>
+            <a:r>
+              <a:rPr lang="en-US" baseline="-25000" dirty="0">
                 <a:solidFill>
                   <a:schemeClr val="accent2"/>
                 </a:solidFill>
                 <a:sym typeface="Symbol" charset="2"/>
               </a:rPr>
-              <a:t>      return  (next= save, E</a:t>
-            </a:r>
-            <a:r>
-              <a:rPr lang="en-US" baseline="-25000" dirty="0" smtClean="0">
+              <a:t>1</a:t>
+            </a:r>
+            <a:r>
+              <a:rPr lang="en-US" dirty="0">
                 <a:solidFill>
                   <a:schemeClr val="accent2"/>
                 </a:solidFill>
                 <a:sym typeface="Symbol" charset="2"/>
               </a:rPr>
-              <a:t>1</a:t>
-            </a:r>
-            <a:r>
-              <a:rPr lang="en-US" dirty="0" smtClean="0">
+              <a:t>()) || (next= save, E</a:t>
+            </a:r>
+            <a:r>
+              <a:rPr lang="en-US" baseline="-25000" dirty="0">
                 <a:solidFill>
                   <a:schemeClr val="accent2"/>
                 </a:solidFill>
                 <a:sym typeface="Symbol" charset="2"/>
               </a:rPr>
-              <a:t>()) || (</a:t>
+              <a:t>2</a:t>
             </a:r>
             <a:r>
               <a:rPr lang="en-US" dirty="0">
-                <a:solidFill>
-                  <a:schemeClr val="accent2"/>
-                </a:solidFill>
-                <a:sym typeface="Symbol" charset="2"/>
-              </a:rPr>
-              <a:t>next= save, </a:t>
-            </a:r>
-            <a:r>
-              <a:rPr lang="en-US" dirty="0" smtClean="0">
-                <a:solidFill>
-                  <a:schemeClr val="accent2"/>
-                </a:solidFill>
-                <a:sym typeface="Symbol" charset="2"/>
-              </a:rPr>
-              <a:t>E</a:t>
-            </a:r>
-            <a:r>
-              <a:rPr lang="en-US" baseline="-25000" dirty="0" smtClean="0">
-                <a:solidFill>
-                  <a:schemeClr val="accent2"/>
-                </a:solidFill>
-                <a:sym typeface="Symbol" charset="2"/>
-              </a:rPr>
-              <a:t>2</a:t>
-            </a:r>
-            <a:r>
-              <a:rPr lang="en-US" dirty="0" smtClean="0">
                 <a:solidFill>
                   <a:schemeClr val="accent2"/>
                 </a:solidFill>
@@ -19006,12 +17956,12 @@
               <a:t> </a:t>
             </a:r>
             <a:r>
-              <a:rPr lang="en-US" dirty="0" smtClean="0">
+              <a:rPr lang="en-US" dirty="0">
                 <a:sym typeface="Symbol" charset="2"/>
               </a:rPr>
               <a:t>T</a:t>
             </a:r>
-            <a:endParaRPr lang="en-US" dirty="0" smtClean="0"/>
+            <a:endParaRPr lang="en-US" dirty="0"/>
           </a:p>
           <a:p>
             <a:pPr eaLnBrk="1" hangingPunct="1">
@@ -19020,7 +17970,7 @@
               </a:spcBef>
             </a:pPr>
             <a:r>
-              <a:rPr lang="en-US" dirty="0" smtClean="0"/>
+              <a:rPr lang="en-US" dirty="0"/>
               <a:t>E </a:t>
             </a:r>
             <a:r>
@@ -19033,17 +17983,8 @@
               <a:rPr lang="en-US" dirty="0">
                 <a:sym typeface="Symbol" charset="2"/>
               </a:rPr>
-              <a:t>T</a:t>
-            </a:r>
-            <a:r>
-              <a:rPr lang="en-US" dirty="0" smtClean="0">
-                <a:sym typeface="Symbol" charset="2"/>
-              </a:rPr>
-              <a:t> + E</a:t>
-            </a:r>
-            <a:endParaRPr lang="en-US" dirty="0">
-              <a:sym typeface="Symbol" charset="2"/>
-            </a:endParaRPr>
+              <a:t>T + E</a:t>
+            </a:r>
           </a:p>
         </p:txBody>
       </p:sp>
@@ -19060,7 +18001,7 @@
   <p:timing>
     <p:tnLst>
       <p:par>
-        <p:cTn xmlns:p14="http://schemas.microsoft.com/office/powerpoint/2010/main" id="1" dur="indefinite" restart="never" nodeType="tmRoot">
+        <p:cTn id="1" dur="indefinite" restart="never" nodeType="tmRoot">
           <p:childTnLst>
             <p:seq concurrent="1" nextAc="seek">
               <p:cTn id="2" dur="indefinite" nodeType="mainSeq">
@@ -19457,11 +18398,11 @@
           <a:lstStyle/>
           <a:p>
             <a:r>
-              <a:rPr lang="en-CA" dirty="0" smtClean="0"/>
+              <a:rPr lang="en-CA" dirty="0"/>
               <a:t>For  non-terminal </a:t>
             </a:r>
             <a:r>
-              <a:rPr lang="en-US" dirty="0" smtClean="0">
+              <a:rPr lang="en-US" dirty="0">
                 <a:solidFill>
                   <a:schemeClr val="accent2"/>
                 </a:solidFill>
@@ -19475,7 +18416,7 @@
               <a:buNone/>
             </a:pPr>
             <a:r>
-              <a:rPr lang="en-US" sz="2400" dirty="0" err="1" smtClean="0">
+              <a:rPr lang="en-US" sz="2400" dirty="0" err="1">
                 <a:solidFill>
                   <a:schemeClr val="accent2"/>
                 </a:solidFill>
@@ -19484,7 +18425,7 @@
               <a:t>bool</a:t>
             </a:r>
             <a:r>
-              <a:rPr lang="en-US" sz="2400" dirty="0" smtClean="0">
+              <a:rPr lang="en-US" sz="2400" dirty="0">
                 <a:solidFill>
                   <a:schemeClr val="accent2"/>
                 </a:solidFill>
@@ -19493,7 +18434,7 @@
               <a:t> T</a:t>
             </a:r>
             <a:r>
-              <a:rPr lang="en-US" sz="2400" baseline="-25000" dirty="0" smtClean="0">
+              <a:rPr lang="en-US" sz="2400" baseline="-25000" dirty="0">
                 <a:solidFill>
                   <a:schemeClr val="accent2"/>
                 </a:solidFill>
@@ -19502,7 +18443,7 @@
               <a:t>1</a:t>
             </a:r>
             <a:r>
-              <a:rPr lang="en-US" sz="2400" dirty="0" smtClean="0">
+              <a:rPr lang="en-US" sz="2400" dirty="0">
                 <a:solidFill>
                   <a:schemeClr val="accent2"/>
                 </a:solidFill>
@@ -19522,97 +18463,34 @@
                 </a:solidFill>
                 <a:sym typeface="Symbol" charset="2"/>
               </a:rPr>
-              <a:t>b</a:t>
-            </a:r>
-            <a:r>
-              <a:rPr lang="en-US" sz="2400" dirty="0" err="1" smtClean="0">
+              <a:t>bool</a:t>
+            </a:r>
+            <a:r>
+              <a:rPr lang="en-US" sz="2400" dirty="0">
                 <a:solidFill>
                   <a:schemeClr val="accent2"/>
                 </a:solidFill>
                 <a:sym typeface="Symbol" charset="2"/>
               </a:rPr>
-              <a:t>ool</a:t>
-            </a:r>
-            <a:r>
-              <a:rPr lang="en-US" sz="2400" dirty="0" smtClean="0">
+              <a:t> T</a:t>
+            </a:r>
+            <a:r>
+              <a:rPr lang="en-US" sz="2400" baseline="-25000" dirty="0">
                 <a:solidFill>
                   <a:schemeClr val="accent2"/>
                 </a:solidFill>
                 <a:sym typeface="Symbol" charset="2"/>
               </a:rPr>
-              <a:t> T</a:t>
-            </a:r>
-            <a:r>
-              <a:rPr lang="en-US" sz="2400" baseline="-25000" dirty="0" smtClean="0">
+              <a:t>2</a:t>
+            </a:r>
+            <a:r>
+              <a:rPr lang="en-US" sz="2400" dirty="0">
                 <a:solidFill>
                   <a:schemeClr val="accent2"/>
                 </a:solidFill>
                 <a:sym typeface="Symbol" charset="2"/>
               </a:rPr>
-              <a:t>2</a:t>
-            </a:r>
-            <a:r>
-              <a:rPr lang="en-US" sz="2400" dirty="0" smtClean="0">
-                <a:solidFill>
-                  <a:schemeClr val="accent2"/>
-                </a:solidFill>
-                <a:sym typeface="Symbol" charset="2"/>
-              </a:rPr>
-              <a:t>() </a:t>
-            </a:r>
-            <a:r>
-              <a:rPr lang="en-US" sz="2400" dirty="0">
-                <a:solidFill>
-                  <a:schemeClr val="accent2"/>
-                </a:solidFill>
-                <a:sym typeface="Symbol" charset="2"/>
-              </a:rPr>
-              <a:t>{ return </a:t>
-            </a:r>
-            <a:r>
-              <a:rPr lang="en-US" sz="2400" dirty="0" smtClean="0">
-                <a:solidFill>
-                  <a:schemeClr val="accent2"/>
-                </a:solidFill>
-                <a:sym typeface="Symbol" charset="2"/>
-              </a:rPr>
-              <a:t>terms(INT) </a:t>
-            </a:r>
-            <a:r>
-              <a:rPr lang="en-US" sz="2400" dirty="0">
-                <a:solidFill>
-                  <a:schemeClr val="accent2"/>
-                </a:solidFill>
-                <a:sym typeface="Symbol" charset="2"/>
-              </a:rPr>
-              <a:t>&amp;&amp; </a:t>
-            </a:r>
-            <a:r>
-              <a:rPr lang="en-US" sz="2400" dirty="0" smtClean="0">
-                <a:solidFill>
-                  <a:schemeClr val="accent2"/>
-                </a:solidFill>
-                <a:sym typeface="Symbol" charset="2"/>
-              </a:rPr>
-              <a:t>term(TIMES) </a:t>
-            </a:r>
-            <a:r>
-              <a:rPr lang="en-US" sz="2400" dirty="0">
-                <a:solidFill>
-                  <a:schemeClr val="accent2"/>
-                </a:solidFill>
-                <a:sym typeface="Symbol" charset="2"/>
-              </a:rPr>
-              <a:t>&amp;&amp; </a:t>
-            </a:r>
-            <a:r>
-              <a:rPr lang="en-US" sz="2400" dirty="0" smtClean="0">
-                <a:solidFill>
-                  <a:schemeClr val="accent2"/>
-                </a:solidFill>
-                <a:sym typeface="Symbol" charset="2"/>
-              </a:rPr>
-              <a:t>T(); }</a:t>
+              <a:t>() { return terms(INT) &amp;&amp; term(TIMES) &amp;&amp; T(); }</a:t>
             </a:r>
           </a:p>
           <a:p>
@@ -19620,7 +18498,7 @@
               <a:buNone/>
             </a:pPr>
             <a:r>
-              <a:rPr lang="en-US" sz="2400" dirty="0" err="1" smtClean="0">
+              <a:rPr lang="en-US" sz="2400" dirty="0" err="1">
                 <a:solidFill>
                   <a:schemeClr val="accent2"/>
                 </a:solidFill>
@@ -19629,7 +18507,7 @@
               <a:t>bool</a:t>
             </a:r>
             <a:r>
-              <a:rPr lang="en-US" sz="2400" dirty="0" smtClean="0">
+              <a:rPr lang="en-US" sz="2400" dirty="0">
                 <a:solidFill>
                   <a:schemeClr val="accent2"/>
                 </a:solidFill>
@@ -19638,7 +18516,7 @@
               <a:t> T</a:t>
             </a:r>
             <a:r>
-              <a:rPr lang="en-US" sz="2400" baseline="-25000" dirty="0" smtClean="0">
+              <a:rPr lang="en-US" sz="2400" baseline="-25000" dirty="0">
                 <a:solidFill>
                   <a:schemeClr val="accent2"/>
                 </a:solidFill>
@@ -19647,245 +18525,158 @@
               <a:t>3</a:t>
             </a:r>
             <a:r>
-              <a:rPr lang="en-US" sz="2400" dirty="0" smtClean="0">
+              <a:rPr lang="en-US" sz="2400" dirty="0">
                 <a:solidFill>
                   <a:schemeClr val="accent2"/>
                 </a:solidFill>
                 <a:sym typeface="Symbol" charset="2"/>
               </a:rPr>
-              <a:t>() </a:t>
-            </a:r>
-            <a:r>
-              <a:rPr lang="en-US" sz="2400" dirty="0">
-                <a:solidFill>
-                  <a:schemeClr val="accent2"/>
-                </a:solidFill>
-                <a:sym typeface="Symbol" charset="2"/>
-              </a:rPr>
-              <a:t>{ return terms(INT</a:t>
-            </a:r>
-            <a:r>
-              <a:rPr lang="en-US" sz="2400" dirty="0" smtClean="0">
-                <a:solidFill>
-                  <a:schemeClr val="accent2"/>
-                </a:solidFill>
-                <a:sym typeface="Symbol" charset="2"/>
-              </a:rPr>
-              <a:t>); }</a:t>
+              <a:t>() { return terms(INT); }</a:t>
             </a:r>
           </a:p>
           <a:p>
             <a:pPr marL="457200" lvl="1" indent="0">
               <a:buNone/>
             </a:pPr>
-            <a:endParaRPr lang="en-US" sz="2400" dirty="0" smtClean="0">
-              <a:solidFill>
-                <a:schemeClr val="accent2"/>
-              </a:solidFill>
-              <a:sym typeface="Symbol" charset="2"/>
-            </a:endParaRPr>
-          </a:p>
-          <a:p>
-            <a:pPr marL="457200" lvl="1" indent="0">
-              <a:buNone/>
-            </a:pPr>
-            <a:r>
-              <a:rPr lang="en-US" sz="2400" dirty="0" err="1" smtClean="0">
-                <a:solidFill>
-                  <a:schemeClr val="accent2"/>
-                </a:solidFill>
-                <a:sym typeface="Symbol" charset="2"/>
-              </a:rPr>
-              <a:t>bool</a:t>
-            </a:r>
-            <a:r>
-              <a:rPr lang="en-US" sz="2400" dirty="0" smtClean="0">
-                <a:solidFill>
-                  <a:schemeClr val="accent2"/>
-                </a:solidFill>
-                <a:sym typeface="Symbol" charset="2"/>
-              </a:rPr>
-              <a:t> T() { </a:t>
-            </a:r>
-          </a:p>
-          <a:p>
-            <a:pPr marL="457200" lvl="1" indent="0">
-              <a:buNone/>
-            </a:pPr>
-            <a:r>
-              <a:rPr lang="en-US" sz="2400" dirty="0">
-                <a:solidFill>
-                  <a:schemeClr val="accent2"/>
-                </a:solidFill>
-                <a:sym typeface="Symbol" charset="2"/>
-              </a:rPr>
-              <a:t>	</a:t>
-            </a:r>
-            <a:r>
-              <a:rPr lang="en-US" sz="2400" dirty="0" smtClean="0">
-                <a:solidFill>
-                  <a:schemeClr val="accent2"/>
-                </a:solidFill>
-                <a:sym typeface="Symbol" charset="2"/>
-              </a:rPr>
-              <a:t>TOKEN *save = next;</a:t>
-            </a:r>
-          </a:p>
-          <a:p>
-            <a:pPr marL="457200" lvl="1" indent="0">
-              <a:buNone/>
-            </a:pPr>
-            <a:r>
-              <a:rPr lang="en-US" sz="2400" dirty="0">
-                <a:solidFill>
-                  <a:schemeClr val="accent2"/>
-                </a:solidFill>
-                <a:sym typeface="Symbol" charset="2"/>
-              </a:rPr>
-              <a:t> </a:t>
-            </a:r>
-            <a:r>
-              <a:rPr lang="en-US" sz="2400" dirty="0" smtClean="0">
-                <a:solidFill>
-                  <a:schemeClr val="accent2"/>
-                </a:solidFill>
-                <a:sym typeface="Symbol" charset="2"/>
-              </a:rPr>
-              <a:t>      return    (next= save, T</a:t>
-            </a:r>
-            <a:r>
-              <a:rPr lang="en-US" sz="2400" baseline="-25000" dirty="0" smtClean="0">
-                <a:solidFill>
-                  <a:schemeClr val="accent2"/>
-                </a:solidFill>
-                <a:sym typeface="Symbol" charset="2"/>
-              </a:rPr>
-              <a:t>1</a:t>
-            </a:r>
-            <a:r>
-              <a:rPr lang="en-US" sz="2400" dirty="0" smtClean="0">
-                <a:solidFill>
-                  <a:schemeClr val="accent2"/>
-                </a:solidFill>
-                <a:sym typeface="Symbol" charset="2"/>
-              </a:rPr>
-              <a:t>()) </a:t>
-            </a:r>
-          </a:p>
-          <a:p>
-            <a:pPr marL="457200" lvl="1" indent="0">
-              <a:buNone/>
-            </a:pPr>
-            <a:r>
-              <a:rPr lang="en-US" sz="2400" dirty="0">
-                <a:solidFill>
-                  <a:schemeClr val="accent2"/>
-                </a:solidFill>
-                <a:sym typeface="Symbol" charset="2"/>
-              </a:rPr>
-              <a:t> </a:t>
-            </a:r>
-            <a:r>
-              <a:rPr lang="en-US" sz="2400" dirty="0" smtClean="0">
-                <a:solidFill>
-                  <a:schemeClr val="accent2"/>
-                </a:solidFill>
-                <a:sym typeface="Symbol" charset="2"/>
-              </a:rPr>
-              <a:t>                   || (</a:t>
-            </a:r>
-            <a:r>
-              <a:rPr lang="en-US" sz="2400" dirty="0">
-                <a:solidFill>
-                  <a:schemeClr val="accent2"/>
-                </a:solidFill>
-                <a:sym typeface="Symbol" charset="2"/>
-              </a:rPr>
-              <a:t>next= save, </a:t>
-            </a:r>
-            <a:r>
-              <a:rPr lang="en-US" sz="2400" dirty="0" smtClean="0">
-                <a:solidFill>
-                  <a:schemeClr val="accent2"/>
-                </a:solidFill>
-                <a:sym typeface="Symbol" charset="2"/>
-              </a:rPr>
-              <a:t>T</a:t>
-            </a:r>
-            <a:r>
-              <a:rPr lang="en-US" sz="2400" baseline="-25000" dirty="0" smtClean="0">
-                <a:solidFill>
-                  <a:schemeClr val="accent2"/>
-                </a:solidFill>
-                <a:sym typeface="Symbol" charset="2"/>
-              </a:rPr>
-              <a:t>2</a:t>
-            </a:r>
-            <a:r>
-              <a:rPr lang="en-US" sz="2400" dirty="0" smtClean="0">
-                <a:solidFill>
-                  <a:schemeClr val="accent2"/>
-                </a:solidFill>
-                <a:sym typeface="Symbol" charset="2"/>
-              </a:rPr>
-              <a:t>())</a:t>
-            </a:r>
-          </a:p>
-          <a:p>
-            <a:pPr marL="457200" lvl="1" indent="0">
-              <a:buNone/>
-            </a:pPr>
-            <a:r>
-              <a:rPr lang="en-US" sz="2400" dirty="0" smtClean="0">
-                <a:solidFill>
-                  <a:schemeClr val="accent2"/>
-                </a:solidFill>
-                <a:sym typeface="Symbol" charset="2"/>
-              </a:rPr>
-              <a:t>                    || </a:t>
-            </a:r>
-            <a:r>
-              <a:rPr lang="en-US" sz="2400" dirty="0">
-                <a:solidFill>
-                  <a:schemeClr val="accent2"/>
-                </a:solidFill>
-                <a:sym typeface="Symbol" charset="2"/>
-              </a:rPr>
-              <a:t>(next= save, </a:t>
-            </a:r>
-            <a:r>
-              <a:rPr lang="en-US" sz="2400" dirty="0" smtClean="0">
-                <a:solidFill>
-                  <a:schemeClr val="accent2"/>
-                </a:solidFill>
-                <a:sym typeface="Symbol" charset="2"/>
-              </a:rPr>
-              <a:t>T</a:t>
-            </a:r>
-            <a:r>
-              <a:rPr lang="en-US" sz="2400" baseline="-25000" dirty="0">
-                <a:solidFill>
-                  <a:schemeClr val="accent2"/>
-                </a:solidFill>
-                <a:sym typeface="Symbol" charset="2"/>
-              </a:rPr>
-              <a:t>3</a:t>
-            </a:r>
-            <a:r>
-              <a:rPr lang="en-US" sz="2400" dirty="0" smtClean="0">
-                <a:solidFill>
-                  <a:schemeClr val="accent2"/>
-                </a:solidFill>
-                <a:sym typeface="Symbol" charset="2"/>
-              </a:rPr>
-              <a:t>()); }</a:t>
-            </a:r>
             <a:endParaRPr lang="en-US" sz="2400" dirty="0">
               <a:solidFill>
                 <a:schemeClr val="accent2"/>
               </a:solidFill>
               <a:sym typeface="Symbol" charset="2"/>
             </a:endParaRPr>
+          </a:p>
+          <a:p>
+            <a:pPr marL="457200" lvl="1" indent="0">
+              <a:buNone/>
+            </a:pPr>
+            <a:r>
+              <a:rPr lang="en-US" sz="2400" dirty="0" err="1">
+                <a:solidFill>
+                  <a:schemeClr val="accent2"/>
+                </a:solidFill>
+                <a:sym typeface="Symbol" charset="2"/>
+              </a:rPr>
+              <a:t>bool</a:t>
+            </a:r>
+            <a:r>
+              <a:rPr lang="en-US" sz="2400" dirty="0">
+                <a:solidFill>
+                  <a:schemeClr val="accent2"/>
+                </a:solidFill>
+                <a:sym typeface="Symbol" charset="2"/>
+              </a:rPr>
+              <a:t> T() { </a:t>
+            </a:r>
+          </a:p>
+          <a:p>
+            <a:pPr marL="457200" lvl="1" indent="0">
+              <a:buNone/>
+            </a:pPr>
+            <a:r>
+              <a:rPr lang="en-US" sz="2400" dirty="0">
+                <a:solidFill>
+                  <a:schemeClr val="accent2"/>
+                </a:solidFill>
+                <a:sym typeface="Symbol" charset="2"/>
+              </a:rPr>
+              <a:t>	TOKEN *save = next;</a:t>
+            </a:r>
+          </a:p>
+          <a:p>
+            <a:pPr marL="457200" lvl="1" indent="0">
+              <a:buNone/>
+            </a:pPr>
+            <a:r>
+              <a:rPr lang="en-US" sz="2400" dirty="0">
+                <a:solidFill>
+                  <a:schemeClr val="accent2"/>
+                </a:solidFill>
+                <a:sym typeface="Symbol" charset="2"/>
+              </a:rPr>
+              <a:t>       return    (next= save, T</a:t>
+            </a:r>
+            <a:r>
+              <a:rPr lang="en-US" sz="2400" baseline="-25000" dirty="0">
+                <a:solidFill>
+                  <a:schemeClr val="accent2"/>
+                </a:solidFill>
+                <a:sym typeface="Symbol" charset="2"/>
+              </a:rPr>
+              <a:t>1</a:t>
+            </a:r>
+            <a:r>
+              <a:rPr lang="en-US" sz="2400" dirty="0">
+                <a:solidFill>
+                  <a:schemeClr val="accent2"/>
+                </a:solidFill>
+                <a:sym typeface="Symbol" charset="2"/>
+              </a:rPr>
+              <a:t>()) </a:t>
+            </a:r>
+          </a:p>
+          <a:p>
+            <a:pPr marL="457200" lvl="1" indent="0">
+              <a:buNone/>
+            </a:pPr>
+            <a:r>
+              <a:rPr lang="en-US" sz="2400" dirty="0">
+                <a:solidFill>
+                  <a:schemeClr val="accent2"/>
+                </a:solidFill>
+                <a:sym typeface="Symbol" charset="2"/>
+              </a:rPr>
+              <a:t>                    || (next= save, T</a:t>
+            </a:r>
+            <a:r>
+              <a:rPr lang="en-US" sz="2400" baseline="-25000" dirty="0">
+                <a:solidFill>
+                  <a:schemeClr val="accent2"/>
+                </a:solidFill>
+                <a:sym typeface="Symbol" charset="2"/>
+              </a:rPr>
+              <a:t>2</a:t>
+            </a:r>
+            <a:r>
+              <a:rPr lang="en-US" sz="2400" dirty="0">
+                <a:solidFill>
+                  <a:schemeClr val="accent2"/>
+                </a:solidFill>
+                <a:sym typeface="Symbol" charset="2"/>
+              </a:rPr>
+              <a:t>())</a:t>
+            </a:r>
+          </a:p>
+          <a:p>
+            <a:pPr marL="457200" lvl="1" indent="0">
+              <a:buNone/>
+            </a:pPr>
+            <a:r>
+              <a:rPr lang="en-US" sz="2400" dirty="0">
+                <a:solidFill>
+                  <a:schemeClr val="accent2"/>
+                </a:solidFill>
+                <a:sym typeface="Symbol" charset="2"/>
+              </a:rPr>
+              <a:t>                    || (next= save, T</a:t>
+            </a:r>
+            <a:r>
+              <a:rPr lang="en-US" sz="2400" baseline="-25000" dirty="0">
+                <a:solidFill>
+                  <a:schemeClr val="accent2"/>
+                </a:solidFill>
+                <a:sym typeface="Symbol" charset="2"/>
+              </a:rPr>
+              <a:t>3</a:t>
+            </a:r>
+            <a:r>
+              <a:rPr lang="en-US" sz="2400" dirty="0">
+                <a:solidFill>
+                  <a:schemeClr val="accent2"/>
+                </a:solidFill>
+                <a:sym typeface="Symbol" charset="2"/>
+              </a:rPr>
+              <a:t>()); }</a:t>
+            </a:r>
           </a:p>
         </p:txBody>
       </p:sp>
@@ -19968,19 +18759,7 @@
               <a:rPr lang="en-US" dirty="0">
                 <a:sym typeface="Symbol" charset="2"/>
               </a:rPr>
-              <a:t>T</a:t>
-            </a:r>
-            <a:r>
-              <a:rPr lang="en-US" dirty="0" smtClean="0">
-                <a:sym typeface="Symbol" charset="2"/>
-              </a:rPr>
-              <a:t> + </a:t>
-            </a:r>
-            <a:r>
-              <a:rPr lang="en-US" dirty="0">
-                <a:sym typeface="Symbol" charset="2"/>
-              </a:rPr>
-              <a:t>E</a:t>
+              <a:t>T + E</a:t>
             </a:r>
           </a:p>
           <a:p>
@@ -20002,7 +18781,7 @@
               <a:t> </a:t>
             </a:r>
             <a:r>
-              <a:rPr lang="en-US" dirty="0" smtClean="0">
+              <a:rPr lang="en-US" dirty="0">
                 <a:sym typeface="Symbol" charset="2"/>
               </a:rPr>
               <a:t>T</a:t>
@@ -20067,16 +18846,10 @@
               <a:rPr lang="en-US" dirty="0">
                 <a:sym typeface="Symbol" charset="2"/>
               </a:rPr>
-              <a:t> * </a:t>
-            </a:r>
-            <a:r>
-              <a:rPr lang="en-US" dirty="0" smtClean="0">
-                <a:sym typeface="Symbol" charset="2"/>
-              </a:rPr>
-              <a:t>T</a:t>
+              <a:t> * T</a:t>
             </a:r>
             <a:br>
-              <a:rPr lang="en-US" dirty="0" smtClean="0">
+              <a:rPr lang="en-US" dirty="0">
                 <a:sym typeface="Symbol" charset="2"/>
               </a:rPr>
             </a:br>
@@ -20099,12 +18872,12 @@
               <a:t> </a:t>
             </a:r>
             <a:r>
-              <a:rPr lang="en-US" dirty="0" err="1" smtClean="0">
+              <a:rPr lang="en-US" dirty="0" err="1">
                 <a:sym typeface="Symbol" charset="2"/>
               </a:rPr>
               <a:t>int</a:t>
             </a:r>
-            <a:endParaRPr lang="en-US" dirty="0" smtClean="0">
+            <a:endParaRPr lang="en-US" dirty="0">
               <a:sym typeface="Symbol" charset="2"/>
             </a:endParaRPr>
           </a:p>
@@ -20123,7 +18896,7 @@
   <p:timing>
     <p:tnLst>
       <p:par>
-        <p:cTn xmlns:p14="http://schemas.microsoft.com/office/powerpoint/2010/main" id="1" dur="indefinite" restart="never" nodeType="tmRoot">
+        <p:cTn id="1" dur="indefinite" restart="never" nodeType="tmRoot">
           <p:childTnLst>
             <p:seq concurrent="1" nextAc="seek">
               <p:cTn id="2" dur="indefinite" nodeType="mainSeq">
@@ -20474,7 +19247,7 @@
 </file>
 
 <file path=ppt/theme/theme1.xml><?xml version="1.0" encoding="utf-8"?>
-<a:theme xmlns:a="http://schemas.openxmlformats.org/drawingml/2006/main" name="Blank Presentation">
+<a:theme xmlns:a="http://schemas.openxmlformats.org/drawingml/2006/main" name="1_Blank Presentation">
   <a:themeElements>
     <a:clrScheme name="Blank Presentation 1">
       <a:dk1>
@@ -20514,16 +19287,110 @@
         <a:srgbClr val="99CC00"/>
       </a:folHlink>
     </a:clrScheme>
-    <a:fontScheme name="Blank Presentation">
+    <a:fontScheme name="Office">
       <a:majorFont>
-        <a:latin typeface="Times"/>
+        <a:latin typeface="Calibri Light" panose="020F0302020204030204"/>
         <a:ea typeface=""/>
         <a:cs typeface=""/>
+        <a:font script="Jpan" typeface="游ゴシック Light"/>
+        <a:font script="Hang" typeface="맑은 고딕"/>
+        <a:font script="Hans" typeface="等线 Light"/>
+        <a:font script="Hant" typeface="新細明體"/>
+        <a:font script="Arab" typeface="Times New Roman"/>
+        <a:font script="Hebr" typeface="Times New Roman"/>
+        <a:font script="Thai" typeface="Angsana New"/>
+        <a:font script="Ethi" typeface="Nyala"/>
+        <a:font script="Beng" typeface="Vrinda"/>
+        <a:font script="Gujr" typeface="Shruti"/>
+        <a:font script="Khmr" typeface="MoolBoran"/>
+        <a:font script="Knda" typeface="Tunga"/>
+        <a:font script="Guru" typeface="Raavi"/>
+        <a:font script="Cans" typeface="Euphemia"/>
+        <a:font script="Cher" typeface="Plantagenet Cherokee"/>
+        <a:font script="Yiii" typeface="Microsoft Yi Baiti"/>
+        <a:font script="Tibt" typeface="Microsoft Himalaya"/>
+        <a:font script="Thaa" typeface="MV Boli"/>
+        <a:font script="Deva" typeface="Mangal"/>
+        <a:font script="Telu" typeface="Gautami"/>
+        <a:font script="Taml" typeface="Latha"/>
+        <a:font script="Syrc" typeface="Estrangelo Edessa"/>
+        <a:font script="Orya" typeface="Kalinga"/>
+        <a:font script="Mlym" typeface="Kartika"/>
+        <a:font script="Laoo" typeface="DokChampa"/>
+        <a:font script="Sinh" typeface="Iskoola Pota"/>
+        <a:font script="Mong" typeface="Mongolian Baiti"/>
+        <a:font script="Viet" typeface="Times New Roman"/>
+        <a:font script="Uigh" typeface="Microsoft Uighur"/>
+        <a:font script="Geor" typeface="Sylfaen"/>
+        <a:font script="Armn" typeface="Arial"/>
+        <a:font script="Bugi" typeface="Leelawadee UI"/>
+        <a:font script="Bopo" typeface="Microsoft JhengHei"/>
+        <a:font script="Java" typeface="Javanese Text"/>
+        <a:font script="Lisu" typeface="Segoe UI"/>
+        <a:font script="Mymr" typeface="Myanmar Text"/>
+        <a:font script="Nkoo" typeface="Ebrima"/>
+        <a:font script="Olck" typeface="Nirmala UI"/>
+        <a:font script="Osma" typeface="Ebrima"/>
+        <a:font script="Phag" typeface="Phagspa"/>
+        <a:font script="Syrn" typeface="Estrangelo Edessa"/>
+        <a:font script="Syrj" typeface="Estrangelo Edessa"/>
+        <a:font script="Syre" typeface="Estrangelo Edessa"/>
+        <a:font script="Sora" typeface="Nirmala UI"/>
+        <a:font script="Tale" typeface="Microsoft Tai Le"/>
+        <a:font script="Talu" typeface="Microsoft New Tai Lue"/>
+        <a:font script="Tfng" typeface="Ebrima"/>
       </a:majorFont>
       <a:minorFont>
-        <a:latin typeface="Times"/>
+        <a:latin typeface="Calibri" panose="020F0502020204030204"/>
         <a:ea typeface=""/>
         <a:cs typeface=""/>
+        <a:font script="Jpan" typeface="游ゴシック"/>
+        <a:font script="Hang" typeface="맑은 고딕"/>
+        <a:font script="Hans" typeface="等线"/>
+        <a:font script="Hant" typeface="新細明體"/>
+        <a:font script="Arab" typeface="Arial"/>
+        <a:font script="Hebr" typeface="Arial"/>
+        <a:font script="Thai" typeface="Cordia New"/>
+        <a:font script="Ethi" typeface="Nyala"/>
+        <a:font script="Beng" typeface="Vrinda"/>
+        <a:font script="Gujr" typeface="Shruti"/>
+        <a:font script="Khmr" typeface="DaunPenh"/>
+        <a:font script="Knda" typeface="Tunga"/>
+        <a:font script="Guru" typeface="Raavi"/>
+        <a:font script="Cans" typeface="Euphemia"/>
+        <a:font script="Cher" typeface="Plantagenet Cherokee"/>
+        <a:font script="Yiii" typeface="Microsoft Yi Baiti"/>
+        <a:font script="Tibt" typeface="Microsoft Himalaya"/>
+        <a:font script="Thaa" typeface="MV Boli"/>
+        <a:font script="Deva" typeface="Mangal"/>
+        <a:font script="Telu" typeface="Gautami"/>
+        <a:font script="Taml" typeface="Latha"/>
+        <a:font script="Syrc" typeface="Estrangelo Edessa"/>
+        <a:font script="Orya" typeface="Kalinga"/>
+        <a:font script="Mlym" typeface="Kartika"/>
+        <a:font script="Laoo" typeface="DokChampa"/>
+        <a:font script="Sinh" typeface="Iskoola Pota"/>
+        <a:font script="Mong" typeface="Mongolian Baiti"/>
+        <a:font script="Viet" typeface="Arial"/>
+        <a:font script="Uigh" typeface="Microsoft Uighur"/>
+        <a:font script="Geor" typeface="Sylfaen"/>
+        <a:font script="Armn" typeface="Arial"/>
+        <a:font script="Bugi" typeface="Leelawadee UI"/>
+        <a:font script="Bopo" typeface="Microsoft JhengHei"/>
+        <a:font script="Java" typeface="Javanese Text"/>
+        <a:font script="Lisu" typeface="Segoe UI"/>
+        <a:font script="Mymr" typeface="Myanmar Text"/>
+        <a:font script="Nkoo" typeface="Ebrima"/>
+        <a:font script="Olck" typeface="Nirmala UI"/>
+        <a:font script="Osma" typeface="Ebrima"/>
+        <a:font script="Phag" typeface="Phagspa"/>
+        <a:font script="Syrn" typeface="Estrangelo Edessa"/>
+        <a:font script="Syrj" typeface="Estrangelo Edessa"/>
+        <a:font script="Syre" typeface="Estrangelo Edessa"/>
+        <a:font script="Sora" typeface="Nirmala UI"/>
+        <a:font script="Tale" typeface="Microsoft Tai Le"/>
+        <a:font script="Talu" typeface="Microsoft New Tai Lue"/>
+        <a:font script="Tfng" typeface="Ebrima"/>
       </a:minorFont>
     </a:fontScheme>
     <a:fmtScheme name="Office">

--- a/assets/ppt/parsing/td1-recursive-descent.pptx
+++ b/assets/ppt/parsing/td1-recursive-descent.pptx
@@ -260,7 +260,7 @@
           <a:p>
             <a:fld id="{0DDE2897-DA21-3E4F-B539-E8F5D4B26403}" type="datetimeFigureOut">
               <a:rPr lang="en-US" smtClean="0"/>
-              <a:t>7/4/19</a:t>
+              <a:t>7/11/19</a:t>
             </a:fld>
             <a:endParaRPr lang="en-US"/>
           </a:p>
@@ -10184,7 +10184,7 @@
           <a:p>
             <a:r>
               <a:rPr lang="en-CA" dirty="0"/>
-              <a:t>Intro t0 Top-Down Parsing</a:t>
+              <a:t>Top-Down Parsing</a:t>
             </a:r>
           </a:p>
         </p:txBody>

--- a/assets/ppt/parsing/td1-recursive-descent.pptx
+++ b/assets/ppt/parsing/td1-recursive-descent.pptx
@@ -260,7 +260,7 @@
           <a:p>
             <a:fld id="{0DDE2897-DA21-3E4F-B539-E8F5D4B26403}" type="datetimeFigureOut">
               <a:rPr lang="en-US" smtClean="0"/>
-              <a:t>7/11/19</a:t>
+              <a:t>7/18/19</a:t>
             </a:fld>
             <a:endParaRPr lang="en-US"/>
           </a:p>
@@ -9864,6 +9864,41 @@
               <a:effectLst/>
               <a:latin typeface="Times" charset="0"/>
             </a:endParaRPr>
+          </a:p>
+        </p:txBody>
+      </p:sp>
+      <p:sp>
+        <p:nvSpPr>
+          <p:cNvPr id="4" name="TextBox 3">
+            <a:extLst>
+              <a:ext uri="{FF2B5EF4-FFF2-40B4-BE49-F238E27FC236}">
+                <a16:creationId xmlns:a16="http://schemas.microsoft.com/office/drawing/2014/main" id="{C5E02E99-46F1-574E-9950-611C0E7D7AA1}"/>
+              </a:ext>
+            </a:extLst>
+          </p:cNvPr>
+          <p:cNvSpPr txBox="1"/>
+          <p:nvPr/>
+        </p:nvSpPr>
+        <p:spPr>
+          <a:xfrm>
+            <a:off x="4283968" y="1752600"/>
+            <a:ext cx="2448272" cy="461665"/>
+          </a:xfrm>
+          <a:prstGeom prst="rect">
+            <a:avLst/>
+          </a:prstGeom>
+          <a:noFill/>
+        </p:spPr>
+        <p:txBody>
+          <a:bodyPr wrap="square" rtlCol="0">
+            <a:spAutoFit/>
+          </a:bodyPr>
+          <a:lstStyle/>
+          <a:p>
+            <a:r>
+              <a:rPr lang="en-US" dirty="0"/>
+              <a:t>Order: S, A, B</a:t>
+            </a:r>
           </a:p>
         </p:txBody>
       </p:sp>
